--- a/multinomial_logistic_fits/plots/muller plot lineages_overall_raw data.pptx
+++ b/multinomial_logistic_fits/plots/muller plot lineages_overall_raw data.pptx
@@ -3398,261 +3398,279 @@
           </p:nvSpPr>
           <p:spPr>
             <a:xfrm>
-              <a:off x="2778664" y="1722339"/>
-              <a:ext cx="5613215" cy="551162"/>
+              <a:off x="2746497" y="1722339"/>
+              <a:ext cx="5733394" cy="510433"/>
             </a:xfrm>
             <a:custGeom>
               <a:avLst/>
               <a:pathLst>
-                <a:path w="5613215" h="551162">
+                <a:path w="5733394" h="510433">
                   <a:moveTo>
                     <a:pt x="0" y="0"/>
                   </a:moveTo>
                   <a:lnTo>
-                    <a:pt x="136907" y="0"/>
-                  </a:lnTo>
-                  <a:lnTo>
-                    <a:pt x="273815" y="0"/>
-                  </a:lnTo>
-                  <a:lnTo>
-                    <a:pt x="410723" y="0"/>
-                  </a:lnTo>
-                  <a:lnTo>
-                    <a:pt x="547630" y="0"/>
-                  </a:lnTo>
-                  <a:lnTo>
-                    <a:pt x="684538" y="0"/>
-                  </a:lnTo>
-                  <a:lnTo>
-                    <a:pt x="821446" y="0"/>
-                  </a:lnTo>
-                  <a:lnTo>
-                    <a:pt x="958353" y="0"/>
-                  </a:lnTo>
-                  <a:lnTo>
-                    <a:pt x="1095261" y="0"/>
-                  </a:lnTo>
-                  <a:lnTo>
-                    <a:pt x="1232169" y="0"/>
-                  </a:lnTo>
-                  <a:lnTo>
-                    <a:pt x="1369076" y="0"/>
-                  </a:lnTo>
-                  <a:lnTo>
-                    <a:pt x="1505984" y="0"/>
-                  </a:lnTo>
-                  <a:lnTo>
-                    <a:pt x="1642892" y="0"/>
-                  </a:lnTo>
-                  <a:lnTo>
-                    <a:pt x="1779800" y="0"/>
-                  </a:lnTo>
-                  <a:lnTo>
-                    <a:pt x="1916707" y="0"/>
-                  </a:lnTo>
-                  <a:lnTo>
-                    <a:pt x="2053615" y="0"/>
-                  </a:lnTo>
-                  <a:lnTo>
-                    <a:pt x="2190523" y="0"/>
-                  </a:lnTo>
-                  <a:lnTo>
-                    <a:pt x="2327430" y="0"/>
-                  </a:lnTo>
-                  <a:lnTo>
-                    <a:pt x="2464338" y="0"/>
-                  </a:lnTo>
-                  <a:lnTo>
-                    <a:pt x="2601246" y="0"/>
-                  </a:lnTo>
-                  <a:lnTo>
-                    <a:pt x="2738153" y="0"/>
-                  </a:lnTo>
-                  <a:lnTo>
-                    <a:pt x="2875061" y="0"/>
-                  </a:lnTo>
-                  <a:lnTo>
-                    <a:pt x="3011969" y="0"/>
-                  </a:lnTo>
-                  <a:lnTo>
-                    <a:pt x="3148876" y="0"/>
-                  </a:lnTo>
-                  <a:lnTo>
-                    <a:pt x="3285784" y="0"/>
-                  </a:lnTo>
-                  <a:lnTo>
-                    <a:pt x="3422692" y="0"/>
-                  </a:lnTo>
-                  <a:lnTo>
-                    <a:pt x="3559600" y="0"/>
-                  </a:lnTo>
-                  <a:lnTo>
-                    <a:pt x="3696507" y="0"/>
-                  </a:lnTo>
-                  <a:lnTo>
-                    <a:pt x="3833415" y="0"/>
-                  </a:lnTo>
-                  <a:lnTo>
-                    <a:pt x="3970323" y="0"/>
-                  </a:lnTo>
-                  <a:lnTo>
-                    <a:pt x="4107230" y="0"/>
-                  </a:lnTo>
-                  <a:lnTo>
-                    <a:pt x="4244138" y="0"/>
-                  </a:lnTo>
-                  <a:lnTo>
-                    <a:pt x="4381046" y="0"/>
-                  </a:lnTo>
-                  <a:lnTo>
-                    <a:pt x="4517953" y="0"/>
-                  </a:lnTo>
-                  <a:lnTo>
-                    <a:pt x="4654861" y="0"/>
-                  </a:lnTo>
-                  <a:lnTo>
-                    <a:pt x="4791769" y="0"/>
-                  </a:lnTo>
-                  <a:lnTo>
-                    <a:pt x="4928677" y="0"/>
-                  </a:lnTo>
-                  <a:lnTo>
-                    <a:pt x="5065584" y="0"/>
-                  </a:lnTo>
-                  <a:lnTo>
-                    <a:pt x="5202492" y="0"/>
-                  </a:lnTo>
-                  <a:lnTo>
-                    <a:pt x="5339400" y="0"/>
-                  </a:lnTo>
-                  <a:lnTo>
-                    <a:pt x="5476307" y="0"/>
-                  </a:lnTo>
-                  <a:lnTo>
-                    <a:pt x="5613215" y="0"/>
-                  </a:lnTo>
-                  <a:lnTo>
-                    <a:pt x="5476307" y="854"/>
-                  </a:lnTo>
-                  <a:lnTo>
-                    <a:pt x="5339400" y="1244"/>
-                  </a:lnTo>
-                  <a:lnTo>
-                    <a:pt x="5202492" y="0"/>
-                  </a:lnTo>
-                  <a:lnTo>
-                    <a:pt x="5065584" y="582"/>
-                  </a:lnTo>
-                  <a:lnTo>
-                    <a:pt x="4928677" y="338"/>
-                  </a:lnTo>
-                  <a:lnTo>
-                    <a:pt x="4791769" y="0"/>
-                  </a:lnTo>
-                  <a:lnTo>
-                    <a:pt x="4654861" y="1375"/>
-                  </a:lnTo>
-                  <a:lnTo>
-                    <a:pt x="4517953" y="417"/>
-                  </a:lnTo>
-                  <a:lnTo>
-                    <a:pt x="4381046" y="0"/>
-                  </a:lnTo>
-                  <a:lnTo>
-                    <a:pt x="4244138" y="2972"/>
-                  </a:lnTo>
-                  <a:lnTo>
-                    <a:pt x="4107230" y="0"/>
-                  </a:lnTo>
-                  <a:lnTo>
-                    <a:pt x="3970323" y="0"/>
-                  </a:lnTo>
-                  <a:lnTo>
-                    <a:pt x="3833415" y="845"/>
-                  </a:lnTo>
-                  <a:lnTo>
-                    <a:pt x="3696507" y="2816"/>
-                  </a:lnTo>
-                  <a:lnTo>
-                    <a:pt x="3559600" y="0"/>
-                  </a:lnTo>
-                  <a:lnTo>
-                    <a:pt x="3422692" y="0"/>
-                  </a:lnTo>
-                  <a:lnTo>
-                    <a:pt x="3285784" y="0"/>
-                  </a:lnTo>
-                  <a:lnTo>
-                    <a:pt x="3148876" y="2712"/>
-                  </a:lnTo>
-                  <a:lnTo>
-                    <a:pt x="3011969" y="0"/>
-                  </a:lnTo>
-                  <a:lnTo>
-                    <a:pt x="2875061" y="6766"/>
-                  </a:lnTo>
-                  <a:lnTo>
-                    <a:pt x="2738153" y="5510"/>
-                  </a:lnTo>
-                  <a:lnTo>
-                    <a:pt x="2601246" y="0"/>
-                  </a:lnTo>
-                  <a:lnTo>
-                    <a:pt x="2464338" y="0"/>
-                  </a:lnTo>
-                  <a:lnTo>
-                    <a:pt x="2327430" y="0"/>
-                  </a:lnTo>
-                  <a:lnTo>
-                    <a:pt x="2190523" y="3305"/>
-                  </a:lnTo>
-                  <a:lnTo>
-                    <a:pt x="2053615" y="5015"/>
-                  </a:lnTo>
-                  <a:lnTo>
-                    <a:pt x="1916707" y="5022"/>
-                  </a:lnTo>
-                  <a:lnTo>
-                    <a:pt x="1779800" y="22054"/>
-                  </a:lnTo>
-                  <a:lnTo>
-                    <a:pt x="1642892" y="23034"/>
-                  </a:lnTo>
-                  <a:lnTo>
-                    <a:pt x="1505984" y="11862"/>
-                  </a:lnTo>
-                  <a:lnTo>
-                    <a:pt x="1369076" y="13257"/>
-                  </a:lnTo>
-                  <a:lnTo>
-                    <a:pt x="1232169" y="45049"/>
-                  </a:lnTo>
-                  <a:lnTo>
-                    <a:pt x="1095261" y="71091"/>
-                  </a:lnTo>
-                  <a:lnTo>
-                    <a:pt x="958353" y="98890"/>
-                  </a:lnTo>
-                  <a:lnTo>
-                    <a:pt x="821446" y="58717"/>
-                  </a:lnTo>
-                  <a:lnTo>
-                    <a:pt x="684538" y="116564"/>
-                  </a:lnTo>
-                  <a:lnTo>
-                    <a:pt x="547630" y="161274"/>
-                  </a:lnTo>
-                  <a:lnTo>
-                    <a:pt x="410723" y="268172"/>
-                  </a:lnTo>
-                  <a:lnTo>
-                    <a:pt x="273815" y="435196"/>
-                  </a:lnTo>
-                  <a:lnTo>
-                    <a:pt x="136907" y="551162"/>
-                  </a:lnTo>
-                  <a:lnTo>
-                    <a:pt x="0" y="536221"/>
+                    <a:pt x="130304" y="0"/>
+                  </a:lnTo>
+                  <a:lnTo>
+                    <a:pt x="260608" y="0"/>
+                  </a:lnTo>
+                  <a:lnTo>
+                    <a:pt x="390913" y="0"/>
+                  </a:lnTo>
+                  <a:lnTo>
+                    <a:pt x="521217" y="0"/>
+                  </a:lnTo>
+                  <a:lnTo>
+                    <a:pt x="651522" y="0"/>
+                  </a:lnTo>
+                  <a:lnTo>
+                    <a:pt x="781826" y="0"/>
+                  </a:lnTo>
+                  <a:lnTo>
+                    <a:pt x="912131" y="0"/>
+                  </a:lnTo>
+                  <a:lnTo>
+                    <a:pt x="1042435" y="0"/>
+                  </a:lnTo>
+                  <a:lnTo>
+                    <a:pt x="1172739" y="0"/>
+                  </a:lnTo>
+                  <a:lnTo>
+                    <a:pt x="1303044" y="0"/>
+                  </a:lnTo>
+                  <a:lnTo>
+                    <a:pt x="1433348" y="0"/>
+                  </a:lnTo>
+                  <a:lnTo>
+                    <a:pt x="1563653" y="0"/>
+                  </a:lnTo>
+                  <a:lnTo>
+                    <a:pt x="1693957" y="0"/>
+                  </a:lnTo>
+                  <a:lnTo>
+                    <a:pt x="1824262" y="0"/>
+                  </a:lnTo>
+                  <a:lnTo>
+                    <a:pt x="1954566" y="0"/>
+                  </a:lnTo>
+                  <a:lnTo>
+                    <a:pt x="2084870" y="0"/>
+                  </a:lnTo>
+                  <a:lnTo>
+                    <a:pt x="2215175" y="0"/>
+                  </a:lnTo>
+                  <a:lnTo>
+                    <a:pt x="2345479" y="0"/>
+                  </a:lnTo>
+                  <a:lnTo>
+                    <a:pt x="2475784" y="0"/>
+                  </a:lnTo>
+                  <a:lnTo>
+                    <a:pt x="2606088" y="0"/>
+                  </a:lnTo>
+                  <a:lnTo>
+                    <a:pt x="2736393" y="0"/>
+                  </a:lnTo>
+                  <a:lnTo>
+                    <a:pt x="2866697" y="0"/>
+                  </a:lnTo>
+                  <a:lnTo>
+                    <a:pt x="2997001" y="0"/>
+                  </a:lnTo>
+                  <a:lnTo>
+                    <a:pt x="3127306" y="0"/>
+                  </a:lnTo>
+                  <a:lnTo>
+                    <a:pt x="3257610" y="0"/>
+                  </a:lnTo>
+                  <a:lnTo>
+                    <a:pt x="3387915" y="0"/>
+                  </a:lnTo>
+                  <a:lnTo>
+                    <a:pt x="3518219" y="0"/>
+                  </a:lnTo>
+                  <a:lnTo>
+                    <a:pt x="3648524" y="0"/>
+                  </a:lnTo>
+                  <a:lnTo>
+                    <a:pt x="3778828" y="0"/>
+                  </a:lnTo>
+                  <a:lnTo>
+                    <a:pt x="3909132" y="0"/>
+                  </a:lnTo>
+                  <a:lnTo>
+                    <a:pt x="4039437" y="0"/>
+                  </a:lnTo>
+                  <a:lnTo>
+                    <a:pt x="4169741" y="0"/>
+                  </a:lnTo>
+                  <a:lnTo>
+                    <a:pt x="4300046" y="0"/>
+                  </a:lnTo>
+                  <a:lnTo>
+                    <a:pt x="4430350" y="0"/>
+                  </a:lnTo>
+                  <a:lnTo>
+                    <a:pt x="4560655" y="0"/>
+                  </a:lnTo>
+                  <a:lnTo>
+                    <a:pt x="4690959" y="0"/>
+                  </a:lnTo>
+                  <a:lnTo>
+                    <a:pt x="4821263" y="0"/>
+                  </a:lnTo>
+                  <a:lnTo>
+                    <a:pt x="4951568" y="0"/>
+                  </a:lnTo>
+                  <a:lnTo>
+                    <a:pt x="5081872" y="0"/>
+                  </a:lnTo>
+                  <a:lnTo>
+                    <a:pt x="5212177" y="0"/>
+                  </a:lnTo>
+                  <a:lnTo>
+                    <a:pt x="5342481" y="0"/>
+                  </a:lnTo>
+                  <a:lnTo>
+                    <a:pt x="5472786" y="0"/>
+                  </a:lnTo>
+                  <a:lnTo>
+                    <a:pt x="5603090" y="0"/>
+                  </a:lnTo>
+                  <a:lnTo>
+                    <a:pt x="5733394" y="0"/>
+                  </a:lnTo>
+                  <a:lnTo>
+                    <a:pt x="5603090" y="0"/>
+                  </a:lnTo>
+                  <a:lnTo>
+                    <a:pt x="5472786" y="0"/>
+                  </a:lnTo>
+                  <a:lnTo>
+                    <a:pt x="5342481" y="0"/>
+                  </a:lnTo>
+                  <a:lnTo>
+                    <a:pt x="5212177" y="0"/>
+                  </a:lnTo>
+                  <a:lnTo>
+                    <a:pt x="5081872" y="0"/>
+                  </a:lnTo>
+                  <a:lnTo>
+                    <a:pt x="4951568" y="0"/>
+                  </a:lnTo>
+                  <a:lnTo>
+                    <a:pt x="4821263" y="0"/>
+                  </a:lnTo>
+                  <a:lnTo>
+                    <a:pt x="4690959" y="0"/>
+                  </a:lnTo>
+                  <a:lnTo>
+                    <a:pt x="4560655" y="325"/>
+                  </a:lnTo>
+                  <a:lnTo>
+                    <a:pt x="4430350" y="453"/>
+                  </a:lnTo>
+                  <a:lnTo>
+                    <a:pt x="4300046" y="0"/>
+                  </a:lnTo>
+                  <a:lnTo>
+                    <a:pt x="4169741" y="0"/>
+                  </a:lnTo>
+                  <a:lnTo>
+                    <a:pt x="4039437" y="987"/>
+                  </a:lnTo>
+                  <a:lnTo>
+                    <a:pt x="3909132" y="0"/>
+                  </a:lnTo>
+                  <a:lnTo>
+                    <a:pt x="3778828" y="0"/>
+                  </a:lnTo>
+                  <a:lnTo>
+                    <a:pt x="3648524" y="845"/>
+                  </a:lnTo>
+                  <a:lnTo>
+                    <a:pt x="3518219" y="1880"/>
+                  </a:lnTo>
+                  <a:lnTo>
+                    <a:pt x="3387915" y="0"/>
+                  </a:lnTo>
+                  <a:lnTo>
+                    <a:pt x="3257610" y="0"/>
+                  </a:lnTo>
+                  <a:lnTo>
+                    <a:pt x="3127306" y="0"/>
+                  </a:lnTo>
+                  <a:lnTo>
+                    <a:pt x="2997001" y="2712"/>
+                  </a:lnTo>
+                  <a:lnTo>
+                    <a:pt x="2866697" y="0"/>
+                  </a:lnTo>
+                  <a:lnTo>
+                    <a:pt x="2736393" y="0"/>
+                  </a:lnTo>
+                  <a:lnTo>
+                    <a:pt x="2606088" y="5510"/>
+                  </a:lnTo>
+                  <a:lnTo>
+                    <a:pt x="2475784" y="0"/>
+                  </a:lnTo>
+                  <a:lnTo>
+                    <a:pt x="2345479" y="0"/>
+                  </a:lnTo>
+                  <a:lnTo>
+                    <a:pt x="2215175" y="0"/>
+                  </a:lnTo>
+                  <a:lnTo>
+                    <a:pt x="2084870" y="3305"/>
+                  </a:lnTo>
+                  <a:lnTo>
+                    <a:pt x="1954566" y="5015"/>
+                  </a:lnTo>
+                  <a:lnTo>
+                    <a:pt x="1824262" y="5020"/>
+                  </a:lnTo>
+                  <a:lnTo>
+                    <a:pt x="1693957" y="18422"/>
+                  </a:lnTo>
+                  <a:lnTo>
+                    <a:pt x="1563653" y="18481"/>
+                  </a:lnTo>
+                  <a:lnTo>
+                    <a:pt x="1433348" y="5931"/>
+                  </a:lnTo>
+                  <a:lnTo>
+                    <a:pt x="1303044" y="13295"/>
+                  </a:lnTo>
+                  <a:lnTo>
+                    <a:pt x="1172739" y="46859"/>
+                  </a:lnTo>
+                  <a:lnTo>
+                    <a:pt x="1042435" y="71317"/>
+                  </a:lnTo>
+                  <a:lnTo>
+                    <a:pt x="912131" y="91962"/>
+                  </a:lnTo>
+                  <a:lnTo>
+                    <a:pt x="781826" y="58777"/>
+                  </a:lnTo>
+                  <a:lnTo>
+                    <a:pt x="651522" y="106367"/>
+                  </a:lnTo>
+                  <a:lnTo>
+                    <a:pt x="521217" y="174806"/>
+                  </a:lnTo>
+                  <a:lnTo>
+                    <a:pt x="390913" y="256037"/>
+                  </a:lnTo>
+                  <a:lnTo>
+                    <a:pt x="260608" y="428017"/>
+                  </a:lnTo>
+                  <a:lnTo>
+                    <a:pt x="130304" y="510433"/>
+                  </a:lnTo>
+                  <a:lnTo>
+                    <a:pt x="0" y="497351"/>
                   </a:lnTo>
                   <a:close/>
                 </a:path>
@@ -3678,138 +3696,150 @@
           </p:nvSpPr>
           <p:spPr>
             <a:xfrm>
-              <a:off x="2778664" y="1722339"/>
-              <a:ext cx="5613215" cy="0"/>
+              <a:off x="2746497" y="1722339"/>
+              <a:ext cx="5733394" cy="0"/>
             </a:xfrm>
             <a:custGeom>
               <a:avLst/>
               <a:pathLst>
-                <a:path w="5613215" h="0">
+                <a:path w="5733394" h="0">
                   <a:moveTo>
                     <a:pt x="0" y="0"/>
                   </a:moveTo>
                   <a:lnTo>
-                    <a:pt x="136907" y="0"/>
-                  </a:lnTo>
-                  <a:lnTo>
-                    <a:pt x="273815" y="0"/>
-                  </a:lnTo>
-                  <a:lnTo>
-                    <a:pt x="410723" y="0"/>
-                  </a:lnTo>
-                  <a:lnTo>
-                    <a:pt x="547630" y="0"/>
-                  </a:lnTo>
-                  <a:lnTo>
-                    <a:pt x="684538" y="0"/>
-                  </a:lnTo>
-                  <a:lnTo>
-                    <a:pt x="821446" y="0"/>
-                  </a:lnTo>
-                  <a:lnTo>
-                    <a:pt x="958353" y="0"/>
-                  </a:lnTo>
-                  <a:lnTo>
-                    <a:pt x="1095261" y="0"/>
-                  </a:lnTo>
-                  <a:lnTo>
-                    <a:pt x="1232169" y="0"/>
-                  </a:lnTo>
-                  <a:lnTo>
-                    <a:pt x="1369076" y="0"/>
-                  </a:lnTo>
-                  <a:lnTo>
-                    <a:pt x="1505984" y="0"/>
-                  </a:lnTo>
-                  <a:lnTo>
-                    <a:pt x="1642892" y="0"/>
-                  </a:lnTo>
-                  <a:lnTo>
-                    <a:pt x="1779800" y="0"/>
-                  </a:lnTo>
-                  <a:lnTo>
-                    <a:pt x="1916707" y="0"/>
-                  </a:lnTo>
-                  <a:lnTo>
-                    <a:pt x="2053615" y="0"/>
-                  </a:lnTo>
-                  <a:lnTo>
-                    <a:pt x="2190523" y="0"/>
-                  </a:lnTo>
-                  <a:lnTo>
-                    <a:pt x="2327430" y="0"/>
-                  </a:lnTo>
-                  <a:lnTo>
-                    <a:pt x="2464338" y="0"/>
-                  </a:lnTo>
-                  <a:lnTo>
-                    <a:pt x="2601246" y="0"/>
-                  </a:lnTo>
-                  <a:lnTo>
-                    <a:pt x="2738153" y="0"/>
-                  </a:lnTo>
-                  <a:lnTo>
-                    <a:pt x="2875061" y="0"/>
-                  </a:lnTo>
-                  <a:lnTo>
-                    <a:pt x="3011969" y="0"/>
-                  </a:lnTo>
-                  <a:lnTo>
-                    <a:pt x="3148876" y="0"/>
-                  </a:lnTo>
-                  <a:lnTo>
-                    <a:pt x="3285784" y="0"/>
-                  </a:lnTo>
-                  <a:lnTo>
-                    <a:pt x="3422692" y="0"/>
-                  </a:lnTo>
-                  <a:lnTo>
-                    <a:pt x="3559600" y="0"/>
-                  </a:lnTo>
-                  <a:lnTo>
-                    <a:pt x="3696507" y="0"/>
-                  </a:lnTo>
-                  <a:lnTo>
-                    <a:pt x="3833415" y="0"/>
-                  </a:lnTo>
-                  <a:lnTo>
-                    <a:pt x="3970323" y="0"/>
-                  </a:lnTo>
-                  <a:lnTo>
-                    <a:pt x="4107230" y="0"/>
-                  </a:lnTo>
-                  <a:lnTo>
-                    <a:pt x="4244138" y="0"/>
-                  </a:lnTo>
-                  <a:lnTo>
-                    <a:pt x="4381046" y="0"/>
-                  </a:lnTo>
-                  <a:lnTo>
-                    <a:pt x="4517953" y="0"/>
-                  </a:lnTo>
-                  <a:lnTo>
-                    <a:pt x="4654861" y="0"/>
-                  </a:lnTo>
-                  <a:lnTo>
-                    <a:pt x="4791769" y="0"/>
-                  </a:lnTo>
-                  <a:lnTo>
-                    <a:pt x="4928677" y="0"/>
-                  </a:lnTo>
-                  <a:lnTo>
-                    <a:pt x="5065584" y="0"/>
-                  </a:lnTo>
-                  <a:lnTo>
-                    <a:pt x="5202492" y="0"/>
-                  </a:lnTo>
-                  <a:lnTo>
-                    <a:pt x="5339400" y="0"/>
-                  </a:lnTo>
-                  <a:lnTo>
-                    <a:pt x="5476307" y="0"/>
-                  </a:lnTo>
-                  <a:lnTo>
-                    <a:pt x="5613215" y="0"/>
+                    <a:pt x="130304" y="0"/>
+                  </a:lnTo>
+                  <a:lnTo>
+                    <a:pt x="260608" y="0"/>
+                  </a:lnTo>
+                  <a:lnTo>
+                    <a:pt x="390913" y="0"/>
+                  </a:lnTo>
+                  <a:lnTo>
+                    <a:pt x="521217" y="0"/>
+                  </a:lnTo>
+                  <a:lnTo>
+                    <a:pt x="651522" y="0"/>
+                  </a:lnTo>
+                  <a:lnTo>
+                    <a:pt x="781826" y="0"/>
+                  </a:lnTo>
+                  <a:lnTo>
+                    <a:pt x="912131" y="0"/>
+                  </a:lnTo>
+                  <a:lnTo>
+                    <a:pt x="1042435" y="0"/>
+                  </a:lnTo>
+                  <a:lnTo>
+                    <a:pt x="1172739" y="0"/>
+                  </a:lnTo>
+                  <a:lnTo>
+                    <a:pt x="1303044" y="0"/>
+                  </a:lnTo>
+                  <a:lnTo>
+                    <a:pt x="1433348" y="0"/>
+                  </a:lnTo>
+                  <a:lnTo>
+                    <a:pt x="1563653" y="0"/>
+                  </a:lnTo>
+                  <a:lnTo>
+                    <a:pt x="1693957" y="0"/>
+                  </a:lnTo>
+                  <a:lnTo>
+                    <a:pt x="1824262" y="0"/>
+                  </a:lnTo>
+                  <a:lnTo>
+                    <a:pt x="1954566" y="0"/>
+                  </a:lnTo>
+                  <a:lnTo>
+                    <a:pt x="2084870" y="0"/>
+                  </a:lnTo>
+                  <a:lnTo>
+                    <a:pt x="2215175" y="0"/>
+                  </a:lnTo>
+                  <a:lnTo>
+                    <a:pt x="2345479" y="0"/>
+                  </a:lnTo>
+                  <a:lnTo>
+                    <a:pt x="2475784" y="0"/>
+                  </a:lnTo>
+                  <a:lnTo>
+                    <a:pt x="2606088" y="0"/>
+                  </a:lnTo>
+                  <a:lnTo>
+                    <a:pt x="2736393" y="0"/>
+                  </a:lnTo>
+                  <a:lnTo>
+                    <a:pt x="2866697" y="0"/>
+                  </a:lnTo>
+                  <a:lnTo>
+                    <a:pt x="2997001" y="0"/>
+                  </a:lnTo>
+                  <a:lnTo>
+                    <a:pt x="3127306" y="0"/>
+                  </a:lnTo>
+                  <a:lnTo>
+                    <a:pt x="3257610" y="0"/>
+                  </a:lnTo>
+                  <a:lnTo>
+                    <a:pt x="3387915" y="0"/>
+                  </a:lnTo>
+                  <a:lnTo>
+                    <a:pt x="3518219" y="0"/>
+                  </a:lnTo>
+                  <a:lnTo>
+                    <a:pt x="3648524" y="0"/>
+                  </a:lnTo>
+                  <a:lnTo>
+                    <a:pt x="3778828" y="0"/>
+                  </a:lnTo>
+                  <a:lnTo>
+                    <a:pt x="3909132" y="0"/>
+                  </a:lnTo>
+                  <a:lnTo>
+                    <a:pt x="4039437" y="0"/>
+                  </a:lnTo>
+                  <a:lnTo>
+                    <a:pt x="4169741" y="0"/>
+                  </a:lnTo>
+                  <a:lnTo>
+                    <a:pt x="4300046" y="0"/>
+                  </a:lnTo>
+                  <a:lnTo>
+                    <a:pt x="4430350" y="0"/>
+                  </a:lnTo>
+                  <a:lnTo>
+                    <a:pt x="4560655" y="0"/>
+                  </a:lnTo>
+                  <a:lnTo>
+                    <a:pt x="4690959" y="0"/>
+                  </a:lnTo>
+                  <a:lnTo>
+                    <a:pt x="4821263" y="0"/>
+                  </a:lnTo>
+                  <a:lnTo>
+                    <a:pt x="4951568" y="0"/>
+                  </a:lnTo>
+                  <a:lnTo>
+                    <a:pt x="5081872" y="0"/>
+                  </a:lnTo>
+                  <a:lnTo>
+                    <a:pt x="5212177" y="0"/>
+                  </a:lnTo>
+                  <a:lnTo>
+                    <a:pt x="5342481" y="0"/>
+                  </a:lnTo>
+                  <a:lnTo>
+                    <a:pt x="5472786" y="0"/>
+                  </a:lnTo>
+                  <a:lnTo>
+                    <a:pt x="5603090" y="0"/>
+                  </a:lnTo>
+                  <a:lnTo>
+                    <a:pt x="5733394" y="0"/>
+                  </a:lnTo>
+                  <a:lnTo>
+                    <a:pt x="5733394" y="0"/>
                   </a:lnTo>
                 </a:path>
               </a:pathLst>
@@ -3829,261 +3859,279 @@
           </p:nvSpPr>
           <p:spPr>
             <a:xfrm>
-              <a:off x="2778664" y="1722339"/>
-              <a:ext cx="5613215" cy="829626"/>
+              <a:off x="2746497" y="1722339"/>
+              <a:ext cx="5733394" cy="791702"/>
             </a:xfrm>
             <a:custGeom>
               <a:avLst/>
               <a:pathLst>
-                <a:path w="5613215" h="829626">
+                <a:path w="5733394" h="791702">
                   <a:moveTo>
-                    <a:pt x="0" y="536221"/>
+                    <a:pt x="0" y="497351"/>
                   </a:moveTo>
                   <a:lnTo>
-                    <a:pt x="136907" y="551162"/>
-                  </a:lnTo>
-                  <a:lnTo>
-                    <a:pt x="273815" y="435196"/>
-                  </a:lnTo>
-                  <a:lnTo>
-                    <a:pt x="410723" y="268172"/>
-                  </a:lnTo>
-                  <a:lnTo>
-                    <a:pt x="547630" y="161274"/>
-                  </a:lnTo>
-                  <a:lnTo>
-                    <a:pt x="684538" y="116564"/>
-                  </a:lnTo>
-                  <a:lnTo>
-                    <a:pt x="821446" y="58717"/>
-                  </a:lnTo>
-                  <a:lnTo>
-                    <a:pt x="958353" y="98890"/>
-                  </a:lnTo>
-                  <a:lnTo>
-                    <a:pt x="1095261" y="71091"/>
-                  </a:lnTo>
-                  <a:lnTo>
-                    <a:pt x="1232169" y="45049"/>
-                  </a:lnTo>
-                  <a:lnTo>
-                    <a:pt x="1369076" y="13257"/>
-                  </a:lnTo>
-                  <a:lnTo>
-                    <a:pt x="1505984" y="11862"/>
-                  </a:lnTo>
-                  <a:lnTo>
-                    <a:pt x="1642892" y="23034"/>
-                  </a:lnTo>
-                  <a:lnTo>
-                    <a:pt x="1779800" y="22054"/>
-                  </a:lnTo>
-                  <a:lnTo>
-                    <a:pt x="1916707" y="5022"/>
-                  </a:lnTo>
-                  <a:lnTo>
-                    <a:pt x="2053615" y="5015"/>
-                  </a:lnTo>
-                  <a:lnTo>
-                    <a:pt x="2190523" y="3305"/>
-                  </a:lnTo>
-                  <a:lnTo>
-                    <a:pt x="2327430" y="0"/>
-                  </a:lnTo>
-                  <a:lnTo>
-                    <a:pt x="2464338" y="0"/>
-                  </a:lnTo>
-                  <a:lnTo>
-                    <a:pt x="2601246" y="0"/>
-                  </a:lnTo>
-                  <a:lnTo>
-                    <a:pt x="2738153" y="5510"/>
-                  </a:lnTo>
-                  <a:lnTo>
-                    <a:pt x="2875061" y="6766"/>
-                  </a:lnTo>
-                  <a:lnTo>
-                    <a:pt x="3011969" y="0"/>
-                  </a:lnTo>
-                  <a:lnTo>
-                    <a:pt x="3148876" y="2712"/>
-                  </a:lnTo>
-                  <a:lnTo>
-                    <a:pt x="3285784" y="0"/>
-                  </a:lnTo>
-                  <a:lnTo>
-                    <a:pt x="3422692" y="0"/>
-                  </a:lnTo>
-                  <a:lnTo>
-                    <a:pt x="3559600" y="0"/>
-                  </a:lnTo>
-                  <a:lnTo>
-                    <a:pt x="3696507" y="2816"/>
-                  </a:lnTo>
-                  <a:lnTo>
-                    <a:pt x="3833415" y="845"/>
-                  </a:lnTo>
-                  <a:lnTo>
-                    <a:pt x="3970323" y="0"/>
-                  </a:lnTo>
-                  <a:lnTo>
-                    <a:pt x="4107230" y="0"/>
-                  </a:lnTo>
-                  <a:lnTo>
-                    <a:pt x="4244138" y="2972"/>
-                  </a:lnTo>
-                  <a:lnTo>
-                    <a:pt x="4381046" y="0"/>
-                  </a:lnTo>
-                  <a:lnTo>
-                    <a:pt x="4517953" y="417"/>
-                  </a:lnTo>
-                  <a:lnTo>
-                    <a:pt x="4654861" y="1375"/>
-                  </a:lnTo>
-                  <a:lnTo>
-                    <a:pt x="4791769" y="0"/>
-                  </a:lnTo>
-                  <a:lnTo>
-                    <a:pt x="4928677" y="338"/>
-                  </a:lnTo>
-                  <a:lnTo>
-                    <a:pt x="5065584" y="582"/>
-                  </a:lnTo>
-                  <a:lnTo>
-                    <a:pt x="5202492" y="0"/>
-                  </a:lnTo>
-                  <a:lnTo>
-                    <a:pt x="5339400" y="1244"/>
-                  </a:lnTo>
-                  <a:lnTo>
-                    <a:pt x="5476307" y="854"/>
-                  </a:lnTo>
-                  <a:lnTo>
-                    <a:pt x="5613215" y="0"/>
-                  </a:lnTo>
-                  <a:lnTo>
-                    <a:pt x="5476307" y="854"/>
-                  </a:lnTo>
-                  <a:lnTo>
-                    <a:pt x="5339400" y="1244"/>
-                  </a:lnTo>
-                  <a:lnTo>
-                    <a:pt x="5202492" y="0"/>
-                  </a:lnTo>
-                  <a:lnTo>
-                    <a:pt x="5065584" y="582"/>
-                  </a:lnTo>
-                  <a:lnTo>
-                    <a:pt x="4928677" y="338"/>
-                  </a:lnTo>
-                  <a:lnTo>
-                    <a:pt x="4791769" y="0"/>
-                  </a:lnTo>
-                  <a:lnTo>
-                    <a:pt x="4654861" y="1375"/>
-                  </a:lnTo>
-                  <a:lnTo>
-                    <a:pt x="4517953" y="417"/>
-                  </a:lnTo>
-                  <a:lnTo>
-                    <a:pt x="4381046" y="0"/>
-                  </a:lnTo>
-                  <a:lnTo>
-                    <a:pt x="4244138" y="2972"/>
-                  </a:lnTo>
-                  <a:lnTo>
-                    <a:pt x="4107230" y="0"/>
-                  </a:lnTo>
-                  <a:lnTo>
-                    <a:pt x="3970323" y="0"/>
-                  </a:lnTo>
-                  <a:lnTo>
-                    <a:pt x="3833415" y="845"/>
-                  </a:lnTo>
-                  <a:lnTo>
-                    <a:pt x="3696507" y="2816"/>
-                  </a:lnTo>
-                  <a:lnTo>
-                    <a:pt x="3559600" y="0"/>
-                  </a:lnTo>
-                  <a:lnTo>
-                    <a:pt x="3422692" y="0"/>
-                  </a:lnTo>
-                  <a:lnTo>
-                    <a:pt x="3285784" y="0"/>
-                  </a:lnTo>
-                  <a:lnTo>
-                    <a:pt x="3148876" y="5425"/>
-                  </a:lnTo>
-                  <a:lnTo>
-                    <a:pt x="3011969" y="0"/>
-                  </a:lnTo>
-                  <a:lnTo>
-                    <a:pt x="2875061" y="6766"/>
-                  </a:lnTo>
-                  <a:lnTo>
-                    <a:pt x="2738153" y="5510"/>
-                  </a:lnTo>
-                  <a:lnTo>
-                    <a:pt x="2601246" y="7412"/>
-                  </a:lnTo>
-                  <a:lnTo>
-                    <a:pt x="2464338" y="0"/>
-                  </a:lnTo>
-                  <a:lnTo>
-                    <a:pt x="2327430" y="27337"/>
-                  </a:lnTo>
-                  <a:lnTo>
-                    <a:pt x="2190523" y="19830"/>
-                  </a:lnTo>
-                  <a:lnTo>
-                    <a:pt x="2053615" y="35109"/>
-                  </a:lnTo>
-                  <a:lnTo>
-                    <a:pt x="1916707" y="32645"/>
-                  </a:lnTo>
-                  <a:lnTo>
-                    <a:pt x="1779800" y="73516"/>
-                  </a:lnTo>
-                  <a:lnTo>
-                    <a:pt x="1642892" y="36855"/>
-                  </a:lnTo>
-                  <a:lnTo>
-                    <a:pt x="1505984" y="35587"/>
-                  </a:lnTo>
-                  <a:lnTo>
-                    <a:pt x="1369076" y="15467"/>
-                  </a:lnTo>
-                  <a:lnTo>
-                    <a:pt x="1232169" y="64108"/>
-                  </a:lnTo>
-                  <a:lnTo>
-                    <a:pt x="1095261" y="106637"/>
-                  </a:lnTo>
-                  <a:lnTo>
-                    <a:pt x="958353" y="139345"/>
-                  </a:lnTo>
-                  <a:lnTo>
-                    <a:pt x="821446" y="84814"/>
-                  </a:lnTo>
-                  <a:lnTo>
-                    <a:pt x="684538" y="137221"/>
-                  </a:lnTo>
-                  <a:lnTo>
-                    <a:pt x="547630" y="201758"/>
-                  </a:lnTo>
-                  <a:lnTo>
-                    <a:pt x="410723" y="316145"/>
-                  </a:lnTo>
-                  <a:lnTo>
-                    <a:pt x="273815" y="479486"/>
-                  </a:lnTo>
-                  <a:lnTo>
-                    <a:pt x="136907" y="575581"/>
-                  </a:lnTo>
-                  <a:lnTo>
-                    <a:pt x="0" y="829626"/>
+                    <a:pt x="130304" y="510433"/>
+                  </a:lnTo>
+                  <a:lnTo>
+                    <a:pt x="260608" y="428017"/>
+                  </a:lnTo>
+                  <a:lnTo>
+                    <a:pt x="390913" y="256037"/>
+                  </a:lnTo>
+                  <a:lnTo>
+                    <a:pt x="521217" y="174806"/>
+                  </a:lnTo>
+                  <a:lnTo>
+                    <a:pt x="651522" y="106367"/>
+                  </a:lnTo>
+                  <a:lnTo>
+                    <a:pt x="781826" y="58777"/>
+                  </a:lnTo>
+                  <a:lnTo>
+                    <a:pt x="912131" y="91962"/>
+                  </a:lnTo>
+                  <a:lnTo>
+                    <a:pt x="1042435" y="71317"/>
+                  </a:lnTo>
+                  <a:lnTo>
+                    <a:pt x="1172739" y="46859"/>
+                  </a:lnTo>
+                  <a:lnTo>
+                    <a:pt x="1303044" y="13295"/>
+                  </a:lnTo>
+                  <a:lnTo>
+                    <a:pt x="1433348" y="5931"/>
+                  </a:lnTo>
+                  <a:lnTo>
+                    <a:pt x="1563653" y="18481"/>
+                  </a:lnTo>
+                  <a:lnTo>
+                    <a:pt x="1693957" y="18422"/>
+                  </a:lnTo>
+                  <a:lnTo>
+                    <a:pt x="1824262" y="5020"/>
+                  </a:lnTo>
+                  <a:lnTo>
+                    <a:pt x="1954566" y="5015"/>
+                  </a:lnTo>
+                  <a:lnTo>
+                    <a:pt x="2084870" y="3305"/>
+                  </a:lnTo>
+                  <a:lnTo>
+                    <a:pt x="2215175" y="0"/>
+                  </a:lnTo>
+                  <a:lnTo>
+                    <a:pt x="2345479" y="0"/>
+                  </a:lnTo>
+                  <a:lnTo>
+                    <a:pt x="2475784" y="0"/>
+                  </a:lnTo>
+                  <a:lnTo>
+                    <a:pt x="2606088" y="5510"/>
+                  </a:lnTo>
+                  <a:lnTo>
+                    <a:pt x="2736393" y="0"/>
+                  </a:lnTo>
+                  <a:lnTo>
+                    <a:pt x="2866697" y="0"/>
+                  </a:lnTo>
+                  <a:lnTo>
+                    <a:pt x="2997001" y="2712"/>
+                  </a:lnTo>
+                  <a:lnTo>
+                    <a:pt x="3127306" y="0"/>
+                  </a:lnTo>
+                  <a:lnTo>
+                    <a:pt x="3257610" y="0"/>
+                  </a:lnTo>
+                  <a:lnTo>
+                    <a:pt x="3387915" y="0"/>
+                  </a:lnTo>
+                  <a:lnTo>
+                    <a:pt x="3518219" y="1880"/>
+                  </a:lnTo>
+                  <a:lnTo>
+                    <a:pt x="3648524" y="845"/>
+                  </a:lnTo>
+                  <a:lnTo>
+                    <a:pt x="3778828" y="0"/>
+                  </a:lnTo>
+                  <a:lnTo>
+                    <a:pt x="3909132" y="0"/>
+                  </a:lnTo>
+                  <a:lnTo>
+                    <a:pt x="4039437" y="987"/>
+                  </a:lnTo>
+                  <a:lnTo>
+                    <a:pt x="4169741" y="0"/>
+                  </a:lnTo>
+                  <a:lnTo>
+                    <a:pt x="4300046" y="0"/>
+                  </a:lnTo>
+                  <a:lnTo>
+                    <a:pt x="4430350" y="453"/>
+                  </a:lnTo>
+                  <a:lnTo>
+                    <a:pt x="4560655" y="325"/>
+                  </a:lnTo>
+                  <a:lnTo>
+                    <a:pt x="4690959" y="0"/>
+                  </a:lnTo>
+                  <a:lnTo>
+                    <a:pt x="4821263" y="0"/>
+                  </a:lnTo>
+                  <a:lnTo>
+                    <a:pt x="4951568" y="0"/>
+                  </a:lnTo>
+                  <a:lnTo>
+                    <a:pt x="5081872" y="0"/>
+                  </a:lnTo>
+                  <a:lnTo>
+                    <a:pt x="5212177" y="0"/>
+                  </a:lnTo>
+                  <a:lnTo>
+                    <a:pt x="5342481" y="0"/>
+                  </a:lnTo>
+                  <a:lnTo>
+                    <a:pt x="5472786" y="0"/>
+                  </a:lnTo>
+                  <a:lnTo>
+                    <a:pt x="5603090" y="0"/>
+                  </a:lnTo>
+                  <a:lnTo>
+                    <a:pt x="5733394" y="0"/>
+                  </a:lnTo>
+                  <a:lnTo>
+                    <a:pt x="5603090" y="0"/>
+                  </a:lnTo>
+                  <a:lnTo>
+                    <a:pt x="5472786" y="0"/>
+                  </a:lnTo>
+                  <a:lnTo>
+                    <a:pt x="5342481" y="0"/>
+                  </a:lnTo>
+                  <a:lnTo>
+                    <a:pt x="5212177" y="0"/>
+                  </a:lnTo>
+                  <a:lnTo>
+                    <a:pt x="5081872" y="0"/>
+                  </a:lnTo>
+                  <a:lnTo>
+                    <a:pt x="4951568" y="0"/>
+                  </a:lnTo>
+                  <a:lnTo>
+                    <a:pt x="4821263" y="0"/>
+                  </a:lnTo>
+                  <a:lnTo>
+                    <a:pt x="4690959" y="0"/>
+                  </a:lnTo>
+                  <a:lnTo>
+                    <a:pt x="4560655" y="325"/>
+                  </a:lnTo>
+                  <a:lnTo>
+                    <a:pt x="4430350" y="907"/>
+                  </a:lnTo>
+                  <a:lnTo>
+                    <a:pt x="4300046" y="0"/>
+                  </a:lnTo>
+                  <a:lnTo>
+                    <a:pt x="4169741" y="0"/>
+                  </a:lnTo>
+                  <a:lnTo>
+                    <a:pt x="4039437" y="987"/>
+                  </a:lnTo>
+                  <a:lnTo>
+                    <a:pt x="3909132" y="0"/>
+                  </a:lnTo>
+                  <a:lnTo>
+                    <a:pt x="3778828" y="0"/>
+                  </a:lnTo>
+                  <a:lnTo>
+                    <a:pt x="3648524" y="845"/>
+                  </a:lnTo>
+                  <a:lnTo>
+                    <a:pt x="3518219" y="1880"/>
+                  </a:lnTo>
+                  <a:lnTo>
+                    <a:pt x="3387915" y="0"/>
+                  </a:lnTo>
+                  <a:lnTo>
+                    <a:pt x="3257610" y="0"/>
+                  </a:lnTo>
+                  <a:lnTo>
+                    <a:pt x="3127306" y="0"/>
+                  </a:lnTo>
+                  <a:lnTo>
+                    <a:pt x="2997001" y="5425"/>
+                  </a:lnTo>
+                  <a:lnTo>
+                    <a:pt x="2866697" y="0"/>
+                  </a:lnTo>
+                  <a:lnTo>
+                    <a:pt x="2736393" y="0"/>
+                  </a:lnTo>
+                  <a:lnTo>
+                    <a:pt x="2606088" y="5510"/>
+                  </a:lnTo>
+                  <a:lnTo>
+                    <a:pt x="2475784" y="7412"/>
+                  </a:lnTo>
+                  <a:lnTo>
+                    <a:pt x="2345479" y="0"/>
+                  </a:lnTo>
+                  <a:lnTo>
+                    <a:pt x="2215175" y="27360"/>
+                  </a:lnTo>
+                  <a:lnTo>
+                    <a:pt x="2084870" y="19830"/>
+                  </a:lnTo>
+                  <a:lnTo>
+                    <a:pt x="1954566" y="35109"/>
+                  </a:lnTo>
+                  <a:lnTo>
+                    <a:pt x="1824262" y="32632"/>
+                  </a:lnTo>
+                  <a:lnTo>
+                    <a:pt x="1693957" y="70004"/>
+                  </a:lnTo>
+                  <a:lnTo>
+                    <a:pt x="1563653" y="32342"/>
+                  </a:lnTo>
+                  <a:lnTo>
+                    <a:pt x="1433348" y="29656"/>
+                  </a:lnTo>
+                  <a:lnTo>
+                    <a:pt x="1303044" y="15510"/>
+                  </a:lnTo>
+                  <a:lnTo>
+                    <a:pt x="1172739" y="65950"/>
+                  </a:lnTo>
+                  <a:lnTo>
+                    <a:pt x="1042435" y="112680"/>
+                  </a:lnTo>
+                  <a:lnTo>
+                    <a:pt x="912131" y="131541"/>
+                  </a:lnTo>
+                  <a:lnTo>
+                    <a:pt x="781826" y="85322"/>
+                  </a:lnTo>
+                  <a:lnTo>
+                    <a:pt x="651522" y="128998"/>
+                  </a:lnTo>
+                  <a:lnTo>
+                    <a:pt x="521217" y="215301"/>
+                  </a:lnTo>
+                  <a:lnTo>
+                    <a:pt x="390913" y="303306"/>
+                  </a:lnTo>
+                  <a:lnTo>
+                    <a:pt x="260608" y="472362"/>
+                  </a:lnTo>
+                  <a:lnTo>
+                    <a:pt x="130304" y="534906"/>
+                  </a:lnTo>
+                  <a:lnTo>
+                    <a:pt x="0" y="791702"/>
                   </a:lnTo>
                   <a:close/>
                 </a:path>
@@ -4109,138 +4157,150 @@
           </p:nvSpPr>
           <p:spPr>
             <a:xfrm>
-              <a:off x="2778664" y="1722339"/>
-              <a:ext cx="5613215" cy="551162"/>
+              <a:off x="2746497" y="1722339"/>
+              <a:ext cx="5733394" cy="510433"/>
             </a:xfrm>
             <a:custGeom>
               <a:avLst/>
               <a:pathLst>
-                <a:path w="5613215" h="551162">
+                <a:path w="5733394" h="510433">
                   <a:moveTo>
-                    <a:pt x="0" y="536221"/>
+                    <a:pt x="0" y="497351"/>
                   </a:moveTo>
                   <a:lnTo>
-                    <a:pt x="136907" y="551162"/>
-                  </a:lnTo>
-                  <a:lnTo>
-                    <a:pt x="273815" y="435196"/>
-                  </a:lnTo>
-                  <a:lnTo>
-                    <a:pt x="410723" y="268172"/>
-                  </a:lnTo>
-                  <a:lnTo>
-                    <a:pt x="547630" y="161274"/>
-                  </a:lnTo>
-                  <a:lnTo>
-                    <a:pt x="684538" y="116564"/>
-                  </a:lnTo>
-                  <a:lnTo>
-                    <a:pt x="821446" y="58717"/>
-                  </a:lnTo>
-                  <a:lnTo>
-                    <a:pt x="958353" y="98890"/>
-                  </a:lnTo>
-                  <a:lnTo>
-                    <a:pt x="1095261" y="71091"/>
-                  </a:lnTo>
-                  <a:lnTo>
-                    <a:pt x="1232169" y="45049"/>
-                  </a:lnTo>
-                  <a:lnTo>
-                    <a:pt x="1369076" y="13257"/>
-                  </a:lnTo>
-                  <a:lnTo>
-                    <a:pt x="1505984" y="11862"/>
-                  </a:lnTo>
-                  <a:lnTo>
-                    <a:pt x="1642892" y="23034"/>
-                  </a:lnTo>
-                  <a:lnTo>
-                    <a:pt x="1779800" y="22054"/>
-                  </a:lnTo>
-                  <a:lnTo>
-                    <a:pt x="1916707" y="5022"/>
-                  </a:lnTo>
-                  <a:lnTo>
-                    <a:pt x="2053615" y="5015"/>
-                  </a:lnTo>
-                  <a:lnTo>
-                    <a:pt x="2190523" y="3305"/>
-                  </a:lnTo>
-                  <a:lnTo>
-                    <a:pt x="2327430" y="0"/>
-                  </a:lnTo>
-                  <a:lnTo>
-                    <a:pt x="2464338" y="0"/>
-                  </a:lnTo>
-                  <a:lnTo>
-                    <a:pt x="2601246" y="0"/>
-                  </a:lnTo>
-                  <a:lnTo>
-                    <a:pt x="2738153" y="5510"/>
-                  </a:lnTo>
-                  <a:lnTo>
-                    <a:pt x="2875061" y="6766"/>
-                  </a:lnTo>
-                  <a:lnTo>
-                    <a:pt x="3011969" y="0"/>
-                  </a:lnTo>
-                  <a:lnTo>
-                    <a:pt x="3148876" y="2712"/>
-                  </a:lnTo>
-                  <a:lnTo>
-                    <a:pt x="3285784" y="0"/>
-                  </a:lnTo>
-                  <a:lnTo>
-                    <a:pt x="3422692" y="0"/>
-                  </a:lnTo>
-                  <a:lnTo>
-                    <a:pt x="3559600" y="0"/>
-                  </a:lnTo>
-                  <a:lnTo>
-                    <a:pt x="3696507" y="2816"/>
-                  </a:lnTo>
-                  <a:lnTo>
-                    <a:pt x="3833415" y="845"/>
-                  </a:lnTo>
-                  <a:lnTo>
-                    <a:pt x="3970323" y="0"/>
-                  </a:lnTo>
-                  <a:lnTo>
-                    <a:pt x="4107230" y="0"/>
-                  </a:lnTo>
-                  <a:lnTo>
-                    <a:pt x="4244138" y="2972"/>
-                  </a:lnTo>
-                  <a:lnTo>
-                    <a:pt x="4381046" y="0"/>
-                  </a:lnTo>
-                  <a:lnTo>
-                    <a:pt x="4517953" y="417"/>
-                  </a:lnTo>
-                  <a:lnTo>
-                    <a:pt x="4654861" y="1375"/>
-                  </a:lnTo>
-                  <a:lnTo>
-                    <a:pt x="4791769" y="0"/>
-                  </a:lnTo>
-                  <a:lnTo>
-                    <a:pt x="4928677" y="338"/>
-                  </a:lnTo>
-                  <a:lnTo>
-                    <a:pt x="5065584" y="582"/>
-                  </a:lnTo>
-                  <a:lnTo>
-                    <a:pt x="5202492" y="0"/>
-                  </a:lnTo>
-                  <a:lnTo>
-                    <a:pt x="5339400" y="1244"/>
-                  </a:lnTo>
-                  <a:lnTo>
-                    <a:pt x="5476307" y="854"/>
-                  </a:lnTo>
-                  <a:lnTo>
-                    <a:pt x="5613215" y="0"/>
+                    <a:pt x="130304" y="510433"/>
+                  </a:lnTo>
+                  <a:lnTo>
+                    <a:pt x="260608" y="428017"/>
+                  </a:lnTo>
+                  <a:lnTo>
+                    <a:pt x="390913" y="256037"/>
+                  </a:lnTo>
+                  <a:lnTo>
+                    <a:pt x="521217" y="174806"/>
+                  </a:lnTo>
+                  <a:lnTo>
+                    <a:pt x="651522" y="106367"/>
+                  </a:lnTo>
+                  <a:lnTo>
+                    <a:pt x="781826" y="58777"/>
+                  </a:lnTo>
+                  <a:lnTo>
+                    <a:pt x="912131" y="91962"/>
+                  </a:lnTo>
+                  <a:lnTo>
+                    <a:pt x="1042435" y="71317"/>
+                  </a:lnTo>
+                  <a:lnTo>
+                    <a:pt x="1172739" y="46859"/>
+                  </a:lnTo>
+                  <a:lnTo>
+                    <a:pt x="1303044" y="13295"/>
+                  </a:lnTo>
+                  <a:lnTo>
+                    <a:pt x="1433348" y="5931"/>
+                  </a:lnTo>
+                  <a:lnTo>
+                    <a:pt x="1563653" y="18481"/>
+                  </a:lnTo>
+                  <a:lnTo>
+                    <a:pt x="1693957" y="18422"/>
+                  </a:lnTo>
+                  <a:lnTo>
+                    <a:pt x="1824262" y="5020"/>
+                  </a:lnTo>
+                  <a:lnTo>
+                    <a:pt x="1954566" y="5015"/>
+                  </a:lnTo>
+                  <a:lnTo>
+                    <a:pt x="2084870" y="3305"/>
+                  </a:lnTo>
+                  <a:lnTo>
+                    <a:pt x="2215175" y="0"/>
+                  </a:lnTo>
+                  <a:lnTo>
+                    <a:pt x="2345479" y="0"/>
+                  </a:lnTo>
+                  <a:lnTo>
+                    <a:pt x="2475784" y="0"/>
+                  </a:lnTo>
+                  <a:lnTo>
+                    <a:pt x="2606088" y="5510"/>
+                  </a:lnTo>
+                  <a:lnTo>
+                    <a:pt x="2736393" y="0"/>
+                  </a:lnTo>
+                  <a:lnTo>
+                    <a:pt x="2866697" y="0"/>
+                  </a:lnTo>
+                  <a:lnTo>
+                    <a:pt x="2997001" y="2712"/>
+                  </a:lnTo>
+                  <a:lnTo>
+                    <a:pt x="3127306" y="0"/>
+                  </a:lnTo>
+                  <a:lnTo>
+                    <a:pt x="3257610" y="0"/>
+                  </a:lnTo>
+                  <a:lnTo>
+                    <a:pt x="3387915" y="0"/>
+                  </a:lnTo>
+                  <a:lnTo>
+                    <a:pt x="3518219" y="1880"/>
+                  </a:lnTo>
+                  <a:lnTo>
+                    <a:pt x="3648524" y="845"/>
+                  </a:lnTo>
+                  <a:lnTo>
+                    <a:pt x="3778828" y="0"/>
+                  </a:lnTo>
+                  <a:lnTo>
+                    <a:pt x="3909132" y="0"/>
+                  </a:lnTo>
+                  <a:lnTo>
+                    <a:pt x="4039437" y="987"/>
+                  </a:lnTo>
+                  <a:lnTo>
+                    <a:pt x="4169741" y="0"/>
+                  </a:lnTo>
+                  <a:lnTo>
+                    <a:pt x="4300046" y="0"/>
+                  </a:lnTo>
+                  <a:lnTo>
+                    <a:pt x="4430350" y="453"/>
+                  </a:lnTo>
+                  <a:lnTo>
+                    <a:pt x="4560655" y="325"/>
+                  </a:lnTo>
+                  <a:lnTo>
+                    <a:pt x="4690959" y="0"/>
+                  </a:lnTo>
+                  <a:lnTo>
+                    <a:pt x="4821263" y="0"/>
+                  </a:lnTo>
+                  <a:lnTo>
+                    <a:pt x="4951568" y="0"/>
+                  </a:lnTo>
+                  <a:lnTo>
+                    <a:pt x="5081872" y="0"/>
+                  </a:lnTo>
+                  <a:lnTo>
+                    <a:pt x="5212177" y="0"/>
+                  </a:lnTo>
+                  <a:lnTo>
+                    <a:pt x="5342481" y="0"/>
+                  </a:lnTo>
+                  <a:lnTo>
+                    <a:pt x="5472786" y="0"/>
+                  </a:lnTo>
+                  <a:lnTo>
+                    <a:pt x="5603090" y="0"/>
+                  </a:lnTo>
+                  <a:lnTo>
+                    <a:pt x="5733394" y="0"/>
+                  </a:lnTo>
+                  <a:lnTo>
+                    <a:pt x="5733394" y="0"/>
                   </a:lnTo>
                 </a:path>
               </a:pathLst>
@@ -4260,261 +4320,279 @@
           </p:nvSpPr>
           <p:spPr>
             <a:xfrm>
-              <a:off x="2778664" y="1722339"/>
-              <a:ext cx="5613215" cy="1163500"/>
+              <a:off x="2746497" y="1722339"/>
+              <a:ext cx="5733394" cy="1116503"/>
             </a:xfrm>
             <a:custGeom>
               <a:avLst/>
               <a:pathLst>
-                <a:path w="5613215" h="1163500">
+                <a:path w="5733394" h="1116503">
                   <a:moveTo>
-                    <a:pt x="0" y="829626"/>
+                    <a:pt x="0" y="791702"/>
                   </a:moveTo>
                   <a:lnTo>
-                    <a:pt x="136907" y="575581"/>
-                  </a:lnTo>
-                  <a:lnTo>
-                    <a:pt x="273815" y="479486"/>
-                  </a:lnTo>
-                  <a:lnTo>
-                    <a:pt x="410723" y="316145"/>
-                  </a:lnTo>
-                  <a:lnTo>
-                    <a:pt x="547630" y="201758"/>
-                  </a:lnTo>
-                  <a:lnTo>
-                    <a:pt x="684538" y="137221"/>
-                  </a:lnTo>
-                  <a:lnTo>
-                    <a:pt x="821446" y="84814"/>
-                  </a:lnTo>
-                  <a:lnTo>
-                    <a:pt x="958353" y="139345"/>
-                  </a:lnTo>
-                  <a:lnTo>
-                    <a:pt x="1095261" y="106637"/>
-                  </a:lnTo>
-                  <a:lnTo>
-                    <a:pt x="1232169" y="64108"/>
-                  </a:lnTo>
-                  <a:lnTo>
-                    <a:pt x="1369076" y="15467"/>
-                  </a:lnTo>
-                  <a:lnTo>
-                    <a:pt x="1505984" y="35587"/>
-                  </a:lnTo>
-                  <a:lnTo>
-                    <a:pt x="1642892" y="36855"/>
-                  </a:lnTo>
-                  <a:lnTo>
-                    <a:pt x="1779800" y="73516"/>
-                  </a:lnTo>
-                  <a:lnTo>
-                    <a:pt x="1916707" y="32645"/>
-                  </a:lnTo>
-                  <a:lnTo>
-                    <a:pt x="2053615" y="35109"/>
-                  </a:lnTo>
-                  <a:lnTo>
-                    <a:pt x="2190523" y="19830"/>
-                  </a:lnTo>
-                  <a:lnTo>
-                    <a:pt x="2327430" y="27337"/>
-                  </a:lnTo>
-                  <a:lnTo>
-                    <a:pt x="2464338" y="0"/>
-                  </a:lnTo>
-                  <a:lnTo>
-                    <a:pt x="2601246" y="7412"/>
-                  </a:lnTo>
-                  <a:lnTo>
-                    <a:pt x="2738153" y="5510"/>
-                  </a:lnTo>
-                  <a:lnTo>
-                    <a:pt x="2875061" y="6766"/>
-                  </a:lnTo>
-                  <a:lnTo>
-                    <a:pt x="3011969" y="0"/>
-                  </a:lnTo>
-                  <a:lnTo>
-                    <a:pt x="3148876" y="5425"/>
-                  </a:lnTo>
-                  <a:lnTo>
-                    <a:pt x="3285784" y="0"/>
-                  </a:lnTo>
-                  <a:lnTo>
-                    <a:pt x="3422692" y="0"/>
-                  </a:lnTo>
-                  <a:lnTo>
-                    <a:pt x="3559600" y="0"/>
-                  </a:lnTo>
-                  <a:lnTo>
-                    <a:pt x="3696507" y="2816"/>
-                  </a:lnTo>
-                  <a:lnTo>
-                    <a:pt x="3833415" y="845"/>
-                  </a:lnTo>
-                  <a:lnTo>
-                    <a:pt x="3970323" y="0"/>
-                  </a:lnTo>
-                  <a:lnTo>
-                    <a:pt x="4107230" y="0"/>
-                  </a:lnTo>
-                  <a:lnTo>
-                    <a:pt x="4244138" y="2972"/>
-                  </a:lnTo>
-                  <a:lnTo>
-                    <a:pt x="4381046" y="0"/>
-                  </a:lnTo>
-                  <a:lnTo>
-                    <a:pt x="4517953" y="417"/>
-                  </a:lnTo>
-                  <a:lnTo>
-                    <a:pt x="4654861" y="1375"/>
-                  </a:lnTo>
-                  <a:lnTo>
-                    <a:pt x="4791769" y="0"/>
-                  </a:lnTo>
-                  <a:lnTo>
-                    <a:pt x="4928677" y="338"/>
-                  </a:lnTo>
-                  <a:lnTo>
-                    <a:pt x="5065584" y="582"/>
-                  </a:lnTo>
-                  <a:lnTo>
-                    <a:pt x="5202492" y="0"/>
-                  </a:lnTo>
-                  <a:lnTo>
-                    <a:pt x="5339400" y="1244"/>
-                  </a:lnTo>
-                  <a:lnTo>
-                    <a:pt x="5476307" y="854"/>
-                  </a:lnTo>
-                  <a:lnTo>
-                    <a:pt x="5613215" y="0"/>
-                  </a:lnTo>
-                  <a:lnTo>
-                    <a:pt x="5476307" y="854"/>
-                  </a:lnTo>
-                  <a:lnTo>
-                    <a:pt x="5339400" y="1244"/>
-                  </a:lnTo>
-                  <a:lnTo>
-                    <a:pt x="5202492" y="0"/>
-                  </a:lnTo>
-                  <a:lnTo>
-                    <a:pt x="5065584" y="582"/>
-                  </a:lnTo>
-                  <a:lnTo>
-                    <a:pt x="4928677" y="338"/>
-                  </a:lnTo>
-                  <a:lnTo>
-                    <a:pt x="4791769" y="0"/>
-                  </a:lnTo>
-                  <a:lnTo>
-                    <a:pt x="4654861" y="1375"/>
-                  </a:lnTo>
-                  <a:lnTo>
-                    <a:pt x="4517953" y="417"/>
-                  </a:lnTo>
-                  <a:lnTo>
-                    <a:pt x="4381046" y="0"/>
-                  </a:lnTo>
-                  <a:lnTo>
-                    <a:pt x="4244138" y="2972"/>
-                  </a:lnTo>
-                  <a:lnTo>
-                    <a:pt x="4107230" y="0"/>
-                  </a:lnTo>
-                  <a:lnTo>
-                    <a:pt x="3970323" y="0"/>
-                  </a:lnTo>
-                  <a:lnTo>
-                    <a:pt x="3833415" y="845"/>
-                  </a:lnTo>
-                  <a:lnTo>
-                    <a:pt x="3696507" y="2816"/>
-                  </a:lnTo>
-                  <a:lnTo>
-                    <a:pt x="3559600" y="1439"/>
-                  </a:lnTo>
-                  <a:lnTo>
-                    <a:pt x="3422692" y="0"/>
-                  </a:lnTo>
-                  <a:lnTo>
-                    <a:pt x="3285784" y="0"/>
-                  </a:lnTo>
-                  <a:lnTo>
-                    <a:pt x="3148876" y="5425"/>
-                  </a:lnTo>
-                  <a:lnTo>
-                    <a:pt x="3011969" y="3763"/>
-                  </a:lnTo>
-                  <a:lnTo>
-                    <a:pt x="2875061" y="6766"/>
-                  </a:lnTo>
-                  <a:lnTo>
-                    <a:pt x="2738153" y="5510"/>
-                  </a:lnTo>
-                  <a:lnTo>
-                    <a:pt x="2601246" y="7412"/>
-                  </a:lnTo>
-                  <a:lnTo>
-                    <a:pt x="2464338" y="0"/>
-                  </a:lnTo>
-                  <a:lnTo>
-                    <a:pt x="2327430" y="32804"/>
-                  </a:lnTo>
-                  <a:lnTo>
-                    <a:pt x="2190523" y="23136"/>
-                  </a:lnTo>
-                  <a:lnTo>
-                    <a:pt x="2053615" y="36781"/>
-                  </a:lnTo>
-                  <a:lnTo>
-                    <a:pt x="1916707" y="35156"/>
-                  </a:lnTo>
-                  <a:lnTo>
-                    <a:pt x="1779800" y="80868"/>
-                  </a:lnTo>
-                  <a:lnTo>
-                    <a:pt x="1642892" y="36855"/>
-                  </a:lnTo>
-                  <a:lnTo>
-                    <a:pt x="1505984" y="44484"/>
-                  </a:lnTo>
-                  <a:lnTo>
-                    <a:pt x="1369076" y="22096"/>
-                  </a:lnTo>
-                  <a:lnTo>
-                    <a:pt x="1232169" y="81434"/>
-                  </a:lnTo>
-                  <a:lnTo>
-                    <a:pt x="1095261" y="145026"/>
-                  </a:lnTo>
-                  <a:lnTo>
-                    <a:pt x="958353" y="218008"/>
-                  </a:lnTo>
-                  <a:lnTo>
-                    <a:pt x="821446" y="219025"/>
-                  </a:lnTo>
-                  <a:lnTo>
-                    <a:pt x="684538" y="267803"/>
-                  </a:lnTo>
-                  <a:lnTo>
-                    <a:pt x="547630" y="428073"/>
-                  </a:lnTo>
-                  <a:lnTo>
-                    <a:pt x="410723" y="651164"/>
-                  </a:lnTo>
-                  <a:lnTo>
-                    <a:pt x="273815" y="1089917"/>
-                  </a:lnTo>
-                  <a:lnTo>
-                    <a:pt x="136907" y="1137208"/>
-                  </a:lnTo>
-                  <a:lnTo>
-                    <a:pt x="0" y="1163500"/>
+                    <a:pt x="130304" y="534906"/>
+                  </a:lnTo>
+                  <a:lnTo>
+                    <a:pt x="260608" y="472362"/>
+                  </a:lnTo>
+                  <a:lnTo>
+                    <a:pt x="390913" y="303306"/>
+                  </a:lnTo>
+                  <a:lnTo>
+                    <a:pt x="521217" y="215301"/>
+                  </a:lnTo>
+                  <a:lnTo>
+                    <a:pt x="651522" y="128998"/>
+                  </a:lnTo>
+                  <a:lnTo>
+                    <a:pt x="781826" y="85322"/>
+                  </a:lnTo>
+                  <a:lnTo>
+                    <a:pt x="912131" y="131541"/>
+                  </a:lnTo>
+                  <a:lnTo>
+                    <a:pt x="1042435" y="112680"/>
+                  </a:lnTo>
+                  <a:lnTo>
+                    <a:pt x="1172739" y="65950"/>
+                  </a:lnTo>
+                  <a:lnTo>
+                    <a:pt x="1303044" y="15510"/>
+                  </a:lnTo>
+                  <a:lnTo>
+                    <a:pt x="1433348" y="29656"/>
+                  </a:lnTo>
+                  <a:lnTo>
+                    <a:pt x="1563653" y="32342"/>
+                  </a:lnTo>
+                  <a:lnTo>
+                    <a:pt x="1693957" y="70004"/>
+                  </a:lnTo>
+                  <a:lnTo>
+                    <a:pt x="1824262" y="32632"/>
+                  </a:lnTo>
+                  <a:lnTo>
+                    <a:pt x="1954566" y="35109"/>
+                  </a:lnTo>
+                  <a:lnTo>
+                    <a:pt x="2084870" y="19830"/>
+                  </a:lnTo>
+                  <a:lnTo>
+                    <a:pt x="2215175" y="27360"/>
+                  </a:lnTo>
+                  <a:lnTo>
+                    <a:pt x="2345479" y="0"/>
+                  </a:lnTo>
+                  <a:lnTo>
+                    <a:pt x="2475784" y="7412"/>
+                  </a:lnTo>
+                  <a:lnTo>
+                    <a:pt x="2606088" y="5510"/>
+                  </a:lnTo>
+                  <a:lnTo>
+                    <a:pt x="2736393" y="0"/>
+                  </a:lnTo>
+                  <a:lnTo>
+                    <a:pt x="2866697" y="0"/>
+                  </a:lnTo>
+                  <a:lnTo>
+                    <a:pt x="2997001" y="5425"/>
+                  </a:lnTo>
+                  <a:lnTo>
+                    <a:pt x="3127306" y="0"/>
+                  </a:lnTo>
+                  <a:lnTo>
+                    <a:pt x="3257610" y="0"/>
+                  </a:lnTo>
+                  <a:lnTo>
+                    <a:pt x="3387915" y="0"/>
+                  </a:lnTo>
+                  <a:lnTo>
+                    <a:pt x="3518219" y="1880"/>
+                  </a:lnTo>
+                  <a:lnTo>
+                    <a:pt x="3648524" y="845"/>
+                  </a:lnTo>
+                  <a:lnTo>
+                    <a:pt x="3778828" y="0"/>
+                  </a:lnTo>
+                  <a:lnTo>
+                    <a:pt x="3909132" y="0"/>
+                  </a:lnTo>
+                  <a:lnTo>
+                    <a:pt x="4039437" y="987"/>
+                  </a:lnTo>
+                  <a:lnTo>
+                    <a:pt x="4169741" y="0"/>
+                  </a:lnTo>
+                  <a:lnTo>
+                    <a:pt x="4300046" y="0"/>
+                  </a:lnTo>
+                  <a:lnTo>
+                    <a:pt x="4430350" y="907"/>
+                  </a:lnTo>
+                  <a:lnTo>
+                    <a:pt x="4560655" y="325"/>
+                  </a:lnTo>
+                  <a:lnTo>
+                    <a:pt x="4690959" y="0"/>
+                  </a:lnTo>
+                  <a:lnTo>
+                    <a:pt x="4821263" y="0"/>
+                  </a:lnTo>
+                  <a:lnTo>
+                    <a:pt x="4951568" y="0"/>
+                  </a:lnTo>
+                  <a:lnTo>
+                    <a:pt x="5081872" y="0"/>
+                  </a:lnTo>
+                  <a:lnTo>
+                    <a:pt x="5212177" y="0"/>
+                  </a:lnTo>
+                  <a:lnTo>
+                    <a:pt x="5342481" y="0"/>
+                  </a:lnTo>
+                  <a:lnTo>
+                    <a:pt x="5472786" y="0"/>
+                  </a:lnTo>
+                  <a:lnTo>
+                    <a:pt x="5603090" y="0"/>
+                  </a:lnTo>
+                  <a:lnTo>
+                    <a:pt x="5733394" y="0"/>
+                  </a:lnTo>
+                  <a:lnTo>
+                    <a:pt x="5603090" y="0"/>
+                  </a:lnTo>
+                  <a:lnTo>
+                    <a:pt x="5472786" y="0"/>
+                  </a:lnTo>
+                  <a:lnTo>
+                    <a:pt x="5342481" y="0"/>
+                  </a:lnTo>
+                  <a:lnTo>
+                    <a:pt x="5212177" y="0"/>
+                  </a:lnTo>
+                  <a:lnTo>
+                    <a:pt x="5081872" y="0"/>
+                  </a:lnTo>
+                  <a:lnTo>
+                    <a:pt x="4951568" y="0"/>
+                  </a:lnTo>
+                  <a:lnTo>
+                    <a:pt x="4821263" y="0"/>
+                  </a:lnTo>
+                  <a:lnTo>
+                    <a:pt x="4690959" y="0"/>
+                  </a:lnTo>
+                  <a:lnTo>
+                    <a:pt x="4560655" y="325"/>
+                  </a:lnTo>
+                  <a:lnTo>
+                    <a:pt x="4430350" y="907"/>
+                  </a:lnTo>
+                  <a:lnTo>
+                    <a:pt x="4300046" y="0"/>
+                  </a:lnTo>
+                  <a:lnTo>
+                    <a:pt x="4169741" y="0"/>
+                  </a:lnTo>
+                  <a:lnTo>
+                    <a:pt x="4039437" y="987"/>
+                  </a:lnTo>
+                  <a:lnTo>
+                    <a:pt x="3909132" y="0"/>
+                  </a:lnTo>
+                  <a:lnTo>
+                    <a:pt x="3778828" y="0"/>
+                  </a:lnTo>
+                  <a:lnTo>
+                    <a:pt x="3648524" y="845"/>
+                  </a:lnTo>
+                  <a:lnTo>
+                    <a:pt x="3518219" y="1880"/>
+                  </a:lnTo>
+                  <a:lnTo>
+                    <a:pt x="3387915" y="1442"/>
+                  </a:lnTo>
+                  <a:lnTo>
+                    <a:pt x="3257610" y="0"/>
+                  </a:lnTo>
+                  <a:lnTo>
+                    <a:pt x="3127306" y="0"/>
+                  </a:lnTo>
+                  <a:lnTo>
+                    <a:pt x="2997001" y="5425"/>
+                  </a:lnTo>
+                  <a:lnTo>
+                    <a:pt x="2866697" y="3763"/>
+                  </a:lnTo>
+                  <a:lnTo>
+                    <a:pt x="2736393" y="0"/>
+                  </a:lnTo>
+                  <a:lnTo>
+                    <a:pt x="2606088" y="5510"/>
+                  </a:lnTo>
+                  <a:lnTo>
+                    <a:pt x="2475784" y="7412"/>
+                  </a:lnTo>
+                  <a:lnTo>
+                    <a:pt x="2345479" y="0"/>
+                  </a:lnTo>
+                  <a:lnTo>
+                    <a:pt x="2215175" y="32833"/>
+                  </a:lnTo>
+                  <a:lnTo>
+                    <a:pt x="2084870" y="23136"/>
+                  </a:lnTo>
+                  <a:lnTo>
+                    <a:pt x="1954566" y="36781"/>
+                  </a:lnTo>
+                  <a:lnTo>
+                    <a:pt x="1824262" y="35142"/>
+                  </a:lnTo>
+                  <a:lnTo>
+                    <a:pt x="1693957" y="77373"/>
+                  </a:lnTo>
+                  <a:lnTo>
+                    <a:pt x="1563653" y="36963"/>
+                  </a:lnTo>
+                  <a:lnTo>
+                    <a:pt x="1433348" y="38552"/>
+                  </a:lnTo>
+                  <a:lnTo>
+                    <a:pt x="1303044" y="22158"/>
+                  </a:lnTo>
+                  <a:lnTo>
+                    <a:pt x="1172739" y="79834"/>
+                  </a:lnTo>
+                  <a:lnTo>
+                    <a:pt x="1042435" y="148339"/>
+                  </a:lnTo>
+                  <a:lnTo>
+                    <a:pt x="912131" y="203714"/>
+                  </a:lnTo>
+                  <a:lnTo>
+                    <a:pt x="781826" y="210462"/>
+                  </a:lnTo>
+                  <a:lnTo>
+                    <a:pt x="651522" y="242155"/>
+                  </a:lnTo>
+                  <a:lnTo>
+                    <a:pt x="521217" y="399556"/>
+                  </a:lnTo>
+                  <a:lnTo>
+                    <a:pt x="390913" y="601886"/>
+                  </a:lnTo>
+                  <a:lnTo>
+                    <a:pt x="260608" y="1025700"/>
+                  </a:lnTo>
+                  <a:lnTo>
+                    <a:pt x="130304" y="1038348"/>
+                  </a:lnTo>
+                  <a:lnTo>
+                    <a:pt x="0" y="1116503"/>
                   </a:lnTo>
                   <a:close/>
                 </a:path>
@@ -4540,138 +4618,150 @@
           </p:nvSpPr>
           <p:spPr>
             <a:xfrm>
-              <a:off x="2778664" y="1722339"/>
-              <a:ext cx="5613215" cy="829626"/>
+              <a:off x="2746497" y="1722339"/>
+              <a:ext cx="5733394" cy="791702"/>
             </a:xfrm>
             <a:custGeom>
               <a:avLst/>
               <a:pathLst>
-                <a:path w="5613215" h="829626">
+                <a:path w="5733394" h="791702">
                   <a:moveTo>
-                    <a:pt x="0" y="829626"/>
+                    <a:pt x="0" y="791702"/>
                   </a:moveTo>
                   <a:lnTo>
-                    <a:pt x="136907" y="575581"/>
-                  </a:lnTo>
-                  <a:lnTo>
-                    <a:pt x="273815" y="479486"/>
-                  </a:lnTo>
-                  <a:lnTo>
-                    <a:pt x="410723" y="316145"/>
-                  </a:lnTo>
-                  <a:lnTo>
-                    <a:pt x="547630" y="201758"/>
-                  </a:lnTo>
-                  <a:lnTo>
-                    <a:pt x="684538" y="137221"/>
-                  </a:lnTo>
-                  <a:lnTo>
-                    <a:pt x="821446" y="84814"/>
-                  </a:lnTo>
-                  <a:lnTo>
-                    <a:pt x="958353" y="139345"/>
-                  </a:lnTo>
-                  <a:lnTo>
-                    <a:pt x="1095261" y="106637"/>
-                  </a:lnTo>
-                  <a:lnTo>
-                    <a:pt x="1232169" y="64108"/>
-                  </a:lnTo>
-                  <a:lnTo>
-                    <a:pt x="1369076" y="15467"/>
-                  </a:lnTo>
-                  <a:lnTo>
-                    <a:pt x="1505984" y="35587"/>
-                  </a:lnTo>
-                  <a:lnTo>
-                    <a:pt x="1642892" y="36855"/>
-                  </a:lnTo>
-                  <a:lnTo>
-                    <a:pt x="1779800" y="73516"/>
-                  </a:lnTo>
-                  <a:lnTo>
-                    <a:pt x="1916707" y="32645"/>
-                  </a:lnTo>
-                  <a:lnTo>
-                    <a:pt x="2053615" y="35109"/>
-                  </a:lnTo>
-                  <a:lnTo>
-                    <a:pt x="2190523" y="19830"/>
-                  </a:lnTo>
-                  <a:lnTo>
-                    <a:pt x="2327430" y="27337"/>
-                  </a:lnTo>
-                  <a:lnTo>
-                    <a:pt x="2464338" y="0"/>
-                  </a:lnTo>
-                  <a:lnTo>
-                    <a:pt x="2601246" y="7412"/>
-                  </a:lnTo>
-                  <a:lnTo>
-                    <a:pt x="2738153" y="5510"/>
-                  </a:lnTo>
-                  <a:lnTo>
-                    <a:pt x="2875061" y="6766"/>
-                  </a:lnTo>
-                  <a:lnTo>
-                    <a:pt x="3011969" y="0"/>
-                  </a:lnTo>
-                  <a:lnTo>
-                    <a:pt x="3148876" y="5425"/>
-                  </a:lnTo>
-                  <a:lnTo>
-                    <a:pt x="3285784" y="0"/>
-                  </a:lnTo>
-                  <a:lnTo>
-                    <a:pt x="3422692" y="0"/>
-                  </a:lnTo>
-                  <a:lnTo>
-                    <a:pt x="3559600" y="0"/>
-                  </a:lnTo>
-                  <a:lnTo>
-                    <a:pt x="3696507" y="2816"/>
-                  </a:lnTo>
-                  <a:lnTo>
-                    <a:pt x="3833415" y="845"/>
-                  </a:lnTo>
-                  <a:lnTo>
-                    <a:pt x="3970323" y="0"/>
-                  </a:lnTo>
-                  <a:lnTo>
-                    <a:pt x="4107230" y="0"/>
-                  </a:lnTo>
-                  <a:lnTo>
-                    <a:pt x="4244138" y="2972"/>
-                  </a:lnTo>
-                  <a:lnTo>
-                    <a:pt x="4381046" y="0"/>
-                  </a:lnTo>
-                  <a:lnTo>
-                    <a:pt x="4517953" y="417"/>
-                  </a:lnTo>
-                  <a:lnTo>
-                    <a:pt x="4654861" y="1375"/>
-                  </a:lnTo>
-                  <a:lnTo>
-                    <a:pt x="4791769" y="0"/>
-                  </a:lnTo>
-                  <a:lnTo>
-                    <a:pt x="4928677" y="338"/>
-                  </a:lnTo>
-                  <a:lnTo>
-                    <a:pt x="5065584" y="582"/>
-                  </a:lnTo>
-                  <a:lnTo>
-                    <a:pt x="5202492" y="0"/>
-                  </a:lnTo>
-                  <a:lnTo>
-                    <a:pt x="5339400" y="1244"/>
-                  </a:lnTo>
-                  <a:lnTo>
-                    <a:pt x="5476307" y="854"/>
-                  </a:lnTo>
-                  <a:lnTo>
-                    <a:pt x="5613215" y="0"/>
+                    <a:pt x="130304" y="534906"/>
+                  </a:lnTo>
+                  <a:lnTo>
+                    <a:pt x="260608" y="472362"/>
+                  </a:lnTo>
+                  <a:lnTo>
+                    <a:pt x="390913" y="303306"/>
+                  </a:lnTo>
+                  <a:lnTo>
+                    <a:pt x="521217" y="215301"/>
+                  </a:lnTo>
+                  <a:lnTo>
+                    <a:pt x="651522" y="128998"/>
+                  </a:lnTo>
+                  <a:lnTo>
+                    <a:pt x="781826" y="85322"/>
+                  </a:lnTo>
+                  <a:lnTo>
+                    <a:pt x="912131" y="131541"/>
+                  </a:lnTo>
+                  <a:lnTo>
+                    <a:pt x="1042435" y="112680"/>
+                  </a:lnTo>
+                  <a:lnTo>
+                    <a:pt x="1172739" y="65950"/>
+                  </a:lnTo>
+                  <a:lnTo>
+                    <a:pt x="1303044" y="15510"/>
+                  </a:lnTo>
+                  <a:lnTo>
+                    <a:pt x="1433348" y="29656"/>
+                  </a:lnTo>
+                  <a:lnTo>
+                    <a:pt x="1563653" y="32342"/>
+                  </a:lnTo>
+                  <a:lnTo>
+                    <a:pt x="1693957" y="70004"/>
+                  </a:lnTo>
+                  <a:lnTo>
+                    <a:pt x="1824262" y="32632"/>
+                  </a:lnTo>
+                  <a:lnTo>
+                    <a:pt x="1954566" y="35109"/>
+                  </a:lnTo>
+                  <a:lnTo>
+                    <a:pt x="2084870" y="19830"/>
+                  </a:lnTo>
+                  <a:lnTo>
+                    <a:pt x="2215175" y="27360"/>
+                  </a:lnTo>
+                  <a:lnTo>
+                    <a:pt x="2345479" y="0"/>
+                  </a:lnTo>
+                  <a:lnTo>
+                    <a:pt x="2475784" y="7412"/>
+                  </a:lnTo>
+                  <a:lnTo>
+                    <a:pt x="2606088" y="5510"/>
+                  </a:lnTo>
+                  <a:lnTo>
+                    <a:pt x="2736393" y="0"/>
+                  </a:lnTo>
+                  <a:lnTo>
+                    <a:pt x="2866697" y="0"/>
+                  </a:lnTo>
+                  <a:lnTo>
+                    <a:pt x="2997001" y="5425"/>
+                  </a:lnTo>
+                  <a:lnTo>
+                    <a:pt x="3127306" y="0"/>
+                  </a:lnTo>
+                  <a:lnTo>
+                    <a:pt x="3257610" y="0"/>
+                  </a:lnTo>
+                  <a:lnTo>
+                    <a:pt x="3387915" y="0"/>
+                  </a:lnTo>
+                  <a:lnTo>
+                    <a:pt x="3518219" y="1880"/>
+                  </a:lnTo>
+                  <a:lnTo>
+                    <a:pt x="3648524" y="845"/>
+                  </a:lnTo>
+                  <a:lnTo>
+                    <a:pt x="3778828" y="0"/>
+                  </a:lnTo>
+                  <a:lnTo>
+                    <a:pt x="3909132" y="0"/>
+                  </a:lnTo>
+                  <a:lnTo>
+                    <a:pt x="4039437" y="987"/>
+                  </a:lnTo>
+                  <a:lnTo>
+                    <a:pt x="4169741" y="0"/>
+                  </a:lnTo>
+                  <a:lnTo>
+                    <a:pt x="4300046" y="0"/>
+                  </a:lnTo>
+                  <a:lnTo>
+                    <a:pt x="4430350" y="907"/>
+                  </a:lnTo>
+                  <a:lnTo>
+                    <a:pt x="4560655" y="325"/>
+                  </a:lnTo>
+                  <a:lnTo>
+                    <a:pt x="4690959" y="0"/>
+                  </a:lnTo>
+                  <a:lnTo>
+                    <a:pt x="4821263" y="0"/>
+                  </a:lnTo>
+                  <a:lnTo>
+                    <a:pt x="4951568" y="0"/>
+                  </a:lnTo>
+                  <a:lnTo>
+                    <a:pt x="5081872" y="0"/>
+                  </a:lnTo>
+                  <a:lnTo>
+                    <a:pt x="5212177" y="0"/>
+                  </a:lnTo>
+                  <a:lnTo>
+                    <a:pt x="5342481" y="0"/>
+                  </a:lnTo>
+                  <a:lnTo>
+                    <a:pt x="5472786" y="0"/>
+                  </a:lnTo>
+                  <a:lnTo>
+                    <a:pt x="5603090" y="0"/>
+                  </a:lnTo>
+                  <a:lnTo>
+                    <a:pt x="5733394" y="0"/>
+                  </a:lnTo>
+                  <a:lnTo>
+                    <a:pt x="5733394" y="0"/>
                   </a:lnTo>
                 </a:path>
               </a:pathLst>
@@ -4691,261 +4781,279 @@
           </p:nvSpPr>
           <p:spPr>
             <a:xfrm>
-              <a:off x="2778664" y="1722339"/>
-              <a:ext cx="5613215" cy="1821130"/>
+              <a:off x="2746497" y="1722339"/>
+              <a:ext cx="5733394" cy="1355389"/>
             </a:xfrm>
             <a:custGeom>
               <a:avLst/>
               <a:pathLst>
-                <a:path w="5613215" h="1821130">
+                <a:path w="5733394" h="1355389">
                   <a:moveTo>
-                    <a:pt x="0" y="1163500"/>
+                    <a:pt x="0" y="1116503"/>
                   </a:moveTo>
                   <a:lnTo>
-                    <a:pt x="136907" y="1137208"/>
-                  </a:lnTo>
-                  <a:lnTo>
-                    <a:pt x="273815" y="1089917"/>
-                  </a:lnTo>
-                  <a:lnTo>
-                    <a:pt x="410723" y="651164"/>
-                  </a:lnTo>
-                  <a:lnTo>
-                    <a:pt x="547630" y="428073"/>
-                  </a:lnTo>
-                  <a:lnTo>
-                    <a:pt x="684538" y="267803"/>
-                  </a:lnTo>
-                  <a:lnTo>
-                    <a:pt x="821446" y="219025"/>
-                  </a:lnTo>
-                  <a:lnTo>
-                    <a:pt x="958353" y="218008"/>
-                  </a:lnTo>
-                  <a:lnTo>
-                    <a:pt x="1095261" y="145026"/>
-                  </a:lnTo>
-                  <a:lnTo>
-                    <a:pt x="1232169" y="81434"/>
-                  </a:lnTo>
-                  <a:lnTo>
-                    <a:pt x="1369076" y="22096"/>
-                  </a:lnTo>
-                  <a:lnTo>
-                    <a:pt x="1505984" y="44484"/>
-                  </a:lnTo>
-                  <a:lnTo>
-                    <a:pt x="1642892" y="36855"/>
-                  </a:lnTo>
-                  <a:lnTo>
-                    <a:pt x="1779800" y="80868"/>
-                  </a:lnTo>
-                  <a:lnTo>
-                    <a:pt x="1916707" y="35156"/>
-                  </a:lnTo>
-                  <a:lnTo>
-                    <a:pt x="2053615" y="36781"/>
-                  </a:lnTo>
-                  <a:lnTo>
-                    <a:pt x="2190523" y="23136"/>
-                  </a:lnTo>
-                  <a:lnTo>
-                    <a:pt x="2327430" y="32804"/>
-                  </a:lnTo>
-                  <a:lnTo>
-                    <a:pt x="2464338" y="0"/>
-                  </a:lnTo>
-                  <a:lnTo>
-                    <a:pt x="2601246" y="7412"/>
-                  </a:lnTo>
-                  <a:lnTo>
-                    <a:pt x="2738153" y="5510"/>
-                  </a:lnTo>
-                  <a:lnTo>
-                    <a:pt x="2875061" y="6766"/>
-                  </a:lnTo>
-                  <a:lnTo>
-                    <a:pt x="3011969" y="3763"/>
-                  </a:lnTo>
-                  <a:lnTo>
-                    <a:pt x="3148876" y="5425"/>
-                  </a:lnTo>
-                  <a:lnTo>
-                    <a:pt x="3285784" y="0"/>
-                  </a:lnTo>
-                  <a:lnTo>
-                    <a:pt x="3422692" y="0"/>
-                  </a:lnTo>
-                  <a:lnTo>
-                    <a:pt x="3559600" y="1439"/>
-                  </a:lnTo>
-                  <a:lnTo>
-                    <a:pt x="3696507" y="2816"/>
-                  </a:lnTo>
-                  <a:lnTo>
-                    <a:pt x="3833415" y="845"/>
-                  </a:lnTo>
-                  <a:lnTo>
-                    <a:pt x="3970323" y="0"/>
-                  </a:lnTo>
-                  <a:lnTo>
-                    <a:pt x="4107230" y="0"/>
-                  </a:lnTo>
-                  <a:lnTo>
-                    <a:pt x="4244138" y="2972"/>
-                  </a:lnTo>
-                  <a:lnTo>
-                    <a:pt x="4381046" y="0"/>
-                  </a:lnTo>
-                  <a:lnTo>
-                    <a:pt x="4517953" y="417"/>
-                  </a:lnTo>
-                  <a:lnTo>
-                    <a:pt x="4654861" y="1375"/>
-                  </a:lnTo>
-                  <a:lnTo>
-                    <a:pt x="4791769" y="0"/>
-                  </a:lnTo>
-                  <a:lnTo>
-                    <a:pt x="4928677" y="338"/>
-                  </a:lnTo>
-                  <a:lnTo>
-                    <a:pt x="5065584" y="582"/>
-                  </a:lnTo>
-                  <a:lnTo>
-                    <a:pt x="5202492" y="0"/>
-                  </a:lnTo>
-                  <a:lnTo>
-                    <a:pt x="5339400" y="1244"/>
-                  </a:lnTo>
-                  <a:lnTo>
-                    <a:pt x="5476307" y="854"/>
-                  </a:lnTo>
-                  <a:lnTo>
-                    <a:pt x="5613215" y="0"/>
-                  </a:lnTo>
-                  <a:lnTo>
-                    <a:pt x="5476307" y="14523"/>
-                  </a:lnTo>
-                  <a:lnTo>
-                    <a:pt x="5339400" y="9953"/>
-                  </a:lnTo>
-                  <a:lnTo>
-                    <a:pt x="5202492" y="7298"/>
-                  </a:lnTo>
-                  <a:lnTo>
-                    <a:pt x="5065584" y="18053"/>
-                  </a:lnTo>
-                  <a:lnTo>
-                    <a:pt x="4928677" y="22017"/>
-                  </a:lnTo>
-                  <a:lnTo>
-                    <a:pt x="4791769" y="21925"/>
-                  </a:lnTo>
-                  <a:lnTo>
-                    <a:pt x="4654861" y="26129"/>
-                  </a:lnTo>
-                  <a:lnTo>
-                    <a:pt x="4517953" y="44246"/>
-                  </a:lnTo>
-                  <a:lnTo>
-                    <a:pt x="4381046" y="26303"/>
-                  </a:lnTo>
-                  <a:lnTo>
-                    <a:pt x="4244138" y="34680"/>
-                  </a:lnTo>
-                  <a:lnTo>
-                    <a:pt x="4107230" y="36367"/>
-                  </a:lnTo>
-                  <a:lnTo>
-                    <a:pt x="3970323" y="42909"/>
-                  </a:lnTo>
-                  <a:lnTo>
-                    <a:pt x="3833415" y="43983"/>
-                  </a:lnTo>
-                  <a:lnTo>
-                    <a:pt x="3696507" y="63831"/>
-                  </a:lnTo>
-                  <a:lnTo>
-                    <a:pt x="3559600" y="89242"/>
-                  </a:lnTo>
-                  <a:lnTo>
-                    <a:pt x="3422692" y="116019"/>
-                  </a:lnTo>
-                  <a:lnTo>
-                    <a:pt x="3285784" y="113291"/>
-                  </a:lnTo>
-                  <a:lnTo>
-                    <a:pt x="3148876" y="151900"/>
-                  </a:lnTo>
-                  <a:lnTo>
-                    <a:pt x="3011969" y="259699"/>
-                  </a:lnTo>
-                  <a:lnTo>
-                    <a:pt x="2875061" y="270667"/>
-                  </a:lnTo>
-                  <a:lnTo>
-                    <a:pt x="2738153" y="440841"/>
-                  </a:lnTo>
-                  <a:lnTo>
-                    <a:pt x="2601246" y="455854"/>
-                  </a:lnTo>
-                  <a:lnTo>
-                    <a:pt x="2464338" y="377581"/>
-                  </a:lnTo>
-                  <a:lnTo>
-                    <a:pt x="2327430" y="604151"/>
-                  </a:lnTo>
-                  <a:lnTo>
-                    <a:pt x="2190523" y="816373"/>
-                  </a:lnTo>
-                  <a:lnTo>
-                    <a:pt x="2053615" y="603554"/>
-                  </a:lnTo>
-                  <a:lnTo>
-                    <a:pt x="1916707" y="694341"/>
-                  </a:lnTo>
-                  <a:lnTo>
-                    <a:pt x="1779800" y="746193"/>
-                  </a:lnTo>
-                  <a:lnTo>
-                    <a:pt x="1642892" y="571255"/>
-                  </a:lnTo>
-                  <a:lnTo>
-                    <a:pt x="1505984" y="548637"/>
-                  </a:lnTo>
-                  <a:lnTo>
-                    <a:pt x="1369076" y="662888"/>
-                  </a:lnTo>
-                  <a:lnTo>
-                    <a:pt x="1232169" y="803953"/>
-                  </a:lnTo>
-                  <a:lnTo>
-                    <a:pt x="1095261" y="992437"/>
-                  </a:lnTo>
-                  <a:lnTo>
-                    <a:pt x="958353" y="996769"/>
-                  </a:lnTo>
-                  <a:lnTo>
-                    <a:pt x="821446" y="1062506"/>
-                  </a:lnTo>
-                  <a:lnTo>
-                    <a:pt x="684538" y="1134661"/>
-                  </a:lnTo>
-                  <a:lnTo>
-                    <a:pt x="547630" y="1256347"/>
-                  </a:lnTo>
-                  <a:lnTo>
-                    <a:pt x="410723" y="1250424"/>
-                  </a:lnTo>
-                  <a:lnTo>
-                    <a:pt x="273815" y="1488526"/>
-                  </a:lnTo>
-                  <a:lnTo>
-                    <a:pt x="136907" y="1733719"/>
-                  </a:lnTo>
-                  <a:lnTo>
-                    <a:pt x="0" y="1821130"/>
+                    <a:pt x="130304" y="1038348"/>
+                  </a:lnTo>
+                  <a:lnTo>
+                    <a:pt x="260608" y="1025700"/>
+                  </a:lnTo>
+                  <a:lnTo>
+                    <a:pt x="390913" y="601886"/>
+                  </a:lnTo>
+                  <a:lnTo>
+                    <a:pt x="521217" y="399556"/>
+                  </a:lnTo>
+                  <a:lnTo>
+                    <a:pt x="651522" y="242155"/>
+                  </a:lnTo>
+                  <a:lnTo>
+                    <a:pt x="781826" y="210462"/>
+                  </a:lnTo>
+                  <a:lnTo>
+                    <a:pt x="912131" y="203714"/>
+                  </a:lnTo>
+                  <a:lnTo>
+                    <a:pt x="1042435" y="148339"/>
+                  </a:lnTo>
+                  <a:lnTo>
+                    <a:pt x="1172739" y="79834"/>
+                  </a:lnTo>
+                  <a:lnTo>
+                    <a:pt x="1303044" y="22158"/>
+                  </a:lnTo>
+                  <a:lnTo>
+                    <a:pt x="1433348" y="38552"/>
+                  </a:lnTo>
+                  <a:lnTo>
+                    <a:pt x="1563653" y="36963"/>
+                  </a:lnTo>
+                  <a:lnTo>
+                    <a:pt x="1693957" y="77373"/>
+                  </a:lnTo>
+                  <a:lnTo>
+                    <a:pt x="1824262" y="35142"/>
+                  </a:lnTo>
+                  <a:lnTo>
+                    <a:pt x="1954566" y="36781"/>
+                  </a:lnTo>
+                  <a:lnTo>
+                    <a:pt x="2084870" y="23136"/>
+                  </a:lnTo>
+                  <a:lnTo>
+                    <a:pt x="2215175" y="32833"/>
+                  </a:lnTo>
+                  <a:lnTo>
+                    <a:pt x="2345479" y="0"/>
+                  </a:lnTo>
+                  <a:lnTo>
+                    <a:pt x="2475784" y="7412"/>
+                  </a:lnTo>
+                  <a:lnTo>
+                    <a:pt x="2606088" y="5510"/>
+                  </a:lnTo>
+                  <a:lnTo>
+                    <a:pt x="2736393" y="0"/>
+                  </a:lnTo>
+                  <a:lnTo>
+                    <a:pt x="2866697" y="3763"/>
+                  </a:lnTo>
+                  <a:lnTo>
+                    <a:pt x="2997001" y="5425"/>
+                  </a:lnTo>
+                  <a:lnTo>
+                    <a:pt x="3127306" y="0"/>
+                  </a:lnTo>
+                  <a:lnTo>
+                    <a:pt x="3257610" y="0"/>
+                  </a:lnTo>
+                  <a:lnTo>
+                    <a:pt x="3387915" y="1442"/>
+                  </a:lnTo>
+                  <a:lnTo>
+                    <a:pt x="3518219" y="1880"/>
+                  </a:lnTo>
+                  <a:lnTo>
+                    <a:pt x="3648524" y="845"/>
+                  </a:lnTo>
+                  <a:lnTo>
+                    <a:pt x="3778828" y="0"/>
+                  </a:lnTo>
+                  <a:lnTo>
+                    <a:pt x="3909132" y="0"/>
+                  </a:lnTo>
+                  <a:lnTo>
+                    <a:pt x="4039437" y="987"/>
+                  </a:lnTo>
+                  <a:lnTo>
+                    <a:pt x="4169741" y="0"/>
+                  </a:lnTo>
+                  <a:lnTo>
+                    <a:pt x="4300046" y="0"/>
+                  </a:lnTo>
+                  <a:lnTo>
+                    <a:pt x="4430350" y="907"/>
+                  </a:lnTo>
+                  <a:lnTo>
+                    <a:pt x="4560655" y="325"/>
+                  </a:lnTo>
+                  <a:lnTo>
+                    <a:pt x="4690959" y="0"/>
+                  </a:lnTo>
+                  <a:lnTo>
+                    <a:pt x="4821263" y="0"/>
+                  </a:lnTo>
+                  <a:lnTo>
+                    <a:pt x="4951568" y="0"/>
+                  </a:lnTo>
+                  <a:lnTo>
+                    <a:pt x="5081872" y="0"/>
+                  </a:lnTo>
+                  <a:lnTo>
+                    <a:pt x="5212177" y="0"/>
+                  </a:lnTo>
+                  <a:lnTo>
+                    <a:pt x="5342481" y="0"/>
+                  </a:lnTo>
+                  <a:lnTo>
+                    <a:pt x="5472786" y="0"/>
+                  </a:lnTo>
+                  <a:lnTo>
+                    <a:pt x="5603090" y="0"/>
+                  </a:lnTo>
+                  <a:lnTo>
+                    <a:pt x="5733394" y="0"/>
+                  </a:lnTo>
+                  <a:lnTo>
+                    <a:pt x="5603090" y="10101"/>
+                  </a:lnTo>
+                  <a:lnTo>
+                    <a:pt x="5472786" y="16493"/>
+                  </a:lnTo>
+                  <a:lnTo>
+                    <a:pt x="5342481" y="11383"/>
+                  </a:lnTo>
+                  <a:lnTo>
+                    <a:pt x="5212177" y="25822"/>
+                  </a:lnTo>
+                  <a:lnTo>
+                    <a:pt x="5081872" y="23657"/>
+                  </a:lnTo>
+                  <a:lnTo>
+                    <a:pt x="4951568" y="23403"/>
+                  </a:lnTo>
+                  <a:lnTo>
+                    <a:pt x="4821263" y="18713"/>
+                  </a:lnTo>
+                  <a:lnTo>
+                    <a:pt x="4690959" y="36242"/>
+                  </a:lnTo>
+                  <a:lnTo>
+                    <a:pt x="4560655" y="36428"/>
+                  </a:lnTo>
+                  <a:lnTo>
+                    <a:pt x="4430350" y="32667"/>
+                  </a:lnTo>
+                  <a:lnTo>
+                    <a:pt x="4300046" y="28313"/>
+                  </a:lnTo>
+                  <a:lnTo>
+                    <a:pt x="4169741" y="26823"/>
+                  </a:lnTo>
+                  <a:lnTo>
+                    <a:pt x="4039437" y="32580"/>
+                  </a:lnTo>
+                  <a:lnTo>
+                    <a:pt x="3909132" y="107482"/>
+                  </a:lnTo>
+                  <a:lnTo>
+                    <a:pt x="3778828" y="120079"/>
+                  </a:lnTo>
+                  <a:lnTo>
+                    <a:pt x="3648524" y="125082"/>
+                  </a:lnTo>
+                  <a:lnTo>
+                    <a:pt x="3518219" y="90276"/>
+                  </a:lnTo>
+                  <a:lnTo>
+                    <a:pt x="3387915" y="86521"/>
+                  </a:lnTo>
+                  <a:lnTo>
+                    <a:pt x="3257610" y="106187"/>
+                  </a:lnTo>
+                  <a:lnTo>
+                    <a:pt x="3127306" y="109090"/>
+                  </a:lnTo>
+                  <a:lnTo>
+                    <a:pt x="2997001" y="111212"/>
+                  </a:lnTo>
+                  <a:lnTo>
+                    <a:pt x="2866697" y="45165"/>
+                  </a:lnTo>
+                  <a:lnTo>
+                    <a:pt x="2736393" y="67666"/>
+                  </a:lnTo>
+                  <a:lnTo>
+                    <a:pt x="2606088" y="82657"/>
+                  </a:lnTo>
+                  <a:lnTo>
+                    <a:pt x="2475784" y="192719"/>
+                  </a:lnTo>
+                  <a:lnTo>
+                    <a:pt x="2345479" y="0"/>
+                  </a:lnTo>
+                  <a:lnTo>
+                    <a:pt x="2215175" y="60194"/>
+                  </a:lnTo>
+                  <a:lnTo>
+                    <a:pt x="2084870" y="42967"/>
+                  </a:lnTo>
+                  <a:lnTo>
+                    <a:pt x="1954566" y="130407"/>
+                  </a:lnTo>
+                  <a:lnTo>
+                    <a:pt x="1824262" y="120488"/>
+                  </a:lnTo>
+                  <a:lnTo>
+                    <a:pt x="1693957" y="276332"/>
+                  </a:lnTo>
+                  <a:lnTo>
+                    <a:pt x="1563653" y="203298"/>
+                  </a:lnTo>
+                  <a:lnTo>
+                    <a:pt x="1433348" y="281732"/>
+                  </a:lnTo>
+                  <a:lnTo>
+                    <a:pt x="1303044" y="301355"/>
+                  </a:lnTo>
+                  <a:lnTo>
+                    <a:pt x="1172739" y="407848"/>
+                  </a:lnTo>
+                  <a:lnTo>
+                    <a:pt x="1042435" y="466413"/>
+                  </a:lnTo>
+                  <a:lnTo>
+                    <a:pt x="912131" y="494734"/>
+                  </a:lnTo>
+                  <a:lnTo>
+                    <a:pt x="781826" y="574505"/>
+                  </a:lnTo>
+                  <a:lnTo>
+                    <a:pt x="651522" y="636694"/>
+                  </a:lnTo>
+                  <a:lnTo>
+                    <a:pt x="521217" y="824760"/>
+                  </a:lnTo>
+                  <a:lnTo>
+                    <a:pt x="390913" y="974519"/>
+                  </a:lnTo>
+                  <a:lnTo>
+                    <a:pt x="260608" y="1355389"/>
+                  </a:lnTo>
+                  <a:lnTo>
+                    <a:pt x="130304" y="1300557"/>
+                  </a:lnTo>
+                  <a:lnTo>
+                    <a:pt x="0" y="1228153"/>
                   </a:lnTo>
                   <a:close/>
                 </a:path>
@@ -4971,138 +5079,150 @@
           </p:nvSpPr>
           <p:spPr>
             <a:xfrm>
-              <a:off x="2778664" y="1722339"/>
-              <a:ext cx="5613215" cy="1163500"/>
+              <a:off x="2746497" y="1722339"/>
+              <a:ext cx="5733394" cy="1116503"/>
             </a:xfrm>
             <a:custGeom>
               <a:avLst/>
               <a:pathLst>
-                <a:path w="5613215" h="1163500">
+                <a:path w="5733394" h="1116503">
                   <a:moveTo>
-                    <a:pt x="0" y="1163500"/>
+                    <a:pt x="0" y="1116503"/>
                   </a:moveTo>
                   <a:lnTo>
-                    <a:pt x="136907" y="1137208"/>
-                  </a:lnTo>
-                  <a:lnTo>
-                    <a:pt x="273815" y="1089917"/>
-                  </a:lnTo>
-                  <a:lnTo>
-                    <a:pt x="410723" y="651164"/>
-                  </a:lnTo>
-                  <a:lnTo>
-                    <a:pt x="547630" y="428073"/>
-                  </a:lnTo>
-                  <a:lnTo>
-                    <a:pt x="684538" y="267803"/>
-                  </a:lnTo>
-                  <a:lnTo>
-                    <a:pt x="821446" y="219025"/>
-                  </a:lnTo>
-                  <a:lnTo>
-                    <a:pt x="958353" y="218008"/>
-                  </a:lnTo>
-                  <a:lnTo>
-                    <a:pt x="1095261" y="145026"/>
-                  </a:lnTo>
-                  <a:lnTo>
-                    <a:pt x="1232169" y="81434"/>
-                  </a:lnTo>
-                  <a:lnTo>
-                    <a:pt x="1369076" y="22096"/>
-                  </a:lnTo>
-                  <a:lnTo>
-                    <a:pt x="1505984" y="44484"/>
-                  </a:lnTo>
-                  <a:lnTo>
-                    <a:pt x="1642892" y="36855"/>
-                  </a:lnTo>
-                  <a:lnTo>
-                    <a:pt x="1779800" y="80868"/>
-                  </a:lnTo>
-                  <a:lnTo>
-                    <a:pt x="1916707" y="35156"/>
-                  </a:lnTo>
-                  <a:lnTo>
-                    <a:pt x="2053615" y="36781"/>
-                  </a:lnTo>
-                  <a:lnTo>
-                    <a:pt x="2190523" y="23136"/>
-                  </a:lnTo>
-                  <a:lnTo>
-                    <a:pt x="2327430" y="32804"/>
-                  </a:lnTo>
-                  <a:lnTo>
-                    <a:pt x="2464338" y="0"/>
-                  </a:lnTo>
-                  <a:lnTo>
-                    <a:pt x="2601246" y="7412"/>
-                  </a:lnTo>
-                  <a:lnTo>
-                    <a:pt x="2738153" y="5510"/>
-                  </a:lnTo>
-                  <a:lnTo>
-                    <a:pt x="2875061" y="6766"/>
-                  </a:lnTo>
-                  <a:lnTo>
-                    <a:pt x="3011969" y="3763"/>
-                  </a:lnTo>
-                  <a:lnTo>
-                    <a:pt x="3148876" y="5425"/>
-                  </a:lnTo>
-                  <a:lnTo>
-                    <a:pt x="3285784" y="0"/>
-                  </a:lnTo>
-                  <a:lnTo>
-                    <a:pt x="3422692" y="0"/>
-                  </a:lnTo>
-                  <a:lnTo>
-                    <a:pt x="3559600" y="1439"/>
-                  </a:lnTo>
-                  <a:lnTo>
-                    <a:pt x="3696507" y="2816"/>
-                  </a:lnTo>
-                  <a:lnTo>
-                    <a:pt x="3833415" y="845"/>
-                  </a:lnTo>
-                  <a:lnTo>
-                    <a:pt x="3970323" y="0"/>
-                  </a:lnTo>
-                  <a:lnTo>
-                    <a:pt x="4107230" y="0"/>
-                  </a:lnTo>
-                  <a:lnTo>
-                    <a:pt x="4244138" y="2972"/>
-                  </a:lnTo>
-                  <a:lnTo>
-                    <a:pt x="4381046" y="0"/>
-                  </a:lnTo>
-                  <a:lnTo>
-                    <a:pt x="4517953" y="417"/>
-                  </a:lnTo>
-                  <a:lnTo>
-                    <a:pt x="4654861" y="1375"/>
-                  </a:lnTo>
-                  <a:lnTo>
-                    <a:pt x="4791769" y="0"/>
-                  </a:lnTo>
-                  <a:lnTo>
-                    <a:pt x="4928677" y="338"/>
-                  </a:lnTo>
-                  <a:lnTo>
-                    <a:pt x="5065584" y="582"/>
-                  </a:lnTo>
-                  <a:lnTo>
-                    <a:pt x="5202492" y="0"/>
-                  </a:lnTo>
-                  <a:lnTo>
-                    <a:pt x="5339400" y="1244"/>
-                  </a:lnTo>
-                  <a:lnTo>
-                    <a:pt x="5476307" y="854"/>
-                  </a:lnTo>
-                  <a:lnTo>
-                    <a:pt x="5613215" y="0"/>
+                    <a:pt x="130304" y="1038348"/>
+                  </a:lnTo>
+                  <a:lnTo>
+                    <a:pt x="260608" y="1025700"/>
+                  </a:lnTo>
+                  <a:lnTo>
+                    <a:pt x="390913" y="601886"/>
+                  </a:lnTo>
+                  <a:lnTo>
+                    <a:pt x="521217" y="399556"/>
+                  </a:lnTo>
+                  <a:lnTo>
+                    <a:pt x="651522" y="242155"/>
+                  </a:lnTo>
+                  <a:lnTo>
+                    <a:pt x="781826" y="210462"/>
+                  </a:lnTo>
+                  <a:lnTo>
+                    <a:pt x="912131" y="203714"/>
+                  </a:lnTo>
+                  <a:lnTo>
+                    <a:pt x="1042435" y="148339"/>
+                  </a:lnTo>
+                  <a:lnTo>
+                    <a:pt x="1172739" y="79834"/>
+                  </a:lnTo>
+                  <a:lnTo>
+                    <a:pt x="1303044" y="22158"/>
+                  </a:lnTo>
+                  <a:lnTo>
+                    <a:pt x="1433348" y="38552"/>
+                  </a:lnTo>
+                  <a:lnTo>
+                    <a:pt x="1563653" y="36963"/>
+                  </a:lnTo>
+                  <a:lnTo>
+                    <a:pt x="1693957" y="77373"/>
+                  </a:lnTo>
+                  <a:lnTo>
+                    <a:pt x="1824262" y="35142"/>
+                  </a:lnTo>
+                  <a:lnTo>
+                    <a:pt x="1954566" y="36781"/>
+                  </a:lnTo>
+                  <a:lnTo>
+                    <a:pt x="2084870" y="23136"/>
+                  </a:lnTo>
+                  <a:lnTo>
+                    <a:pt x="2215175" y="32833"/>
+                  </a:lnTo>
+                  <a:lnTo>
+                    <a:pt x="2345479" y="0"/>
+                  </a:lnTo>
+                  <a:lnTo>
+                    <a:pt x="2475784" y="7412"/>
+                  </a:lnTo>
+                  <a:lnTo>
+                    <a:pt x="2606088" y="5510"/>
+                  </a:lnTo>
+                  <a:lnTo>
+                    <a:pt x="2736393" y="0"/>
+                  </a:lnTo>
+                  <a:lnTo>
+                    <a:pt x="2866697" y="3763"/>
+                  </a:lnTo>
+                  <a:lnTo>
+                    <a:pt x="2997001" y="5425"/>
+                  </a:lnTo>
+                  <a:lnTo>
+                    <a:pt x="3127306" y="0"/>
+                  </a:lnTo>
+                  <a:lnTo>
+                    <a:pt x="3257610" y="0"/>
+                  </a:lnTo>
+                  <a:lnTo>
+                    <a:pt x="3387915" y="1442"/>
+                  </a:lnTo>
+                  <a:lnTo>
+                    <a:pt x="3518219" y="1880"/>
+                  </a:lnTo>
+                  <a:lnTo>
+                    <a:pt x="3648524" y="845"/>
+                  </a:lnTo>
+                  <a:lnTo>
+                    <a:pt x="3778828" y="0"/>
+                  </a:lnTo>
+                  <a:lnTo>
+                    <a:pt x="3909132" y="0"/>
+                  </a:lnTo>
+                  <a:lnTo>
+                    <a:pt x="4039437" y="987"/>
+                  </a:lnTo>
+                  <a:lnTo>
+                    <a:pt x="4169741" y="0"/>
+                  </a:lnTo>
+                  <a:lnTo>
+                    <a:pt x="4300046" y="0"/>
+                  </a:lnTo>
+                  <a:lnTo>
+                    <a:pt x="4430350" y="907"/>
+                  </a:lnTo>
+                  <a:lnTo>
+                    <a:pt x="4560655" y="325"/>
+                  </a:lnTo>
+                  <a:lnTo>
+                    <a:pt x="4690959" y="0"/>
+                  </a:lnTo>
+                  <a:lnTo>
+                    <a:pt x="4821263" y="0"/>
+                  </a:lnTo>
+                  <a:lnTo>
+                    <a:pt x="4951568" y="0"/>
+                  </a:lnTo>
+                  <a:lnTo>
+                    <a:pt x="5081872" y="0"/>
+                  </a:lnTo>
+                  <a:lnTo>
+                    <a:pt x="5212177" y="0"/>
+                  </a:lnTo>
+                  <a:lnTo>
+                    <a:pt x="5342481" y="0"/>
+                  </a:lnTo>
+                  <a:lnTo>
+                    <a:pt x="5472786" y="0"/>
+                  </a:lnTo>
+                  <a:lnTo>
+                    <a:pt x="5603090" y="0"/>
+                  </a:lnTo>
+                  <a:lnTo>
+                    <a:pt x="5733394" y="0"/>
+                  </a:lnTo>
+                  <a:lnTo>
+                    <a:pt x="5733394" y="0"/>
                   </a:lnTo>
                 </a:path>
               </a:pathLst>
@@ -5122,261 +5242,279 @@
           </p:nvSpPr>
           <p:spPr>
             <a:xfrm>
-              <a:off x="2778664" y="1722339"/>
-              <a:ext cx="5613215" cy="1932422"/>
+              <a:off x="2746497" y="1722339"/>
+              <a:ext cx="5733394" cy="1891401"/>
             </a:xfrm>
             <a:custGeom>
               <a:avLst/>
               <a:pathLst>
-                <a:path w="5613215" h="1932422">
+                <a:path w="5733394" h="1891401">
                   <a:moveTo>
-                    <a:pt x="0" y="1821130"/>
+                    <a:pt x="0" y="1228153"/>
                   </a:moveTo>
                   <a:lnTo>
-                    <a:pt x="136907" y="1733719"/>
-                  </a:lnTo>
-                  <a:lnTo>
-                    <a:pt x="273815" y="1488526"/>
-                  </a:lnTo>
-                  <a:lnTo>
-                    <a:pt x="410723" y="1250424"/>
-                  </a:lnTo>
-                  <a:lnTo>
-                    <a:pt x="547630" y="1256347"/>
-                  </a:lnTo>
-                  <a:lnTo>
-                    <a:pt x="684538" y="1134661"/>
-                  </a:lnTo>
-                  <a:lnTo>
-                    <a:pt x="821446" y="1062506"/>
-                  </a:lnTo>
-                  <a:lnTo>
-                    <a:pt x="958353" y="996769"/>
-                  </a:lnTo>
-                  <a:lnTo>
-                    <a:pt x="1095261" y="992437"/>
-                  </a:lnTo>
-                  <a:lnTo>
-                    <a:pt x="1232169" y="803953"/>
-                  </a:lnTo>
-                  <a:lnTo>
-                    <a:pt x="1369076" y="662888"/>
-                  </a:lnTo>
-                  <a:lnTo>
-                    <a:pt x="1505984" y="548637"/>
-                  </a:lnTo>
-                  <a:lnTo>
-                    <a:pt x="1642892" y="571255"/>
-                  </a:lnTo>
-                  <a:lnTo>
-                    <a:pt x="1779800" y="746193"/>
-                  </a:lnTo>
-                  <a:lnTo>
-                    <a:pt x="1916707" y="694341"/>
-                  </a:lnTo>
-                  <a:lnTo>
-                    <a:pt x="2053615" y="603554"/>
-                  </a:lnTo>
-                  <a:lnTo>
-                    <a:pt x="2190523" y="816373"/>
-                  </a:lnTo>
-                  <a:lnTo>
-                    <a:pt x="2327430" y="604151"/>
-                  </a:lnTo>
-                  <a:lnTo>
-                    <a:pt x="2464338" y="377581"/>
-                  </a:lnTo>
-                  <a:lnTo>
-                    <a:pt x="2601246" y="455854"/>
-                  </a:lnTo>
-                  <a:lnTo>
-                    <a:pt x="2738153" y="440841"/>
-                  </a:lnTo>
-                  <a:lnTo>
-                    <a:pt x="2875061" y="270667"/>
-                  </a:lnTo>
-                  <a:lnTo>
-                    <a:pt x="3011969" y="259699"/>
-                  </a:lnTo>
-                  <a:lnTo>
-                    <a:pt x="3148876" y="151900"/>
-                  </a:lnTo>
-                  <a:lnTo>
-                    <a:pt x="3285784" y="113291"/>
-                  </a:lnTo>
-                  <a:lnTo>
-                    <a:pt x="3422692" y="116019"/>
-                  </a:lnTo>
-                  <a:lnTo>
-                    <a:pt x="3559600" y="89242"/>
-                  </a:lnTo>
-                  <a:lnTo>
-                    <a:pt x="3696507" y="63831"/>
-                  </a:lnTo>
-                  <a:lnTo>
-                    <a:pt x="3833415" y="43983"/>
-                  </a:lnTo>
-                  <a:lnTo>
-                    <a:pt x="3970323" y="42909"/>
-                  </a:lnTo>
-                  <a:lnTo>
-                    <a:pt x="4107230" y="36367"/>
-                  </a:lnTo>
-                  <a:lnTo>
-                    <a:pt x="4244138" y="34680"/>
-                  </a:lnTo>
-                  <a:lnTo>
-                    <a:pt x="4381046" y="26303"/>
-                  </a:lnTo>
-                  <a:lnTo>
-                    <a:pt x="4517953" y="44246"/>
-                  </a:lnTo>
-                  <a:lnTo>
-                    <a:pt x="4654861" y="26129"/>
-                  </a:lnTo>
-                  <a:lnTo>
-                    <a:pt x="4791769" y="21925"/>
-                  </a:lnTo>
-                  <a:lnTo>
-                    <a:pt x="4928677" y="22017"/>
-                  </a:lnTo>
-                  <a:lnTo>
-                    <a:pt x="5065584" y="18053"/>
-                  </a:lnTo>
-                  <a:lnTo>
-                    <a:pt x="5202492" y="7298"/>
-                  </a:lnTo>
-                  <a:lnTo>
-                    <a:pt x="5339400" y="9953"/>
-                  </a:lnTo>
-                  <a:lnTo>
-                    <a:pt x="5476307" y="14523"/>
-                  </a:lnTo>
-                  <a:lnTo>
-                    <a:pt x="5613215" y="0"/>
-                  </a:lnTo>
-                  <a:lnTo>
-                    <a:pt x="5476307" y="14523"/>
-                  </a:lnTo>
-                  <a:lnTo>
-                    <a:pt x="5339400" y="11197"/>
-                  </a:lnTo>
-                  <a:lnTo>
-                    <a:pt x="5202492" y="8210"/>
-                  </a:lnTo>
-                  <a:lnTo>
-                    <a:pt x="5065584" y="18053"/>
-                  </a:lnTo>
-                  <a:lnTo>
-                    <a:pt x="4928677" y="22017"/>
-                  </a:lnTo>
-                  <a:lnTo>
-                    <a:pt x="4791769" y="21925"/>
-                  </a:lnTo>
-                  <a:lnTo>
-                    <a:pt x="4654861" y="26129"/>
-                  </a:lnTo>
-                  <a:lnTo>
-                    <a:pt x="4517953" y="44246"/>
-                  </a:lnTo>
-                  <a:lnTo>
-                    <a:pt x="4381046" y="26851"/>
-                  </a:lnTo>
-                  <a:lnTo>
-                    <a:pt x="4244138" y="34680"/>
-                  </a:lnTo>
-                  <a:lnTo>
-                    <a:pt x="4107230" y="36367"/>
-                  </a:lnTo>
-                  <a:lnTo>
-                    <a:pt x="3970323" y="43452"/>
-                  </a:lnTo>
-                  <a:lnTo>
-                    <a:pt x="3833415" y="43983"/>
-                  </a:lnTo>
-                  <a:lnTo>
-                    <a:pt x="3696507" y="67586"/>
-                  </a:lnTo>
-                  <a:lnTo>
-                    <a:pt x="3559600" y="100757"/>
-                  </a:lnTo>
-                  <a:lnTo>
-                    <a:pt x="3422692" y="120213"/>
-                  </a:lnTo>
-                  <a:lnTo>
-                    <a:pt x="3285784" y="115429"/>
-                  </a:lnTo>
-                  <a:lnTo>
-                    <a:pt x="3148876" y="151900"/>
-                  </a:lnTo>
-                  <a:lnTo>
-                    <a:pt x="3011969" y="259699"/>
-                  </a:lnTo>
-                  <a:lnTo>
-                    <a:pt x="2875061" y="270667"/>
-                  </a:lnTo>
-                  <a:lnTo>
-                    <a:pt x="2738153" y="440841"/>
-                  </a:lnTo>
-                  <a:lnTo>
-                    <a:pt x="2601246" y="455854"/>
-                  </a:lnTo>
-                  <a:lnTo>
-                    <a:pt x="2464338" y="377581"/>
-                  </a:lnTo>
-                  <a:lnTo>
-                    <a:pt x="2327430" y="606885"/>
-                  </a:lnTo>
-                  <a:lnTo>
-                    <a:pt x="2190523" y="816373"/>
-                  </a:lnTo>
-                  <a:lnTo>
-                    <a:pt x="2053615" y="615257"/>
-                  </a:lnTo>
-                  <a:lnTo>
-                    <a:pt x="1916707" y="704386"/>
-                  </a:lnTo>
-                  <a:lnTo>
-                    <a:pt x="1779800" y="757220"/>
-                  </a:lnTo>
-                  <a:lnTo>
-                    <a:pt x="1642892" y="571255"/>
-                  </a:lnTo>
-                  <a:lnTo>
-                    <a:pt x="1505984" y="566431"/>
-                  </a:lnTo>
-                  <a:lnTo>
-                    <a:pt x="1369076" y="673936"/>
-                  </a:lnTo>
-                  <a:lnTo>
-                    <a:pt x="1232169" y="814349"/>
-                  </a:lnTo>
-                  <a:lnTo>
-                    <a:pt x="1095261" y="1003811"/>
-                  </a:lnTo>
-                  <a:lnTo>
-                    <a:pt x="958353" y="1008006"/>
-                  </a:lnTo>
-                  <a:lnTo>
-                    <a:pt x="821446" y="1069030"/>
-                  </a:lnTo>
-                  <a:lnTo>
-                    <a:pt x="684538" y="1141301"/>
-                  </a:lnTo>
-                  <a:lnTo>
-                    <a:pt x="547630" y="1269620"/>
-                  </a:lnTo>
-                  <a:lnTo>
-                    <a:pt x="410723" y="1269299"/>
-                  </a:lnTo>
-                  <a:lnTo>
-                    <a:pt x="273815" y="1507782"/>
-                  </a:lnTo>
-                  <a:lnTo>
-                    <a:pt x="136907" y="1782556"/>
-                  </a:lnTo>
-                  <a:lnTo>
-                    <a:pt x="0" y="1932422"/>
+                    <a:pt x="130304" y="1300557"/>
+                  </a:lnTo>
+                  <a:lnTo>
+                    <a:pt x="260608" y="1355389"/>
+                  </a:lnTo>
+                  <a:lnTo>
+                    <a:pt x="390913" y="974519"/>
+                  </a:lnTo>
+                  <a:lnTo>
+                    <a:pt x="521217" y="824760"/>
+                  </a:lnTo>
+                  <a:lnTo>
+                    <a:pt x="651522" y="636694"/>
+                  </a:lnTo>
+                  <a:lnTo>
+                    <a:pt x="781826" y="574505"/>
+                  </a:lnTo>
+                  <a:lnTo>
+                    <a:pt x="912131" y="494734"/>
+                  </a:lnTo>
+                  <a:lnTo>
+                    <a:pt x="1042435" y="466413"/>
+                  </a:lnTo>
+                  <a:lnTo>
+                    <a:pt x="1172739" y="407848"/>
+                  </a:lnTo>
+                  <a:lnTo>
+                    <a:pt x="1303044" y="301355"/>
+                  </a:lnTo>
+                  <a:lnTo>
+                    <a:pt x="1433348" y="281732"/>
+                  </a:lnTo>
+                  <a:lnTo>
+                    <a:pt x="1563653" y="203298"/>
+                  </a:lnTo>
+                  <a:lnTo>
+                    <a:pt x="1693957" y="276332"/>
+                  </a:lnTo>
+                  <a:lnTo>
+                    <a:pt x="1824262" y="120488"/>
+                  </a:lnTo>
+                  <a:lnTo>
+                    <a:pt x="1954566" y="130407"/>
+                  </a:lnTo>
+                  <a:lnTo>
+                    <a:pt x="2084870" y="42967"/>
+                  </a:lnTo>
+                  <a:lnTo>
+                    <a:pt x="2215175" y="60194"/>
+                  </a:lnTo>
+                  <a:lnTo>
+                    <a:pt x="2345479" y="0"/>
+                  </a:lnTo>
+                  <a:lnTo>
+                    <a:pt x="2475784" y="192719"/>
+                  </a:lnTo>
+                  <a:lnTo>
+                    <a:pt x="2606088" y="82657"/>
+                  </a:lnTo>
+                  <a:lnTo>
+                    <a:pt x="2736393" y="67666"/>
+                  </a:lnTo>
+                  <a:lnTo>
+                    <a:pt x="2866697" y="45165"/>
+                  </a:lnTo>
+                  <a:lnTo>
+                    <a:pt x="2997001" y="111212"/>
+                  </a:lnTo>
+                  <a:lnTo>
+                    <a:pt x="3127306" y="109090"/>
+                  </a:lnTo>
+                  <a:lnTo>
+                    <a:pt x="3257610" y="106187"/>
+                  </a:lnTo>
+                  <a:lnTo>
+                    <a:pt x="3387915" y="86521"/>
+                  </a:lnTo>
+                  <a:lnTo>
+                    <a:pt x="3518219" y="90276"/>
+                  </a:lnTo>
+                  <a:lnTo>
+                    <a:pt x="3648524" y="125082"/>
+                  </a:lnTo>
+                  <a:lnTo>
+                    <a:pt x="3778828" y="120079"/>
+                  </a:lnTo>
+                  <a:lnTo>
+                    <a:pt x="3909132" y="107482"/>
+                  </a:lnTo>
+                  <a:lnTo>
+                    <a:pt x="4039437" y="32580"/>
+                  </a:lnTo>
+                  <a:lnTo>
+                    <a:pt x="4169741" y="26823"/>
+                  </a:lnTo>
+                  <a:lnTo>
+                    <a:pt x="4300046" y="28313"/>
+                  </a:lnTo>
+                  <a:lnTo>
+                    <a:pt x="4430350" y="32667"/>
+                  </a:lnTo>
+                  <a:lnTo>
+                    <a:pt x="4560655" y="36428"/>
+                  </a:lnTo>
+                  <a:lnTo>
+                    <a:pt x="4690959" y="36242"/>
+                  </a:lnTo>
+                  <a:lnTo>
+                    <a:pt x="4821263" y="18713"/>
+                  </a:lnTo>
+                  <a:lnTo>
+                    <a:pt x="4951568" y="23403"/>
+                  </a:lnTo>
+                  <a:lnTo>
+                    <a:pt x="5081872" y="23657"/>
+                  </a:lnTo>
+                  <a:lnTo>
+                    <a:pt x="5212177" y="25822"/>
+                  </a:lnTo>
+                  <a:lnTo>
+                    <a:pt x="5342481" y="11383"/>
+                  </a:lnTo>
+                  <a:lnTo>
+                    <a:pt x="5472786" y="16493"/>
+                  </a:lnTo>
+                  <a:lnTo>
+                    <a:pt x="5603090" y="10101"/>
+                  </a:lnTo>
+                  <a:lnTo>
+                    <a:pt x="5733394" y="0"/>
+                  </a:lnTo>
+                  <a:lnTo>
+                    <a:pt x="5603090" y="17677"/>
+                  </a:lnTo>
+                  <a:lnTo>
+                    <a:pt x="5472786" y="20769"/>
+                  </a:lnTo>
+                  <a:lnTo>
+                    <a:pt x="5342481" y="27036"/>
+                  </a:lnTo>
+                  <a:lnTo>
+                    <a:pt x="5212177" y="40082"/>
+                  </a:lnTo>
+                  <a:lnTo>
+                    <a:pt x="5081872" y="35960"/>
+                  </a:lnTo>
+                  <a:lnTo>
+                    <a:pt x="4951568" y="33805"/>
+                  </a:lnTo>
+                  <a:lnTo>
+                    <a:pt x="4821263" y="40026"/>
+                  </a:lnTo>
+                  <a:lnTo>
+                    <a:pt x="4690959" y="57175"/>
+                  </a:lnTo>
+                  <a:lnTo>
+                    <a:pt x="4560655" y="57895"/>
+                  </a:lnTo>
+                  <a:lnTo>
+                    <a:pt x="4430350" y="55806"/>
+                  </a:lnTo>
+                  <a:lnTo>
+                    <a:pt x="4300046" y="69533"/>
+                  </a:lnTo>
+                  <a:lnTo>
+                    <a:pt x="4169741" y="52003"/>
+                  </a:lnTo>
+                  <a:lnTo>
+                    <a:pt x="4039437" y="63680"/>
+                  </a:lnTo>
+                  <a:lnTo>
+                    <a:pt x="3909132" y="143057"/>
+                  </a:lnTo>
+                  <a:lnTo>
+                    <a:pt x="3778828" y="159743"/>
+                  </a:lnTo>
+                  <a:lnTo>
+                    <a:pt x="3648524" y="166495"/>
+                  </a:lnTo>
+                  <a:lnTo>
+                    <a:pt x="3518219" y="156102"/>
+                  </a:lnTo>
+                  <a:lnTo>
+                    <a:pt x="3387915" y="187463"/>
+                  </a:lnTo>
+                  <a:lnTo>
+                    <a:pt x="3257610" y="234730"/>
+                  </a:lnTo>
+                  <a:lnTo>
+                    <a:pt x="3127306" y="220319"/>
+                  </a:lnTo>
+                  <a:lnTo>
+                    <a:pt x="2997001" y="276675"/>
+                  </a:lnTo>
+                  <a:lnTo>
+                    <a:pt x="2866697" y="289810"/>
+                  </a:lnTo>
+                  <a:lnTo>
+                    <a:pt x="2736393" y="378934"/>
+                  </a:lnTo>
+                  <a:lnTo>
+                    <a:pt x="2606088" y="523499"/>
+                  </a:lnTo>
+                  <a:lnTo>
+                    <a:pt x="2475784" y="637455"/>
+                  </a:lnTo>
+                  <a:lnTo>
+                    <a:pt x="2345479" y="314650"/>
+                  </a:lnTo>
+                  <a:lnTo>
+                    <a:pt x="2215175" y="593732"/>
+                  </a:lnTo>
+                  <a:lnTo>
+                    <a:pt x="2084870" y="799848"/>
+                  </a:lnTo>
+                  <a:lnTo>
+                    <a:pt x="1954566" y="650367"/>
+                  </a:lnTo>
+                  <a:lnTo>
+                    <a:pt x="1824262" y="751798"/>
+                  </a:lnTo>
+                  <a:lnTo>
+                    <a:pt x="1693957" y="887949"/>
+                  </a:lnTo>
+                  <a:lnTo>
+                    <a:pt x="1563653" y="711545"/>
+                  </a:lnTo>
+                  <a:lnTo>
+                    <a:pt x="1433348" y="771057"/>
+                  </a:lnTo>
+                  <a:lnTo>
+                    <a:pt x="1303044" y="970543"/>
+                  </a:lnTo>
+                  <a:lnTo>
+                    <a:pt x="1172739" y="1157596"/>
+                  </a:lnTo>
+                  <a:lnTo>
+                    <a:pt x="1042435" y="1355024"/>
+                  </a:lnTo>
+                  <a:lnTo>
+                    <a:pt x="912131" y="1280488"/>
+                  </a:lnTo>
+                  <a:lnTo>
+                    <a:pt x="781826" y="1416355"/>
+                  </a:lnTo>
+                  <a:lnTo>
+                    <a:pt x="651522" y="1505737"/>
+                  </a:lnTo>
+                  <a:lnTo>
+                    <a:pt x="521217" y="1664369"/>
+                  </a:lnTo>
+                  <a:lnTo>
+                    <a:pt x="390913" y="1573254"/>
+                  </a:lnTo>
+                  <a:lnTo>
+                    <a:pt x="260608" y="1756415"/>
+                  </a:lnTo>
+                  <a:lnTo>
+                    <a:pt x="130304" y="1891401"/>
+                  </a:lnTo>
+                  <a:lnTo>
+                    <a:pt x="0" y="1877755"/>
                   </a:lnTo>
                   <a:close/>
                 </a:path>
@@ -5402,138 +5540,150 @@
           </p:nvSpPr>
           <p:spPr>
             <a:xfrm>
-              <a:off x="2778664" y="1722339"/>
-              <a:ext cx="5613215" cy="1821130"/>
+              <a:off x="2746497" y="1722339"/>
+              <a:ext cx="5733394" cy="1355389"/>
             </a:xfrm>
             <a:custGeom>
               <a:avLst/>
               <a:pathLst>
-                <a:path w="5613215" h="1821130">
+                <a:path w="5733394" h="1355389">
                   <a:moveTo>
-                    <a:pt x="0" y="1821130"/>
+                    <a:pt x="0" y="1228153"/>
                   </a:moveTo>
                   <a:lnTo>
-                    <a:pt x="136907" y="1733719"/>
-                  </a:lnTo>
-                  <a:lnTo>
-                    <a:pt x="273815" y="1488526"/>
-                  </a:lnTo>
-                  <a:lnTo>
-                    <a:pt x="410723" y="1250424"/>
-                  </a:lnTo>
-                  <a:lnTo>
-                    <a:pt x="547630" y="1256347"/>
-                  </a:lnTo>
-                  <a:lnTo>
-                    <a:pt x="684538" y="1134661"/>
-                  </a:lnTo>
-                  <a:lnTo>
-                    <a:pt x="821446" y="1062506"/>
-                  </a:lnTo>
-                  <a:lnTo>
-                    <a:pt x="958353" y="996769"/>
-                  </a:lnTo>
-                  <a:lnTo>
-                    <a:pt x="1095261" y="992437"/>
-                  </a:lnTo>
-                  <a:lnTo>
-                    <a:pt x="1232169" y="803953"/>
-                  </a:lnTo>
-                  <a:lnTo>
-                    <a:pt x="1369076" y="662888"/>
-                  </a:lnTo>
-                  <a:lnTo>
-                    <a:pt x="1505984" y="548637"/>
-                  </a:lnTo>
-                  <a:lnTo>
-                    <a:pt x="1642892" y="571255"/>
-                  </a:lnTo>
-                  <a:lnTo>
-                    <a:pt x="1779800" y="746193"/>
-                  </a:lnTo>
-                  <a:lnTo>
-                    <a:pt x="1916707" y="694341"/>
-                  </a:lnTo>
-                  <a:lnTo>
-                    <a:pt x="2053615" y="603554"/>
-                  </a:lnTo>
-                  <a:lnTo>
-                    <a:pt x="2190523" y="816373"/>
-                  </a:lnTo>
-                  <a:lnTo>
-                    <a:pt x="2327430" y="604151"/>
-                  </a:lnTo>
-                  <a:lnTo>
-                    <a:pt x="2464338" y="377581"/>
-                  </a:lnTo>
-                  <a:lnTo>
-                    <a:pt x="2601246" y="455854"/>
-                  </a:lnTo>
-                  <a:lnTo>
-                    <a:pt x="2738153" y="440841"/>
-                  </a:lnTo>
-                  <a:lnTo>
-                    <a:pt x="2875061" y="270667"/>
-                  </a:lnTo>
-                  <a:lnTo>
-                    <a:pt x="3011969" y="259699"/>
-                  </a:lnTo>
-                  <a:lnTo>
-                    <a:pt x="3148876" y="151900"/>
-                  </a:lnTo>
-                  <a:lnTo>
-                    <a:pt x="3285784" y="113291"/>
-                  </a:lnTo>
-                  <a:lnTo>
-                    <a:pt x="3422692" y="116019"/>
-                  </a:lnTo>
-                  <a:lnTo>
-                    <a:pt x="3559600" y="89242"/>
-                  </a:lnTo>
-                  <a:lnTo>
-                    <a:pt x="3696507" y="63831"/>
-                  </a:lnTo>
-                  <a:lnTo>
-                    <a:pt x="3833415" y="43983"/>
-                  </a:lnTo>
-                  <a:lnTo>
-                    <a:pt x="3970323" y="42909"/>
-                  </a:lnTo>
-                  <a:lnTo>
-                    <a:pt x="4107230" y="36367"/>
-                  </a:lnTo>
-                  <a:lnTo>
-                    <a:pt x="4244138" y="34680"/>
-                  </a:lnTo>
-                  <a:lnTo>
-                    <a:pt x="4381046" y="26303"/>
-                  </a:lnTo>
-                  <a:lnTo>
-                    <a:pt x="4517953" y="44246"/>
-                  </a:lnTo>
-                  <a:lnTo>
-                    <a:pt x="4654861" y="26129"/>
-                  </a:lnTo>
-                  <a:lnTo>
-                    <a:pt x="4791769" y="21925"/>
-                  </a:lnTo>
-                  <a:lnTo>
-                    <a:pt x="4928677" y="22017"/>
-                  </a:lnTo>
-                  <a:lnTo>
-                    <a:pt x="5065584" y="18053"/>
-                  </a:lnTo>
-                  <a:lnTo>
-                    <a:pt x="5202492" y="7298"/>
-                  </a:lnTo>
-                  <a:lnTo>
-                    <a:pt x="5339400" y="9953"/>
-                  </a:lnTo>
-                  <a:lnTo>
-                    <a:pt x="5476307" y="14523"/>
-                  </a:lnTo>
-                  <a:lnTo>
-                    <a:pt x="5613215" y="0"/>
+                    <a:pt x="130304" y="1300557"/>
+                  </a:lnTo>
+                  <a:lnTo>
+                    <a:pt x="260608" y="1355389"/>
+                  </a:lnTo>
+                  <a:lnTo>
+                    <a:pt x="390913" y="974519"/>
+                  </a:lnTo>
+                  <a:lnTo>
+                    <a:pt x="521217" y="824760"/>
+                  </a:lnTo>
+                  <a:lnTo>
+                    <a:pt x="651522" y="636694"/>
+                  </a:lnTo>
+                  <a:lnTo>
+                    <a:pt x="781826" y="574505"/>
+                  </a:lnTo>
+                  <a:lnTo>
+                    <a:pt x="912131" y="494734"/>
+                  </a:lnTo>
+                  <a:lnTo>
+                    <a:pt x="1042435" y="466413"/>
+                  </a:lnTo>
+                  <a:lnTo>
+                    <a:pt x="1172739" y="407848"/>
+                  </a:lnTo>
+                  <a:lnTo>
+                    <a:pt x="1303044" y="301355"/>
+                  </a:lnTo>
+                  <a:lnTo>
+                    <a:pt x="1433348" y="281732"/>
+                  </a:lnTo>
+                  <a:lnTo>
+                    <a:pt x="1563653" y="203298"/>
+                  </a:lnTo>
+                  <a:lnTo>
+                    <a:pt x="1693957" y="276332"/>
+                  </a:lnTo>
+                  <a:lnTo>
+                    <a:pt x="1824262" y="120488"/>
+                  </a:lnTo>
+                  <a:lnTo>
+                    <a:pt x="1954566" y="130407"/>
+                  </a:lnTo>
+                  <a:lnTo>
+                    <a:pt x="2084870" y="42967"/>
+                  </a:lnTo>
+                  <a:lnTo>
+                    <a:pt x="2215175" y="60194"/>
+                  </a:lnTo>
+                  <a:lnTo>
+                    <a:pt x="2345479" y="0"/>
+                  </a:lnTo>
+                  <a:lnTo>
+                    <a:pt x="2475784" y="192719"/>
+                  </a:lnTo>
+                  <a:lnTo>
+                    <a:pt x="2606088" y="82657"/>
+                  </a:lnTo>
+                  <a:lnTo>
+                    <a:pt x="2736393" y="67666"/>
+                  </a:lnTo>
+                  <a:lnTo>
+                    <a:pt x="2866697" y="45165"/>
+                  </a:lnTo>
+                  <a:lnTo>
+                    <a:pt x="2997001" y="111212"/>
+                  </a:lnTo>
+                  <a:lnTo>
+                    <a:pt x="3127306" y="109090"/>
+                  </a:lnTo>
+                  <a:lnTo>
+                    <a:pt x="3257610" y="106187"/>
+                  </a:lnTo>
+                  <a:lnTo>
+                    <a:pt x="3387915" y="86521"/>
+                  </a:lnTo>
+                  <a:lnTo>
+                    <a:pt x="3518219" y="90276"/>
+                  </a:lnTo>
+                  <a:lnTo>
+                    <a:pt x="3648524" y="125082"/>
+                  </a:lnTo>
+                  <a:lnTo>
+                    <a:pt x="3778828" y="120079"/>
+                  </a:lnTo>
+                  <a:lnTo>
+                    <a:pt x="3909132" y="107482"/>
+                  </a:lnTo>
+                  <a:lnTo>
+                    <a:pt x="4039437" y="32580"/>
+                  </a:lnTo>
+                  <a:lnTo>
+                    <a:pt x="4169741" y="26823"/>
+                  </a:lnTo>
+                  <a:lnTo>
+                    <a:pt x="4300046" y="28313"/>
+                  </a:lnTo>
+                  <a:lnTo>
+                    <a:pt x="4430350" y="32667"/>
+                  </a:lnTo>
+                  <a:lnTo>
+                    <a:pt x="4560655" y="36428"/>
+                  </a:lnTo>
+                  <a:lnTo>
+                    <a:pt x="4690959" y="36242"/>
+                  </a:lnTo>
+                  <a:lnTo>
+                    <a:pt x="4821263" y="18713"/>
+                  </a:lnTo>
+                  <a:lnTo>
+                    <a:pt x="4951568" y="23403"/>
+                  </a:lnTo>
+                  <a:lnTo>
+                    <a:pt x="5081872" y="23657"/>
+                  </a:lnTo>
+                  <a:lnTo>
+                    <a:pt x="5212177" y="25822"/>
+                  </a:lnTo>
+                  <a:lnTo>
+                    <a:pt x="5342481" y="11383"/>
+                  </a:lnTo>
+                  <a:lnTo>
+                    <a:pt x="5472786" y="16493"/>
+                  </a:lnTo>
+                  <a:lnTo>
+                    <a:pt x="5603090" y="10101"/>
+                  </a:lnTo>
+                  <a:lnTo>
+                    <a:pt x="5733394" y="0"/>
+                  </a:lnTo>
+                  <a:lnTo>
+                    <a:pt x="5733394" y="0"/>
                   </a:lnTo>
                 </a:path>
               </a:pathLst>
@@ -5553,261 +5703,282 @@
           </p:nvSpPr>
           <p:spPr>
             <a:xfrm>
-              <a:off x="2778664" y="1722339"/>
-              <a:ext cx="5613215" cy="1993126"/>
+              <a:off x="2746497" y="1722339"/>
+              <a:ext cx="5733394" cy="2017262"/>
             </a:xfrm>
             <a:custGeom>
               <a:avLst/>
               <a:pathLst>
-                <a:path w="5613215" h="1993126">
+                <a:path w="5733394" h="2017262">
                   <a:moveTo>
-                    <a:pt x="0" y="1932422"/>
+                    <a:pt x="0" y="1877755"/>
                   </a:moveTo>
                   <a:lnTo>
-                    <a:pt x="136907" y="1782556"/>
-                  </a:lnTo>
-                  <a:lnTo>
-                    <a:pt x="273815" y="1507782"/>
-                  </a:lnTo>
-                  <a:lnTo>
-                    <a:pt x="410723" y="1269299"/>
-                  </a:lnTo>
-                  <a:lnTo>
-                    <a:pt x="547630" y="1269620"/>
-                  </a:lnTo>
-                  <a:lnTo>
-                    <a:pt x="684538" y="1141301"/>
-                  </a:lnTo>
-                  <a:lnTo>
-                    <a:pt x="821446" y="1069030"/>
-                  </a:lnTo>
-                  <a:lnTo>
-                    <a:pt x="958353" y="1008006"/>
-                  </a:lnTo>
-                  <a:lnTo>
-                    <a:pt x="1095261" y="1003811"/>
-                  </a:lnTo>
-                  <a:lnTo>
-                    <a:pt x="1232169" y="814349"/>
-                  </a:lnTo>
-                  <a:lnTo>
-                    <a:pt x="1369076" y="673936"/>
-                  </a:lnTo>
-                  <a:lnTo>
-                    <a:pt x="1505984" y="566431"/>
-                  </a:lnTo>
-                  <a:lnTo>
-                    <a:pt x="1642892" y="571255"/>
-                  </a:lnTo>
-                  <a:lnTo>
-                    <a:pt x="1779800" y="757220"/>
-                  </a:lnTo>
-                  <a:lnTo>
-                    <a:pt x="1916707" y="704386"/>
-                  </a:lnTo>
-                  <a:lnTo>
-                    <a:pt x="2053615" y="615257"/>
-                  </a:lnTo>
-                  <a:lnTo>
-                    <a:pt x="2190523" y="816373"/>
-                  </a:lnTo>
-                  <a:lnTo>
-                    <a:pt x="2327430" y="606885"/>
-                  </a:lnTo>
-                  <a:lnTo>
-                    <a:pt x="2464338" y="377581"/>
-                  </a:lnTo>
-                  <a:lnTo>
-                    <a:pt x="2601246" y="455854"/>
-                  </a:lnTo>
-                  <a:lnTo>
-                    <a:pt x="2738153" y="440841"/>
-                  </a:lnTo>
-                  <a:lnTo>
-                    <a:pt x="2875061" y="270667"/>
-                  </a:lnTo>
-                  <a:lnTo>
-                    <a:pt x="3011969" y="259699"/>
-                  </a:lnTo>
-                  <a:lnTo>
-                    <a:pt x="3148876" y="151900"/>
-                  </a:lnTo>
-                  <a:lnTo>
-                    <a:pt x="3285784" y="115429"/>
-                  </a:lnTo>
-                  <a:lnTo>
-                    <a:pt x="3422692" y="120213"/>
-                  </a:lnTo>
-                  <a:lnTo>
-                    <a:pt x="3559600" y="100757"/>
-                  </a:lnTo>
-                  <a:lnTo>
-                    <a:pt x="3696507" y="67586"/>
-                  </a:lnTo>
-                  <a:lnTo>
-                    <a:pt x="3833415" y="43983"/>
-                  </a:lnTo>
-                  <a:lnTo>
-                    <a:pt x="3970323" y="43452"/>
-                  </a:lnTo>
-                  <a:lnTo>
-                    <a:pt x="4107230" y="36367"/>
-                  </a:lnTo>
-                  <a:lnTo>
-                    <a:pt x="4244138" y="34680"/>
-                  </a:lnTo>
-                  <a:lnTo>
-                    <a:pt x="4381046" y="26851"/>
-                  </a:lnTo>
-                  <a:lnTo>
-                    <a:pt x="4517953" y="44246"/>
-                  </a:lnTo>
-                  <a:lnTo>
-                    <a:pt x="4654861" y="26129"/>
-                  </a:lnTo>
-                  <a:lnTo>
-                    <a:pt x="4791769" y="21925"/>
-                  </a:lnTo>
-                  <a:lnTo>
-                    <a:pt x="4928677" y="22017"/>
-                  </a:lnTo>
-                  <a:lnTo>
-                    <a:pt x="5065584" y="18053"/>
-                  </a:lnTo>
-                  <a:lnTo>
-                    <a:pt x="5202492" y="8210"/>
-                  </a:lnTo>
-                  <a:lnTo>
-                    <a:pt x="5339400" y="11197"/>
-                  </a:lnTo>
-                  <a:lnTo>
-                    <a:pt x="5476307" y="14523"/>
-                  </a:lnTo>
-                  <a:lnTo>
-                    <a:pt x="5613215" y="0"/>
-                  </a:lnTo>
-                  <a:lnTo>
-                    <a:pt x="5476307" y="23921"/>
-                  </a:lnTo>
-                  <a:lnTo>
-                    <a:pt x="5339400" y="23639"/>
-                  </a:lnTo>
-                  <a:lnTo>
-                    <a:pt x="5202492" y="29193"/>
-                  </a:lnTo>
-                  <a:lnTo>
-                    <a:pt x="5065584" y="38435"/>
-                  </a:lnTo>
-                  <a:lnTo>
-                    <a:pt x="4928677" y="44713"/>
-                  </a:lnTo>
-                  <a:lnTo>
-                    <a:pt x="4791769" y="50723"/>
-                  </a:lnTo>
-                  <a:lnTo>
-                    <a:pt x="4654861" y="50883"/>
-                  </a:lnTo>
-                  <a:lnTo>
-                    <a:pt x="4517953" y="72631"/>
-                  </a:lnTo>
-                  <a:lnTo>
-                    <a:pt x="4381046" y="78361"/>
-                  </a:lnTo>
-                  <a:lnTo>
-                    <a:pt x="4244138" y="90664"/>
-                  </a:lnTo>
-                  <a:lnTo>
-                    <a:pt x="4107230" y="69703"/>
-                  </a:lnTo>
-                  <a:lnTo>
-                    <a:pt x="3970323" y="98854"/>
-                  </a:lnTo>
-                  <a:lnTo>
-                    <a:pt x="3833415" y="101500"/>
-                  </a:lnTo>
-                  <a:lnTo>
-                    <a:pt x="3696507" y="158639"/>
-                  </a:lnTo>
-                  <a:lnTo>
-                    <a:pt x="3559600" y="240378"/>
-                  </a:lnTo>
-                  <a:lnTo>
-                    <a:pt x="3422692" y="248813"/>
-                  </a:lnTo>
-                  <a:lnTo>
-                    <a:pt x="3285784" y="209482"/>
-                  </a:lnTo>
-                  <a:lnTo>
-                    <a:pt x="3148876" y="434001"/>
-                  </a:lnTo>
-                  <a:lnTo>
-                    <a:pt x="3011969" y="654895"/>
-                  </a:lnTo>
-                  <a:lnTo>
-                    <a:pt x="2875061" y="683435"/>
-                  </a:lnTo>
-                  <a:lnTo>
-                    <a:pt x="2738153" y="909236"/>
-                  </a:lnTo>
-                  <a:lnTo>
-                    <a:pt x="2601246" y="930240"/>
-                  </a:lnTo>
-                  <a:lnTo>
-                    <a:pt x="2464338" y="860045"/>
-                  </a:lnTo>
-                  <a:lnTo>
-                    <a:pt x="2327430" y="918529"/>
-                  </a:lnTo>
-                  <a:lnTo>
-                    <a:pt x="2190523" y="1123753"/>
-                  </a:lnTo>
-                  <a:lnTo>
-                    <a:pt x="2053615" y="902824"/>
-                  </a:lnTo>
-                  <a:lnTo>
-                    <a:pt x="1916707" y="1008239"/>
-                  </a:lnTo>
-                  <a:lnTo>
-                    <a:pt x="1779800" y="1025556"/>
-                  </a:lnTo>
-                  <a:lnTo>
-                    <a:pt x="1642892" y="962841"/>
-                  </a:lnTo>
-                  <a:lnTo>
-                    <a:pt x="1505984" y="1118034"/>
-                  </a:lnTo>
-                  <a:lnTo>
-                    <a:pt x="1369076" y="1210875"/>
-                  </a:lnTo>
-                  <a:lnTo>
-                    <a:pt x="1232169" y="1270039"/>
-                  </a:lnTo>
-                  <a:lnTo>
-                    <a:pt x="1095261" y="1401924"/>
-                  </a:lnTo>
-                  <a:lnTo>
-                    <a:pt x="958353" y="1309172"/>
-                  </a:lnTo>
-                  <a:lnTo>
-                    <a:pt x="821446" y="1333724"/>
-                  </a:lnTo>
-                  <a:lnTo>
-                    <a:pt x="684538" y="1353035"/>
-                  </a:lnTo>
-                  <a:lnTo>
-                    <a:pt x="547630" y="1446159"/>
-                  </a:lnTo>
-                  <a:lnTo>
-                    <a:pt x="410723" y="1517811"/>
-                  </a:lnTo>
-                  <a:lnTo>
-                    <a:pt x="273815" y="1719604"/>
-                  </a:lnTo>
-                  <a:lnTo>
-                    <a:pt x="136907" y="1908138"/>
-                  </a:lnTo>
-                  <a:lnTo>
-                    <a:pt x="0" y="1993126"/>
+                    <a:pt x="130304" y="1891401"/>
+                  </a:lnTo>
+                  <a:lnTo>
+                    <a:pt x="260608" y="1756415"/>
+                  </a:lnTo>
+                  <a:lnTo>
+                    <a:pt x="390913" y="1573254"/>
+                  </a:lnTo>
+                  <a:lnTo>
+                    <a:pt x="521217" y="1664369"/>
+                  </a:lnTo>
+                  <a:lnTo>
+                    <a:pt x="651522" y="1505737"/>
+                  </a:lnTo>
+                  <a:lnTo>
+                    <a:pt x="781826" y="1416355"/>
+                  </a:lnTo>
+                  <a:lnTo>
+                    <a:pt x="912131" y="1280488"/>
+                  </a:lnTo>
+                  <a:lnTo>
+                    <a:pt x="1042435" y="1355024"/>
+                  </a:lnTo>
+                  <a:lnTo>
+                    <a:pt x="1172739" y="1157596"/>
+                  </a:lnTo>
+                  <a:lnTo>
+                    <a:pt x="1303044" y="970543"/>
+                  </a:lnTo>
+                  <a:lnTo>
+                    <a:pt x="1433348" y="771057"/>
+                  </a:lnTo>
+                  <a:lnTo>
+                    <a:pt x="1563653" y="711545"/>
+                  </a:lnTo>
+                  <a:lnTo>
+                    <a:pt x="1693957" y="887949"/>
+                  </a:lnTo>
+                  <a:lnTo>
+                    <a:pt x="1824262" y="751798"/>
+                  </a:lnTo>
+                  <a:lnTo>
+                    <a:pt x="1954566" y="650367"/>
+                  </a:lnTo>
+                  <a:lnTo>
+                    <a:pt x="2084870" y="799848"/>
+                  </a:lnTo>
+                  <a:lnTo>
+                    <a:pt x="2215175" y="593732"/>
+                  </a:lnTo>
+                  <a:lnTo>
+                    <a:pt x="2345479" y="314650"/>
+                  </a:lnTo>
+                  <a:lnTo>
+                    <a:pt x="2475784" y="637455"/>
+                  </a:lnTo>
+                  <a:lnTo>
+                    <a:pt x="2606088" y="523499"/>
+                  </a:lnTo>
+                  <a:lnTo>
+                    <a:pt x="2736393" y="378934"/>
+                  </a:lnTo>
+                  <a:lnTo>
+                    <a:pt x="2866697" y="289810"/>
+                  </a:lnTo>
+                  <a:lnTo>
+                    <a:pt x="2997001" y="276675"/>
+                  </a:lnTo>
+                  <a:lnTo>
+                    <a:pt x="3127306" y="220319"/>
+                  </a:lnTo>
+                  <a:lnTo>
+                    <a:pt x="3257610" y="234730"/>
+                  </a:lnTo>
+                  <a:lnTo>
+                    <a:pt x="3387915" y="187463"/>
+                  </a:lnTo>
+                  <a:lnTo>
+                    <a:pt x="3518219" y="156102"/>
+                  </a:lnTo>
+                  <a:lnTo>
+                    <a:pt x="3648524" y="166495"/>
+                  </a:lnTo>
+                  <a:lnTo>
+                    <a:pt x="3778828" y="159743"/>
+                  </a:lnTo>
+                  <a:lnTo>
+                    <a:pt x="3909132" y="143057"/>
+                  </a:lnTo>
+                  <a:lnTo>
+                    <a:pt x="4039437" y="63680"/>
+                  </a:lnTo>
+                  <a:lnTo>
+                    <a:pt x="4169741" y="52003"/>
+                  </a:lnTo>
+                  <a:lnTo>
+                    <a:pt x="4300046" y="69533"/>
+                  </a:lnTo>
+                  <a:lnTo>
+                    <a:pt x="4430350" y="55806"/>
+                  </a:lnTo>
+                  <a:lnTo>
+                    <a:pt x="4560655" y="57895"/>
+                  </a:lnTo>
+                  <a:lnTo>
+                    <a:pt x="4690959" y="57175"/>
+                  </a:lnTo>
+                  <a:lnTo>
+                    <a:pt x="4821263" y="40026"/>
+                  </a:lnTo>
+                  <a:lnTo>
+                    <a:pt x="4951568" y="33805"/>
+                  </a:lnTo>
+                  <a:lnTo>
+                    <a:pt x="5081872" y="35960"/>
+                  </a:lnTo>
+                  <a:lnTo>
+                    <a:pt x="5212177" y="40082"/>
+                  </a:lnTo>
+                  <a:lnTo>
+                    <a:pt x="5342481" y="27036"/>
+                  </a:lnTo>
+                  <a:lnTo>
+                    <a:pt x="5472786" y="20769"/>
+                  </a:lnTo>
+                  <a:lnTo>
+                    <a:pt x="5603090" y="17677"/>
+                  </a:lnTo>
+                  <a:lnTo>
+                    <a:pt x="5733394" y="0"/>
+                  </a:lnTo>
+                  <a:lnTo>
+                    <a:pt x="5733394" y="62930"/>
+                  </a:lnTo>
+                  <a:lnTo>
+                    <a:pt x="5603090" y="34091"/>
+                  </a:lnTo>
+                  <a:lnTo>
+                    <a:pt x="5472786" y="26266"/>
+                  </a:lnTo>
+                  <a:lnTo>
+                    <a:pt x="5342481" y="33439"/>
+                  </a:lnTo>
+                  <a:lnTo>
+                    <a:pt x="5212177" y="55884"/>
+                  </a:lnTo>
+                  <a:lnTo>
+                    <a:pt x="5081872" y="47315"/>
+                  </a:lnTo>
+                  <a:lnTo>
+                    <a:pt x="4951568" y="53742"/>
+                  </a:lnTo>
+                  <a:lnTo>
+                    <a:pt x="4821263" y="61859"/>
+                  </a:lnTo>
+                  <a:lnTo>
+                    <a:pt x="4690959" y="80607"/>
+                  </a:lnTo>
+                  <a:lnTo>
+                    <a:pt x="4560655" y="86517"/>
+                  </a:lnTo>
+                  <a:lnTo>
+                    <a:pt x="4430350" y="80307"/>
+                  </a:lnTo>
+                  <a:lnTo>
+                    <a:pt x="4300046" y="98263"/>
+                  </a:lnTo>
+                  <a:lnTo>
+                    <a:pt x="4169741" y="103460"/>
+                  </a:lnTo>
+                  <a:lnTo>
+                    <a:pt x="4039437" y="120450"/>
+                  </a:lnTo>
+                  <a:lnTo>
+                    <a:pt x="3909132" y="177118"/>
+                  </a:lnTo>
+                  <a:lnTo>
+                    <a:pt x="3778828" y="218967"/>
+                  </a:lnTo>
+                  <a:lnTo>
+                    <a:pt x="3648524" y="228191"/>
+                  </a:lnTo>
+                  <a:lnTo>
+                    <a:pt x="3518219" y="247319"/>
+                  </a:lnTo>
+                  <a:lnTo>
+                    <a:pt x="3387915" y="325898"/>
+                  </a:lnTo>
+                  <a:lnTo>
+                    <a:pt x="3257610" y="363273"/>
+                  </a:lnTo>
+                  <a:lnTo>
+                    <a:pt x="3127306" y="314437"/>
+                  </a:lnTo>
+                  <a:lnTo>
+                    <a:pt x="2997001" y="558776"/>
+                  </a:lnTo>
+                  <a:lnTo>
+                    <a:pt x="2866697" y="685005"/>
+                  </a:lnTo>
+                  <a:lnTo>
+                    <a:pt x="2736393" y="791702"/>
+                  </a:lnTo>
+                  <a:lnTo>
+                    <a:pt x="2606088" y="991894"/>
+                  </a:lnTo>
+                  <a:lnTo>
+                    <a:pt x="2475784" y="1111840"/>
+                  </a:lnTo>
+                  <a:lnTo>
+                    <a:pt x="2345479" y="797115"/>
+                  </a:lnTo>
+                  <a:lnTo>
+                    <a:pt x="2215175" y="905647"/>
+                  </a:lnTo>
+                  <a:lnTo>
+                    <a:pt x="2084870" y="1107227"/>
+                  </a:lnTo>
+                  <a:lnTo>
+                    <a:pt x="1954566" y="937934"/>
+                  </a:lnTo>
+                  <a:lnTo>
+                    <a:pt x="1824262" y="1055530"/>
+                  </a:lnTo>
+                  <a:lnTo>
+                    <a:pt x="1693957" y="1160597"/>
+                  </a:lnTo>
+                  <a:lnTo>
+                    <a:pt x="1563653" y="1099661"/>
+                  </a:lnTo>
+                  <a:lnTo>
+                    <a:pt x="1433348" y="1322660"/>
+                  </a:lnTo>
+                  <a:lnTo>
+                    <a:pt x="1303044" y="1508995"/>
+                  </a:lnTo>
+                  <a:lnTo>
+                    <a:pt x="1172739" y="1614039"/>
+                  </a:lnTo>
+                  <a:lnTo>
+                    <a:pt x="1042435" y="1752973"/>
+                  </a:lnTo>
+                  <a:lnTo>
+                    <a:pt x="912131" y="1590133"/>
+                  </a:lnTo>
+                  <a:lnTo>
+                    <a:pt x="781826" y="1683700"/>
+                  </a:lnTo>
+                  <a:lnTo>
+                    <a:pt x="651522" y="1719226"/>
+                  </a:lnTo>
+                  <a:lnTo>
+                    <a:pt x="521217" y="1841200"/>
+                  </a:lnTo>
+                  <a:lnTo>
+                    <a:pt x="390913" y="1822202"/>
+                  </a:lnTo>
+                  <a:lnTo>
+                    <a:pt x="260608" y="1968496"/>
+                  </a:lnTo>
+                  <a:lnTo>
+                    <a:pt x="130304" y="2017262"/>
+                  </a:lnTo>
+                  <a:lnTo>
+                    <a:pt x="0" y="1938655"/>
                   </a:lnTo>
                   <a:close/>
                 </a:path>
@@ -5833,138 +6004,150 @@
           </p:nvSpPr>
           <p:spPr>
             <a:xfrm>
-              <a:off x="2778664" y="1722339"/>
-              <a:ext cx="5613215" cy="1932422"/>
+              <a:off x="2746497" y="1722339"/>
+              <a:ext cx="5733394" cy="1891401"/>
             </a:xfrm>
             <a:custGeom>
               <a:avLst/>
               <a:pathLst>
-                <a:path w="5613215" h="1932422">
+                <a:path w="5733394" h="1891401">
                   <a:moveTo>
-                    <a:pt x="0" y="1932422"/>
+                    <a:pt x="0" y="1877755"/>
                   </a:moveTo>
                   <a:lnTo>
-                    <a:pt x="136907" y="1782556"/>
-                  </a:lnTo>
-                  <a:lnTo>
-                    <a:pt x="273815" y="1507782"/>
-                  </a:lnTo>
-                  <a:lnTo>
-                    <a:pt x="410723" y="1269299"/>
-                  </a:lnTo>
-                  <a:lnTo>
-                    <a:pt x="547630" y="1269620"/>
-                  </a:lnTo>
-                  <a:lnTo>
-                    <a:pt x="684538" y="1141301"/>
-                  </a:lnTo>
-                  <a:lnTo>
-                    <a:pt x="821446" y="1069030"/>
-                  </a:lnTo>
-                  <a:lnTo>
-                    <a:pt x="958353" y="1008006"/>
-                  </a:lnTo>
-                  <a:lnTo>
-                    <a:pt x="1095261" y="1003811"/>
-                  </a:lnTo>
-                  <a:lnTo>
-                    <a:pt x="1232169" y="814349"/>
-                  </a:lnTo>
-                  <a:lnTo>
-                    <a:pt x="1369076" y="673936"/>
-                  </a:lnTo>
-                  <a:lnTo>
-                    <a:pt x="1505984" y="566431"/>
-                  </a:lnTo>
-                  <a:lnTo>
-                    <a:pt x="1642892" y="571255"/>
-                  </a:lnTo>
-                  <a:lnTo>
-                    <a:pt x="1779800" y="757220"/>
-                  </a:lnTo>
-                  <a:lnTo>
-                    <a:pt x="1916707" y="704386"/>
-                  </a:lnTo>
-                  <a:lnTo>
-                    <a:pt x="2053615" y="615257"/>
-                  </a:lnTo>
-                  <a:lnTo>
-                    <a:pt x="2190523" y="816373"/>
-                  </a:lnTo>
-                  <a:lnTo>
-                    <a:pt x="2327430" y="606885"/>
-                  </a:lnTo>
-                  <a:lnTo>
-                    <a:pt x="2464338" y="377581"/>
-                  </a:lnTo>
-                  <a:lnTo>
-                    <a:pt x="2601246" y="455854"/>
-                  </a:lnTo>
-                  <a:lnTo>
-                    <a:pt x="2738153" y="440841"/>
-                  </a:lnTo>
-                  <a:lnTo>
-                    <a:pt x="2875061" y="270667"/>
-                  </a:lnTo>
-                  <a:lnTo>
-                    <a:pt x="3011969" y="259699"/>
-                  </a:lnTo>
-                  <a:lnTo>
-                    <a:pt x="3148876" y="151900"/>
-                  </a:lnTo>
-                  <a:lnTo>
-                    <a:pt x="3285784" y="115429"/>
-                  </a:lnTo>
-                  <a:lnTo>
-                    <a:pt x="3422692" y="120213"/>
-                  </a:lnTo>
-                  <a:lnTo>
-                    <a:pt x="3559600" y="100757"/>
-                  </a:lnTo>
-                  <a:lnTo>
-                    <a:pt x="3696507" y="67586"/>
-                  </a:lnTo>
-                  <a:lnTo>
-                    <a:pt x="3833415" y="43983"/>
-                  </a:lnTo>
-                  <a:lnTo>
-                    <a:pt x="3970323" y="43452"/>
-                  </a:lnTo>
-                  <a:lnTo>
-                    <a:pt x="4107230" y="36367"/>
-                  </a:lnTo>
-                  <a:lnTo>
-                    <a:pt x="4244138" y="34680"/>
-                  </a:lnTo>
-                  <a:lnTo>
-                    <a:pt x="4381046" y="26851"/>
-                  </a:lnTo>
-                  <a:lnTo>
-                    <a:pt x="4517953" y="44246"/>
-                  </a:lnTo>
-                  <a:lnTo>
-                    <a:pt x="4654861" y="26129"/>
-                  </a:lnTo>
-                  <a:lnTo>
-                    <a:pt x="4791769" y="21925"/>
-                  </a:lnTo>
-                  <a:lnTo>
-                    <a:pt x="4928677" y="22017"/>
-                  </a:lnTo>
-                  <a:lnTo>
-                    <a:pt x="5065584" y="18053"/>
-                  </a:lnTo>
-                  <a:lnTo>
-                    <a:pt x="5202492" y="8210"/>
-                  </a:lnTo>
-                  <a:lnTo>
-                    <a:pt x="5339400" y="11197"/>
-                  </a:lnTo>
-                  <a:lnTo>
-                    <a:pt x="5476307" y="14523"/>
-                  </a:lnTo>
-                  <a:lnTo>
-                    <a:pt x="5613215" y="0"/>
+                    <a:pt x="130304" y="1891401"/>
+                  </a:lnTo>
+                  <a:lnTo>
+                    <a:pt x="260608" y="1756415"/>
+                  </a:lnTo>
+                  <a:lnTo>
+                    <a:pt x="390913" y="1573254"/>
+                  </a:lnTo>
+                  <a:lnTo>
+                    <a:pt x="521217" y="1664369"/>
+                  </a:lnTo>
+                  <a:lnTo>
+                    <a:pt x="651522" y="1505737"/>
+                  </a:lnTo>
+                  <a:lnTo>
+                    <a:pt x="781826" y="1416355"/>
+                  </a:lnTo>
+                  <a:lnTo>
+                    <a:pt x="912131" y="1280488"/>
+                  </a:lnTo>
+                  <a:lnTo>
+                    <a:pt x="1042435" y="1355024"/>
+                  </a:lnTo>
+                  <a:lnTo>
+                    <a:pt x="1172739" y="1157596"/>
+                  </a:lnTo>
+                  <a:lnTo>
+                    <a:pt x="1303044" y="970543"/>
+                  </a:lnTo>
+                  <a:lnTo>
+                    <a:pt x="1433348" y="771057"/>
+                  </a:lnTo>
+                  <a:lnTo>
+                    <a:pt x="1563653" y="711545"/>
+                  </a:lnTo>
+                  <a:lnTo>
+                    <a:pt x="1693957" y="887949"/>
+                  </a:lnTo>
+                  <a:lnTo>
+                    <a:pt x="1824262" y="751798"/>
+                  </a:lnTo>
+                  <a:lnTo>
+                    <a:pt x="1954566" y="650367"/>
+                  </a:lnTo>
+                  <a:lnTo>
+                    <a:pt x="2084870" y="799848"/>
+                  </a:lnTo>
+                  <a:lnTo>
+                    <a:pt x="2215175" y="593732"/>
+                  </a:lnTo>
+                  <a:lnTo>
+                    <a:pt x="2345479" y="314650"/>
+                  </a:lnTo>
+                  <a:lnTo>
+                    <a:pt x="2475784" y="637455"/>
+                  </a:lnTo>
+                  <a:lnTo>
+                    <a:pt x="2606088" y="523499"/>
+                  </a:lnTo>
+                  <a:lnTo>
+                    <a:pt x="2736393" y="378934"/>
+                  </a:lnTo>
+                  <a:lnTo>
+                    <a:pt x="2866697" y="289810"/>
+                  </a:lnTo>
+                  <a:lnTo>
+                    <a:pt x="2997001" y="276675"/>
+                  </a:lnTo>
+                  <a:lnTo>
+                    <a:pt x="3127306" y="220319"/>
+                  </a:lnTo>
+                  <a:lnTo>
+                    <a:pt x="3257610" y="234730"/>
+                  </a:lnTo>
+                  <a:lnTo>
+                    <a:pt x="3387915" y="187463"/>
+                  </a:lnTo>
+                  <a:lnTo>
+                    <a:pt x="3518219" y="156102"/>
+                  </a:lnTo>
+                  <a:lnTo>
+                    <a:pt x="3648524" y="166495"/>
+                  </a:lnTo>
+                  <a:lnTo>
+                    <a:pt x="3778828" y="159743"/>
+                  </a:lnTo>
+                  <a:lnTo>
+                    <a:pt x="3909132" y="143057"/>
+                  </a:lnTo>
+                  <a:lnTo>
+                    <a:pt x="4039437" y="63680"/>
+                  </a:lnTo>
+                  <a:lnTo>
+                    <a:pt x="4169741" y="52003"/>
+                  </a:lnTo>
+                  <a:lnTo>
+                    <a:pt x="4300046" y="69533"/>
+                  </a:lnTo>
+                  <a:lnTo>
+                    <a:pt x="4430350" y="55806"/>
+                  </a:lnTo>
+                  <a:lnTo>
+                    <a:pt x="4560655" y="57895"/>
+                  </a:lnTo>
+                  <a:lnTo>
+                    <a:pt x="4690959" y="57175"/>
+                  </a:lnTo>
+                  <a:lnTo>
+                    <a:pt x="4821263" y="40026"/>
+                  </a:lnTo>
+                  <a:lnTo>
+                    <a:pt x="4951568" y="33805"/>
+                  </a:lnTo>
+                  <a:lnTo>
+                    <a:pt x="5081872" y="35960"/>
+                  </a:lnTo>
+                  <a:lnTo>
+                    <a:pt x="5212177" y="40082"/>
+                  </a:lnTo>
+                  <a:lnTo>
+                    <a:pt x="5342481" y="27036"/>
+                  </a:lnTo>
+                  <a:lnTo>
+                    <a:pt x="5472786" y="20769"/>
+                  </a:lnTo>
+                  <a:lnTo>
+                    <a:pt x="5603090" y="17677"/>
+                  </a:lnTo>
+                  <a:lnTo>
+                    <a:pt x="5733394" y="0"/>
+                  </a:lnTo>
+                  <a:lnTo>
+                    <a:pt x="5733394" y="0"/>
                   </a:lnTo>
                 </a:path>
               </a:pathLst>
@@ -5984,261 +6167,276 @@
           </p:nvSpPr>
           <p:spPr>
             <a:xfrm>
-              <a:off x="2778664" y="1722339"/>
-              <a:ext cx="5613215" cy="1993126"/>
+              <a:off x="2746497" y="1748606"/>
+              <a:ext cx="5733394" cy="1990995"/>
             </a:xfrm>
             <a:custGeom>
               <a:avLst/>
               <a:pathLst>
-                <a:path w="5613215" h="1993126">
+                <a:path w="5733394" h="1990995">
                   <a:moveTo>
-                    <a:pt x="0" y="1993126"/>
+                    <a:pt x="0" y="1912389"/>
                   </a:moveTo>
                   <a:lnTo>
-                    <a:pt x="136907" y="1908138"/>
-                  </a:lnTo>
-                  <a:lnTo>
-                    <a:pt x="273815" y="1719604"/>
-                  </a:lnTo>
-                  <a:lnTo>
-                    <a:pt x="410723" y="1517811"/>
-                  </a:lnTo>
-                  <a:lnTo>
-                    <a:pt x="547630" y="1446159"/>
-                  </a:lnTo>
-                  <a:lnTo>
-                    <a:pt x="684538" y="1353035"/>
-                  </a:lnTo>
-                  <a:lnTo>
-                    <a:pt x="821446" y="1333724"/>
-                  </a:lnTo>
-                  <a:lnTo>
-                    <a:pt x="958353" y="1309172"/>
-                  </a:lnTo>
-                  <a:lnTo>
-                    <a:pt x="1095261" y="1401924"/>
-                  </a:lnTo>
-                  <a:lnTo>
-                    <a:pt x="1232169" y="1270039"/>
-                  </a:lnTo>
-                  <a:lnTo>
-                    <a:pt x="1369076" y="1210875"/>
-                  </a:lnTo>
-                  <a:lnTo>
-                    <a:pt x="1505984" y="1118034"/>
-                  </a:lnTo>
-                  <a:lnTo>
-                    <a:pt x="1642892" y="962841"/>
-                  </a:lnTo>
-                  <a:lnTo>
-                    <a:pt x="1779800" y="1025556"/>
-                  </a:lnTo>
-                  <a:lnTo>
-                    <a:pt x="1916707" y="1008239"/>
-                  </a:lnTo>
-                  <a:lnTo>
-                    <a:pt x="2053615" y="902824"/>
-                  </a:lnTo>
-                  <a:lnTo>
-                    <a:pt x="2190523" y="1123753"/>
-                  </a:lnTo>
-                  <a:lnTo>
-                    <a:pt x="2327430" y="918529"/>
-                  </a:lnTo>
-                  <a:lnTo>
-                    <a:pt x="2464338" y="860045"/>
-                  </a:lnTo>
-                  <a:lnTo>
-                    <a:pt x="2601246" y="930240"/>
-                  </a:lnTo>
-                  <a:lnTo>
-                    <a:pt x="2738153" y="909236"/>
-                  </a:lnTo>
-                  <a:lnTo>
-                    <a:pt x="2875061" y="683435"/>
-                  </a:lnTo>
-                  <a:lnTo>
-                    <a:pt x="3011969" y="654895"/>
-                  </a:lnTo>
-                  <a:lnTo>
-                    <a:pt x="3148876" y="434001"/>
-                  </a:lnTo>
-                  <a:lnTo>
-                    <a:pt x="3285784" y="209482"/>
-                  </a:lnTo>
-                  <a:lnTo>
-                    <a:pt x="3422692" y="248813"/>
-                  </a:lnTo>
-                  <a:lnTo>
-                    <a:pt x="3559600" y="240378"/>
-                  </a:lnTo>
-                  <a:lnTo>
-                    <a:pt x="3696507" y="158639"/>
-                  </a:lnTo>
-                  <a:lnTo>
-                    <a:pt x="3833415" y="101500"/>
-                  </a:lnTo>
-                  <a:lnTo>
-                    <a:pt x="3970323" y="98854"/>
-                  </a:lnTo>
-                  <a:lnTo>
-                    <a:pt x="4107230" y="69703"/>
-                  </a:lnTo>
-                  <a:lnTo>
-                    <a:pt x="4244138" y="90664"/>
-                  </a:lnTo>
-                  <a:lnTo>
-                    <a:pt x="4381046" y="78361"/>
-                  </a:lnTo>
-                  <a:lnTo>
-                    <a:pt x="4517953" y="72631"/>
-                  </a:lnTo>
-                  <a:lnTo>
-                    <a:pt x="4654861" y="50883"/>
-                  </a:lnTo>
-                  <a:lnTo>
-                    <a:pt x="4791769" y="50723"/>
-                  </a:lnTo>
-                  <a:lnTo>
-                    <a:pt x="4928677" y="44713"/>
-                  </a:lnTo>
-                  <a:lnTo>
-                    <a:pt x="5065584" y="38435"/>
-                  </a:lnTo>
-                  <a:lnTo>
-                    <a:pt x="5202492" y="29193"/>
-                  </a:lnTo>
-                  <a:lnTo>
-                    <a:pt x="5339400" y="23639"/>
-                  </a:lnTo>
-                  <a:lnTo>
-                    <a:pt x="5476307" y="23921"/>
-                  </a:lnTo>
-                  <a:lnTo>
-                    <a:pt x="5613215" y="0"/>
-                  </a:lnTo>
-                  <a:lnTo>
-                    <a:pt x="5613215" y="39829"/>
-                  </a:lnTo>
-                  <a:lnTo>
-                    <a:pt x="5476307" y="44425"/>
-                  </a:lnTo>
-                  <a:lnTo>
-                    <a:pt x="5339400" y="63452"/>
-                  </a:lnTo>
-                  <a:lnTo>
-                    <a:pt x="5202492" y="107650"/>
-                  </a:lnTo>
-                  <a:lnTo>
-                    <a:pt x="5065584" y="112396"/>
-                  </a:lnTo>
-                  <a:lnTo>
-                    <a:pt x="4928677" y="134477"/>
-                  </a:lnTo>
-                  <a:lnTo>
-                    <a:pt x="4791769" y="163952"/>
-                  </a:lnTo>
-                  <a:lnTo>
-                    <a:pt x="4654861" y="159067"/>
-                  </a:lnTo>
-                  <a:lnTo>
-                    <a:pt x="4517953" y="195352"/>
-                  </a:lnTo>
-                  <a:lnTo>
-                    <a:pt x="4381046" y="212616"/>
-                  </a:lnTo>
-                  <a:lnTo>
-                    <a:pt x="4244138" y="230377"/>
-                  </a:lnTo>
-                  <a:lnTo>
-                    <a:pt x="4107230" y="221233"/>
-                  </a:lnTo>
-                  <a:lnTo>
-                    <a:pt x="3970323" y="297650"/>
-                  </a:lnTo>
-                  <a:lnTo>
-                    <a:pt x="3833415" y="323109"/>
-                  </a:lnTo>
-                  <a:lnTo>
-                    <a:pt x="3696507" y="398945"/>
-                  </a:lnTo>
-                  <a:lnTo>
-                    <a:pt x="3559600" y="569998"/>
-                  </a:lnTo>
-                  <a:lnTo>
-                    <a:pt x="3422692" y="535367"/>
-                  </a:lnTo>
-                  <a:lnTo>
-                    <a:pt x="3285784" y="354837"/>
-                  </a:lnTo>
-                  <a:lnTo>
-                    <a:pt x="3148876" y="857152"/>
-                  </a:lnTo>
-                  <a:lnTo>
-                    <a:pt x="3011969" y="1215696"/>
-                  </a:lnTo>
-                  <a:lnTo>
-                    <a:pt x="2875061" y="764635"/>
-                  </a:lnTo>
-                  <a:lnTo>
-                    <a:pt x="2738153" y="909236"/>
-                  </a:lnTo>
-                  <a:lnTo>
-                    <a:pt x="2601246" y="930240"/>
-                  </a:lnTo>
-                  <a:lnTo>
-                    <a:pt x="2464338" y="860045"/>
-                  </a:lnTo>
-                  <a:lnTo>
-                    <a:pt x="2327430" y="918529"/>
-                  </a:lnTo>
-                  <a:lnTo>
-                    <a:pt x="2190523" y="1123753"/>
-                  </a:lnTo>
-                  <a:lnTo>
-                    <a:pt x="2053615" y="902824"/>
-                  </a:lnTo>
-                  <a:lnTo>
-                    <a:pt x="1916707" y="1008239"/>
-                  </a:lnTo>
-                  <a:lnTo>
-                    <a:pt x="1779800" y="1025556"/>
-                  </a:lnTo>
-                  <a:lnTo>
-                    <a:pt x="1642892" y="962841"/>
-                  </a:lnTo>
-                  <a:lnTo>
-                    <a:pt x="1505984" y="1118034"/>
-                  </a:lnTo>
-                  <a:lnTo>
-                    <a:pt x="1369076" y="1210875"/>
-                  </a:lnTo>
-                  <a:lnTo>
-                    <a:pt x="1232169" y="1270039"/>
-                  </a:lnTo>
-                  <a:lnTo>
-                    <a:pt x="1095261" y="1401924"/>
-                  </a:lnTo>
-                  <a:lnTo>
-                    <a:pt x="958353" y="1310296"/>
-                  </a:lnTo>
-                  <a:lnTo>
-                    <a:pt x="821446" y="1333724"/>
-                  </a:lnTo>
-                  <a:lnTo>
-                    <a:pt x="684538" y="1353035"/>
-                  </a:lnTo>
-                  <a:lnTo>
-                    <a:pt x="547630" y="1446159"/>
-                  </a:lnTo>
-                  <a:lnTo>
-                    <a:pt x="410723" y="1517811"/>
-                  </a:lnTo>
-                  <a:lnTo>
-                    <a:pt x="273815" y="1719604"/>
-                  </a:lnTo>
-                  <a:lnTo>
-                    <a:pt x="136907" y="1908138"/>
+                    <a:pt x="130304" y="1990995"/>
+                  </a:lnTo>
+                  <a:lnTo>
+                    <a:pt x="260608" y="1942229"/>
+                  </a:lnTo>
+                  <a:lnTo>
+                    <a:pt x="390913" y="1795935"/>
+                  </a:lnTo>
+                  <a:lnTo>
+                    <a:pt x="521217" y="1814934"/>
+                  </a:lnTo>
+                  <a:lnTo>
+                    <a:pt x="651522" y="1692960"/>
+                  </a:lnTo>
+                  <a:lnTo>
+                    <a:pt x="781826" y="1657433"/>
+                  </a:lnTo>
+                  <a:lnTo>
+                    <a:pt x="912131" y="1563867"/>
+                  </a:lnTo>
+                  <a:lnTo>
+                    <a:pt x="1042435" y="1726707"/>
+                  </a:lnTo>
+                  <a:lnTo>
+                    <a:pt x="1172739" y="1587772"/>
+                  </a:lnTo>
+                  <a:lnTo>
+                    <a:pt x="1303044" y="1482728"/>
+                  </a:lnTo>
+                  <a:lnTo>
+                    <a:pt x="1433348" y="1296394"/>
+                  </a:lnTo>
+                  <a:lnTo>
+                    <a:pt x="1563653" y="1073394"/>
+                  </a:lnTo>
+                  <a:lnTo>
+                    <a:pt x="1693957" y="1134331"/>
+                  </a:lnTo>
+                  <a:lnTo>
+                    <a:pt x="1824262" y="1029263"/>
+                  </a:lnTo>
+                  <a:lnTo>
+                    <a:pt x="1954566" y="911667"/>
+                  </a:lnTo>
+                  <a:lnTo>
+                    <a:pt x="2084870" y="1080960"/>
+                  </a:lnTo>
+                  <a:lnTo>
+                    <a:pt x="2215175" y="879380"/>
+                  </a:lnTo>
+                  <a:lnTo>
+                    <a:pt x="2345479" y="770849"/>
+                  </a:lnTo>
+                  <a:lnTo>
+                    <a:pt x="2475784" y="1085574"/>
+                  </a:lnTo>
+                  <a:lnTo>
+                    <a:pt x="2606088" y="965627"/>
+                  </a:lnTo>
+                  <a:lnTo>
+                    <a:pt x="2736393" y="765435"/>
+                  </a:lnTo>
+                  <a:lnTo>
+                    <a:pt x="2866697" y="658738"/>
+                  </a:lnTo>
+                  <a:lnTo>
+                    <a:pt x="2997001" y="532509"/>
+                  </a:lnTo>
+                  <a:lnTo>
+                    <a:pt x="3127306" y="288170"/>
+                  </a:lnTo>
+                  <a:lnTo>
+                    <a:pt x="3257610" y="337007"/>
+                  </a:lnTo>
+                  <a:lnTo>
+                    <a:pt x="3387915" y="299632"/>
+                  </a:lnTo>
+                  <a:lnTo>
+                    <a:pt x="3518219" y="221053"/>
+                  </a:lnTo>
+                  <a:lnTo>
+                    <a:pt x="3648524" y="201924"/>
+                  </a:lnTo>
+                  <a:lnTo>
+                    <a:pt x="3778828" y="192701"/>
+                  </a:lnTo>
+                  <a:lnTo>
+                    <a:pt x="3909132" y="150852"/>
+                  </a:lnTo>
+                  <a:lnTo>
+                    <a:pt x="4039437" y="94183"/>
+                  </a:lnTo>
+                  <a:lnTo>
+                    <a:pt x="4169741" y="77193"/>
+                  </a:lnTo>
+                  <a:lnTo>
+                    <a:pt x="4300046" y="71996"/>
+                  </a:lnTo>
+                  <a:lnTo>
+                    <a:pt x="4430350" y="54040"/>
+                  </a:lnTo>
+                  <a:lnTo>
+                    <a:pt x="4560655" y="60250"/>
+                  </a:lnTo>
+                  <a:lnTo>
+                    <a:pt x="4690959" y="54340"/>
+                  </a:lnTo>
+                  <a:lnTo>
+                    <a:pt x="4821263" y="35592"/>
+                  </a:lnTo>
+                  <a:lnTo>
+                    <a:pt x="4951568" y="27475"/>
+                  </a:lnTo>
+                  <a:lnTo>
+                    <a:pt x="5081872" y="21049"/>
+                  </a:lnTo>
+                  <a:lnTo>
+                    <a:pt x="5212177" y="29618"/>
+                  </a:lnTo>
+                  <a:lnTo>
+                    <a:pt x="5342481" y="7172"/>
+                  </a:lnTo>
+                  <a:lnTo>
+                    <a:pt x="5472786" y="0"/>
+                  </a:lnTo>
+                  <a:lnTo>
+                    <a:pt x="5603090" y="7824"/>
+                  </a:lnTo>
+                  <a:lnTo>
+                    <a:pt x="5733394" y="36663"/>
+                  </a:lnTo>
+                  <a:lnTo>
+                    <a:pt x="5603090" y="16663"/>
+                  </a:lnTo>
+                  <a:lnTo>
+                    <a:pt x="5472786" y="9773"/>
+                  </a:lnTo>
+                  <a:lnTo>
+                    <a:pt x="5342481" y="21402"/>
+                  </a:lnTo>
+                  <a:lnTo>
+                    <a:pt x="5212177" y="56211"/>
+                  </a:lnTo>
+                  <a:lnTo>
+                    <a:pt x="5081872" y="60794"/>
+                  </a:lnTo>
+                  <a:lnTo>
+                    <a:pt x="4951568" y="105487"/>
+                  </a:lnTo>
+                  <a:lnTo>
+                    <a:pt x="4821263" y="108888"/>
+                  </a:lnTo>
+                  <a:lnTo>
+                    <a:pt x="4690959" y="143696"/>
+                  </a:lnTo>
+                  <a:lnTo>
+                    <a:pt x="4560655" y="172463"/>
+                  </a:lnTo>
+                  <a:lnTo>
+                    <a:pt x="4430350" y="162932"/>
+                  </a:lnTo>
+                  <a:lnTo>
+                    <a:pt x="4300046" y="195658"/>
+                  </a:lnTo>
+                  <a:lnTo>
+                    <a:pt x="4169741" y="212951"/>
+                  </a:lnTo>
+                  <a:lnTo>
+                    <a:pt x="4039437" y="233885"/>
+                  </a:lnTo>
+                  <a:lnTo>
+                    <a:pt x="3909132" y="302235"/>
+                  </a:lnTo>
+                  <a:lnTo>
+                    <a:pt x="3778828" y="391565"/>
+                  </a:lnTo>
+                  <a:lnTo>
+                    <a:pt x="3648524" y="423355"/>
+                  </a:lnTo>
+                  <a:lnTo>
+                    <a:pt x="3518219" y="462730"/>
+                  </a:lnTo>
+                  <a:lnTo>
+                    <a:pt x="3387915" y="629856"/>
+                  </a:lnTo>
+                  <a:lnTo>
+                    <a:pt x="3257610" y="624831"/>
+                  </a:lnTo>
+                  <a:lnTo>
+                    <a:pt x="3127306" y="433624"/>
+                  </a:lnTo>
+                  <a:lnTo>
+                    <a:pt x="2997001" y="955661"/>
+                  </a:lnTo>
+                  <a:lnTo>
+                    <a:pt x="2866697" y="1219540"/>
+                  </a:lnTo>
+                  <a:lnTo>
+                    <a:pt x="2736393" y="846635"/>
+                  </a:lnTo>
+                  <a:lnTo>
+                    <a:pt x="2606088" y="965627"/>
+                  </a:lnTo>
+                  <a:lnTo>
+                    <a:pt x="2475784" y="1085574"/>
+                  </a:lnTo>
+                  <a:lnTo>
+                    <a:pt x="2345479" y="770849"/>
+                  </a:lnTo>
+                  <a:lnTo>
+                    <a:pt x="2215175" y="879380"/>
+                  </a:lnTo>
+                  <a:lnTo>
+                    <a:pt x="2084870" y="1080960"/>
+                  </a:lnTo>
+                  <a:lnTo>
+                    <a:pt x="1954566" y="911667"/>
+                  </a:lnTo>
+                  <a:lnTo>
+                    <a:pt x="1824262" y="1029263"/>
+                  </a:lnTo>
+                  <a:lnTo>
+                    <a:pt x="1693957" y="1134331"/>
+                  </a:lnTo>
+                  <a:lnTo>
+                    <a:pt x="1563653" y="1073394"/>
+                  </a:lnTo>
+                  <a:lnTo>
+                    <a:pt x="1433348" y="1296394"/>
+                  </a:lnTo>
+                  <a:lnTo>
+                    <a:pt x="1303044" y="1482728"/>
+                  </a:lnTo>
+                  <a:lnTo>
+                    <a:pt x="1172739" y="1587772"/>
+                  </a:lnTo>
+                  <a:lnTo>
+                    <a:pt x="1042435" y="1726707"/>
+                  </a:lnTo>
+                  <a:lnTo>
+                    <a:pt x="912131" y="1563867"/>
+                  </a:lnTo>
+                  <a:lnTo>
+                    <a:pt x="781826" y="1657433"/>
+                  </a:lnTo>
+                  <a:lnTo>
+                    <a:pt x="651522" y="1692960"/>
+                  </a:lnTo>
+                  <a:lnTo>
+                    <a:pt x="521217" y="1814934"/>
+                  </a:lnTo>
+                  <a:lnTo>
+                    <a:pt x="390913" y="1795935"/>
+                  </a:lnTo>
+                  <a:lnTo>
+                    <a:pt x="260608" y="1942229"/>
+                  </a:lnTo>
+                  <a:lnTo>
+                    <a:pt x="130304" y="1990995"/>
                   </a:lnTo>
                   <a:close/>
                 </a:path>
@@ -6264,138 +6462,150 @@
           </p:nvSpPr>
           <p:spPr>
             <a:xfrm>
-              <a:off x="2778664" y="1722339"/>
-              <a:ext cx="5613215" cy="1993126"/>
+              <a:off x="2746497" y="1748606"/>
+              <a:ext cx="5733394" cy="1990995"/>
             </a:xfrm>
             <a:custGeom>
               <a:avLst/>
               <a:pathLst>
-                <a:path w="5613215" h="1993126">
+                <a:path w="5733394" h="1990995">
                   <a:moveTo>
-                    <a:pt x="0" y="1993126"/>
+                    <a:pt x="0" y="1912389"/>
                   </a:moveTo>
                   <a:lnTo>
-                    <a:pt x="136907" y="1908138"/>
-                  </a:lnTo>
-                  <a:lnTo>
-                    <a:pt x="273815" y="1719604"/>
-                  </a:lnTo>
-                  <a:lnTo>
-                    <a:pt x="410723" y="1517811"/>
-                  </a:lnTo>
-                  <a:lnTo>
-                    <a:pt x="547630" y="1446159"/>
-                  </a:lnTo>
-                  <a:lnTo>
-                    <a:pt x="684538" y="1353035"/>
-                  </a:lnTo>
-                  <a:lnTo>
-                    <a:pt x="821446" y="1333724"/>
-                  </a:lnTo>
-                  <a:lnTo>
-                    <a:pt x="958353" y="1309172"/>
-                  </a:lnTo>
-                  <a:lnTo>
-                    <a:pt x="1095261" y="1401924"/>
-                  </a:lnTo>
-                  <a:lnTo>
-                    <a:pt x="1232169" y="1270039"/>
-                  </a:lnTo>
-                  <a:lnTo>
-                    <a:pt x="1369076" y="1210875"/>
-                  </a:lnTo>
-                  <a:lnTo>
-                    <a:pt x="1505984" y="1118034"/>
-                  </a:lnTo>
-                  <a:lnTo>
-                    <a:pt x="1642892" y="962841"/>
-                  </a:lnTo>
-                  <a:lnTo>
-                    <a:pt x="1779800" y="1025556"/>
-                  </a:lnTo>
-                  <a:lnTo>
-                    <a:pt x="1916707" y="1008239"/>
-                  </a:lnTo>
-                  <a:lnTo>
-                    <a:pt x="2053615" y="902824"/>
-                  </a:lnTo>
-                  <a:lnTo>
-                    <a:pt x="2190523" y="1123753"/>
-                  </a:lnTo>
-                  <a:lnTo>
-                    <a:pt x="2327430" y="918529"/>
-                  </a:lnTo>
-                  <a:lnTo>
-                    <a:pt x="2464338" y="860045"/>
-                  </a:lnTo>
-                  <a:lnTo>
-                    <a:pt x="2601246" y="930240"/>
-                  </a:lnTo>
-                  <a:lnTo>
-                    <a:pt x="2738153" y="909236"/>
-                  </a:lnTo>
-                  <a:lnTo>
-                    <a:pt x="2875061" y="683435"/>
-                  </a:lnTo>
-                  <a:lnTo>
-                    <a:pt x="3011969" y="654895"/>
-                  </a:lnTo>
-                  <a:lnTo>
-                    <a:pt x="3148876" y="434001"/>
-                  </a:lnTo>
-                  <a:lnTo>
-                    <a:pt x="3285784" y="209482"/>
-                  </a:lnTo>
-                  <a:lnTo>
-                    <a:pt x="3422692" y="248813"/>
-                  </a:lnTo>
-                  <a:lnTo>
-                    <a:pt x="3559600" y="240378"/>
-                  </a:lnTo>
-                  <a:lnTo>
-                    <a:pt x="3696507" y="158639"/>
-                  </a:lnTo>
-                  <a:lnTo>
-                    <a:pt x="3833415" y="101500"/>
-                  </a:lnTo>
-                  <a:lnTo>
-                    <a:pt x="3970323" y="98854"/>
-                  </a:lnTo>
-                  <a:lnTo>
-                    <a:pt x="4107230" y="69703"/>
-                  </a:lnTo>
-                  <a:lnTo>
-                    <a:pt x="4244138" y="90664"/>
-                  </a:lnTo>
-                  <a:lnTo>
-                    <a:pt x="4381046" y="78361"/>
-                  </a:lnTo>
-                  <a:lnTo>
-                    <a:pt x="4517953" y="72631"/>
-                  </a:lnTo>
-                  <a:lnTo>
-                    <a:pt x="4654861" y="50883"/>
-                  </a:lnTo>
-                  <a:lnTo>
-                    <a:pt x="4791769" y="50723"/>
-                  </a:lnTo>
-                  <a:lnTo>
-                    <a:pt x="4928677" y="44713"/>
-                  </a:lnTo>
-                  <a:lnTo>
-                    <a:pt x="5065584" y="38435"/>
-                  </a:lnTo>
-                  <a:lnTo>
-                    <a:pt x="5202492" y="29193"/>
-                  </a:lnTo>
-                  <a:lnTo>
-                    <a:pt x="5339400" y="23639"/>
-                  </a:lnTo>
-                  <a:lnTo>
-                    <a:pt x="5476307" y="23921"/>
-                  </a:lnTo>
-                  <a:lnTo>
-                    <a:pt x="5613215" y="0"/>
+                    <a:pt x="130304" y="1990995"/>
+                  </a:lnTo>
+                  <a:lnTo>
+                    <a:pt x="260608" y="1942229"/>
+                  </a:lnTo>
+                  <a:lnTo>
+                    <a:pt x="390913" y="1795935"/>
+                  </a:lnTo>
+                  <a:lnTo>
+                    <a:pt x="521217" y="1814934"/>
+                  </a:lnTo>
+                  <a:lnTo>
+                    <a:pt x="651522" y="1692960"/>
+                  </a:lnTo>
+                  <a:lnTo>
+                    <a:pt x="781826" y="1657433"/>
+                  </a:lnTo>
+                  <a:lnTo>
+                    <a:pt x="912131" y="1563867"/>
+                  </a:lnTo>
+                  <a:lnTo>
+                    <a:pt x="1042435" y="1726707"/>
+                  </a:lnTo>
+                  <a:lnTo>
+                    <a:pt x="1172739" y="1587772"/>
+                  </a:lnTo>
+                  <a:lnTo>
+                    <a:pt x="1303044" y="1482728"/>
+                  </a:lnTo>
+                  <a:lnTo>
+                    <a:pt x="1433348" y="1296394"/>
+                  </a:lnTo>
+                  <a:lnTo>
+                    <a:pt x="1563653" y="1073394"/>
+                  </a:lnTo>
+                  <a:lnTo>
+                    <a:pt x="1693957" y="1134331"/>
+                  </a:lnTo>
+                  <a:lnTo>
+                    <a:pt x="1824262" y="1029263"/>
+                  </a:lnTo>
+                  <a:lnTo>
+                    <a:pt x="1954566" y="911667"/>
+                  </a:lnTo>
+                  <a:lnTo>
+                    <a:pt x="2084870" y="1080960"/>
+                  </a:lnTo>
+                  <a:lnTo>
+                    <a:pt x="2215175" y="879380"/>
+                  </a:lnTo>
+                  <a:lnTo>
+                    <a:pt x="2345479" y="770849"/>
+                  </a:lnTo>
+                  <a:lnTo>
+                    <a:pt x="2475784" y="1085574"/>
+                  </a:lnTo>
+                  <a:lnTo>
+                    <a:pt x="2606088" y="965627"/>
+                  </a:lnTo>
+                  <a:lnTo>
+                    <a:pt x="2736393" y="765435"/>
+                  </a:lnTo>
+                  <a:lnTo>
+                    <a:pt x="2866697" y="658738"/>
+                  </a:lnTo>
+                  <a:lnTo>
+                    <a:pt x="2997001" y="532509"/>
+                  </a:lnTo>
+                  <a:lnTo>
+                    <a:pt x="3127306" y="288170"/>
+                  </a:lnTo>
+                  <a:lnTo>
+                    <a:pt x="3257610" y="337007"/>
+                  </a:lnTo>
+                  <a:lnTo>
+                    <a:pt x="3387915" y="299632"/>
+                  </a:lnTo>
+                  <a:lnTo>
+                    <a:pt x="3518219" y="221053"/>
+                  </a:lnTo>
+                  <a:lnTo>
+                    <a:pt x="3648524" y="201924"/>
+                  </a:lnTo>
+                  <a:lnTo>
+                    <a:pt x="3778828" y="192701"/>
+                  </a:lnTo>
+                  <a:lnTo>
+                    <a:pt x="3909132" y="150852"/>
+                  </a:lnTo>
+                  <a:lnTo>
+                    <a:pt x="4039437" y="94183"/>
+                  </a:lnTo>
+                  <a:lnTo>
+                    <a:pt x="4169741" y="77193"/>
+                  </a:lnTo>
+                  <a:lnTo>
+                    <a:pt x="4300046" y="71996"/>
+                  </a:lnTo>
+                  <a:lnTo>
+                    <a:pt x="4430350" y="54040"/>
+                  </a:lnTo>
+                  <a:lnTo>
+                    <a:pt x="4560655" y="60250"/>
+                  </a:lnTo>
+                  <a:lnTo>
+                    <a:pt x="4690959" y="54340"/>
+                  </a:lnTo>
+                  <a:lnTo>
+                    <a:pt x="4821263" y="35592"/>
+                  </a:lnTo>
+                  <a:lnTo>
+                    <a:pt x="4951568" y="27475"/>
+                  </a:lnTo>
+                  <a:lnTo>
+                    <a:pt x="5081872" y="21049"/>
+                  </a:lnTo>
+                  <a:lnTo>
+                    <a:pt x="5212177" y="29618"/>
+                  </a:lnTo>
+                  <a:lnTo>
+                    <a:pt x="5342481" y="7172"/>
+                  </a:lnTo>
+                  <a:lnTo>
+                    <a:pt x="5472786" y="0"/>
+                  </a:lnTo>
+                  <a:lnTo>
+                    <a:pt x="5603090" y="7824"/>
+                  </a:lnTo>
+                  <a:lnTo>
+                    <a:pt x="5733394" y="36663"/>
+                  </a:lnTo>
+                  <a:lnTo>
+                    <a:pt x="5733394" y="36663"/>
                   </a:lnTo>
                 </a:path>
               </a:pathLst>
@@ -6415,264 +6625,282 @@
           </p:nvSpPr>
           <p:spPr>
             <a:xfrm>
-              <a:off x="2778664" y="1762168"/>
-              <a:ext cx="5613215" cy="1963414"/>
+              <a:off x="2746497" y="1758379"/>
+              <a:ext cx="5733394" cy="2344145"/>
             </a:xfrm>
             <a:custGeom>
               <a:avLst/>
               <a:pathLst>
-                <a:path w="5613215" h="1963414">
+                <a:path w="5733394" h="2344145">
                   <a:moveTo>
-                    <a:pt x="0" y="1953297"/>
+                    <a:pt x="0" y="1902615"/>
                   </a:moveTo>
                   <a:lnTo>
-                    <a:pt x="136907" y="1868309"/>
-                  </a:lnTo>
-                  <a:lnTo>
-                    <a:pt x="273815" y="1679774"/>
-                  </a:lnTo>
-                  <a:lnTo>
-                    <a:pt x="410723" y="1477982"/>
-                  </a:lnTo>
-                  <a:lnTo>
-                    <a:pt x="547630" y="1406330"/>
-                  </a:lnTo>
-                  <a:lnTo>
-                    <a:pt x="684538" y="1313206"/>
-                  </a:lnTo>
-                  <a:lnTo>
-                    <a:pt x="821446" y="1293895"/>
-                  </a:lnTo>
-                  <a:lnTo>
-                    <a:pt x="958353" y="1270467"/>
-                  </a:lnTo>
-                  <a:lnTo>
-                    <a:pt x="1095261" y="1362095"/>
-                  </a:lnTo>
-                  <a:lnTo>
-                    <a:pt x="1232169" y="1230210"/>
-                  </a:lnTo>
-                  <a:lnTo>
-                    <a:pt x="1369076" y="1171046"/>
-                  </a:lnTo>
-                  <a:lnTo>
-                    <a:pt x="1505984" y="1078204"/>
-                  </a:lnTo>
-                  <a:lnTo>
-                    <a:pt x="1642892" y="923011"/>
-                  </a:lnTo>
-                  <a:lnTo>
-                    <a:pt x="1779800" y="985727"/>
-                  </a:lnTo>
-                  <a:lnTo>
-                    <a:pt x="1916707" y="968409"/>
-                  </a:lnTo>
-                  <a:lnTo>
-                    <a:pt x="2053615" y="862994"/>
-                  </a:lnTo>
-                  <a:lnTo>
-                    <a:pt x="2190523" y="1083924"/>
-                  </a:lnTo>
-                  <a:lnTo>
-                    <a:pt x="2327430" y="878700"/>
-                  </a:lnTo>
-                  <a:lnTo>
-                    <a:pt x="2464338" y="820216"/>
-                  </a:lnTo>
-                  <a:lnTo>
-                    <a:pt x="2601246" y="890410"/>
-                  </a:lnTo>
-                  <a:lnTo>
-                    <a:pt x="2738153" y="869407"/>
-                  </a:lnTo>
-                  <a:lnTo>
-                    <a:pt x="2875061" y="724806"/>
-                  </a:lnTo>
-                  <a:lnTo>
-                    <a:pt x="3011969" y="1175867"/>
-                  </a:lnTo>
-                  <a:lnTo>
-                    <a:pt x="3148876" y="817323"/>
-                  </a:lnTo>
-                  <a:lnTo>
-                    <a:pt x="3285784" y="315008"/>
-                  </a:lnTo>
-                  <a:lnTo>
-                    <a:pt x="3422692" y="495538"/>
-                  </a:lnTo>
-                  <a:lnTo>
-                    <a:pt x="3559600" y="530169"/>
-                  </a:lnTo>
-                  <a:lnTo>
-                    <a:pt x="3696507" y="359116"/>
-                  </a:lnTo>
-                  <a:lnTo>
-                    <a:pt x="3833415" y="283280"/>
-                  </a:lnTo>
-                  <a:lnTo>
-                    <a:pt x="3970323" y="257820"/>
-                  </a:lnTo>
-                  <a:lnTo>
-                    <a:pt x="4107230" y="181403"/>
-                  </a:lnTo>
-                  <a:lnTo>
-                    <a:pt x="4244138" y="190548"/>
-                  </a:lnTo>
-                  <a:lnTo>
-                    <a:pt x="4381046" y="172787"/>
-                  </a:lnTo>
-                  <a:lnTo>
-                    <a:pt x="4517953" y="155523"/>
-                  </a:lnTo>
-                  <a:lnTo>
-                    <a:pt x="4654861" y="119238"/>
-                  </a:lnTo>
-                  <a:lnTo>
-                    <a:pt x="4791769" y="124123"/>
-                  </a:lnTo>
-                  <a:lnTo>
-                    <a:pt x="4928677" y="94648"/>
-                  </a:lnTo>
-                  <a:lnTo>
-                    <a:pt x="5065584" y="72566"/>
-                  </a:lnTo>
-                  <a:lnTo>
-                    <a:pt x="5202492" y="67821"/>
-                  </a:lnTo>
-                  <a:lnTo>
-                    <a:pt x="5339400" y="23623"/>
-                  </a:lnTo>
-                  <a:lnTo>
-                    <a:pt x="5476307" y="4596"/>
-                  </a:lnTo>
-                  <a:lnTo>
-                    <a:pt x="5613215" y="0"/>
-                  </a:lnTo>
-                  <a:lnTo>
-                    <a:pt x="5613215" y="1553340"/>
-                  </a:lnTo>
-                  <a:lnTo>
-                    <a:pt x="5476307" y="1278407"/>
-                  </a:lnTo>
-                  <a:lnTo>
-                    <a:pt x="5339400" y="1711964"/>
-                  </a:lnTo>
-                  <a:lnTo>
-                    <a:pt x="5202492" y="1737323"/>
-                  </a:lnTo>
-                  <a:lnTo>
-                    <a:pt x="5065584" y="1664748"/>
-                  </a:lnTo>
-                  <a:lnTo>
-                    <a:pt x="4928677" y="1715156"/>
-                  </a:lnTo>
-                  <a:lnTo>
-                    <a:pt x="4791769" y="1739429"/>
-                  </a:lnTo>
-                  <a:lnTo>
-                    <a:pt x="4654861" y="1714038"/>
-                  </a:lnTo>
-                  <a:lnTo>
-                    <a:pt x="4517953" y="1649050"/>
-                  </a:lnTo>
-                  <a:lnTo>
-                    <a:pt x="4381046" y="1655625"/>
-                  </a:lnTo>
-                  <a:lnTo>
-                    <a:pt x="4244138" y="1534664"/>
-                  </a:lnTo>
-                  <a:lnTo>
-                    <a:pt x="4107230" y="1378486"/>
-                  </a:lnTo>
-                  <a:lnTo>
-                    <a:pt x="3970323" y="1359886"/>
-                  </a:lnTo>
-                  <a:lnTo>
-                    <a:pt x="3833415" y="1405704"/>
-                  </a:lnTo>
-                  <a:lnTo>
-                    <a:pt x="3696507" y="1386988"/>
-                  </a:lnTo>
-                  <a:lnTo>
-                    <a:pt x="3559600" y="1360698"/>
-                  </a:lnTo>
-                  <a:lnTo>
-                    <a:pt x="3422692" y="1226602"/>
-                  </a:lnTo>
-                  <a:lnTo>
-                    <a:pt x="3285784" y="909253"/>
-                  </a:lnTo>
-                  <a:lnTo>
-                    <a:pt x="3148876" y="1121124"/>
-                  </a:lnTo>
-                  <a:lnTo>
-                    <a:pt x="3011969" y="1285016"/>
-                  </a:lnTo>
-                  <a:lnTo>
-                    <a:pt x="2875061" y="785706"/>
-                  </a:lnTo>
-                  <a:lnTo>
-                    <a:pt x="2738153" y="907980"/>
-                  </a:lnTo>
-                  <a:lnTo>
-                    <a:pt x="2601246" y="894117"/>
-                  </a:lnTo>
-                  <a:lnTo>
-                    <a:pt x="2464338" y="820216"/>
-                  </a:lnTo>
-                  <a:lnTo>
-                    <a:pt x="2327430" y="881433"/>
-                  </a:lnTo>
-                  <a:lnTo>
-                    <a:pt x="2190523" y="1083924"/>
-                  </a:lnTo>
-                  <a:lnTo>
-                    <a:pt x="2053615" y="862994"/>
-                  </a:lnTo>
-                  <a:lnTo>
-                    <a:pt x="1916707" y="968409"/>
-                  </a:lnTo>
-                  <a:lnTo>
-                    <a:pt x="1779800" y="985727"/>
-                  </a:lnTo>
-                  <a:lnTo>
-                    <a:pt x="1642892" y="923011"/>
-                  </a:lnTo>
-                  <a:lnTo>
-                    <a:pt x="1505984" y="1078204"/>
-                  </a:lnTo>
-                  <a:lnTo>
-                    <a:pt x="1369076" y="1171046"/>
-                  </a:lnTo>
-                  <a:lnTo>
-                    <a:pt x="1232169" y="1230210"/>
-                  </a:lnTo>
-                  <a:lnTo>
-                    <a:pt x="1095261" y="1362095"/>
-                  </a:lnTo>
-                  <a:lnTo>
-                    <a:pt x="958353" y="1270467"/>
-                  </a:lnTo>
-                  <a:lnTo>
-                    <a:pt x="821446" y="1293895"/>
-                  </a:lnTo>
-                  <a:lnTo>
-                    <a:pt x="684538" y="1313206"/>
-                  </a:lnTo>
-                  <a:lnTo>
-                    <a:pt x="547630" y="1406330"/>
-                  </a:lnTo>
-                  <a:lnTo>
-                    <a:pt x="410723" y="1477982"/>
-                  </a:lnTo>
-                  <a:lnTo>
-                    <a:pt x="273815" y="1679774"/>
-                  </a:lnTo>
-                  <a:lnTo>
-                    <a:pt x="136907" y="1871797"/>
-                  </a:lnTo>
-                  <a:lnTo>
-                    <a:pt x="0" y="1963414"/>
+                    <a:pt x="130304" y="1981221"/>
+                  </a:lnTo>
+                  <a:lnTo>
+                    <a:pt x="260608" y="1932456"/>
+                  </a:lnTo>
+                  <a:lnTo>
+                    <a:pt x="390913" y="1786162"/>
+                  </a:lnTo>
+                  <a:lnTo>
+                    <a:pt x="521217" y="1805160"/>
+                  </a:lnTo>
+                  <a:lnTo>
+                    <a:pt x="651522" y="1683186"/>
+                  </a:lnTo>
+                  <a:lnTo>
+                    <a:pt x="781826" y="1647659"/>
+                  </a:lnTo>
+                  <a:lnTo>
+                    <a:pt x="912131" y="1554093"/>
+                  </a:lnTo>
+                  <a:lnTo>
+                    <a:pt x="1042435" y="1716933"/>
+                  </a:lnTo>
+                  <a:lnTo>
+                    <a:pt x="1172739" y="1577999"/>
+                  </a:lnTo>
+                  <a:lnTo>
+                    <a:pt x="1303044" y="1472954"/>
+                  </a:lnTo>
+                  <a:lnTo>
+                    <a:pt x="1433348" y="1286620"/>
+                  </a:lnTo>
+                  <a:lnTo>
+                    <a:pt x="1563653" y="1063620"/>
+                  </a:lnTo>
+                  <a:lnTo>
+                    <a:pt x="1693957" y="1124557"/>
+                  </a:lnTo>
+                  <a:lnTo>
+                    <a:pt x="1824262" y="1019489"/>
+                  </a:lnTo>
+                  <a:lnTo>
+                    <a:pt x="1954566" y="901893"/>
+                  </a:lnTo>
+                  <a:lnTo>
+                    <a:pt x="2084870" y="1071187"/>
+                  </a:lnTo>
+                  <a:lnTo>
+                    <a:pt x="2215175" y="869607"/>
+                  </a:lnTo>
+                  <a:lnTo>
+                    <a:pt x="2345479" y="761075"/>
+                  </a:lnTo>
+                  <a:lnTo>
+                    <a:pt x="2475784" y="1075800"/>
+                  </a:lnTo>
+                  <a:lnTo>
+                    <a:pt x="2606088" y="955854"/>
+                  </a:lnTo>
+                  <a:lnTo>
+                    <a:pt x="2736393" y="836862"/>
+                  </a:lnTo>
+                  <a:lnTo>
+                    <a:pt x="2866697" y="1209766"/>
+                  </a:lnTo>
+                  <a:lnTo>
+                    <a:pt x="2997001" y="945887"/>
+                  </a:lnTo>
+                  <a:lnTo>
+                    <a:pt x="3127306" y="423850"/>
+                  </a:lnTo>
+                  <a:lnTo>
+                    <a:pt x="3257610" y="615057"/>
+                  </a:lnTo>
+                  <a:lnTo>
+                    <a:pt x="3387915" y="620083"/>
+                  </a:lnTo>
+                  <a:lnTo>
+                    <a:pt x="3518219" y="452956"/>
+                  </a:lnTo>
+                  <a:lnTo>
+                    <a:pt x="3648524" y="413581"/>
+                  </a:lnTo>
+                  <a:lnTo>
+                    <a:pt x="3778828" y="381791"/>
+                  </a:lnTo>
+                  <a:lnTo>
+                    <a:pt x="3909132" y="292462"/>
+                  </a:lnTo>
+                  <a:lnTo>
+                    <a:pt x="4039437" y="224111"/>
+                  </a:lnTo>
+                  <a:lnTo>
+                    <a:pt x="4169741" y="203177"/>
+                  </a:lnTo>
+                  <a:lnTo>
+                    <a:pt x="4300046" y="185884"/>
+                  </a:lnTo>
+                  <a:lnTo>
+                    <a:pt x="4430350" y="153158"/>
+                  </a:lnTo>
+                  <a:lnTo>
+                    <a:pt x="4560655" y="162689"/>
+                  </a:lnTo>
+                  <a:lnTo>
+                    <a:pt x="4690959" y="133922"/>
+                  </a:lnTo>
+                  <a:lnTo>
+                    <a:pt x="4821263" y="99114"/>
+                  </a:lnTo>
+                  <a:lnTo>
+                    <a:pt x="4951568" y="95714"/>
+                  </a:lnTo>
+                  <a:lnTo>
+                    <a:pt x="5081872" y="51020"/>
+                  </a:lnTo>
+                  <a:lnTo>
+                    <a:pt x="5212177" y="46437"/>
+                  </a:lnTo>
+                  <a:lnTo>
+                    <a:pt x="5342481" y="11628"/>
+                  </a:lnTo>
+                  <a:lnTo>
+                    <a:pt x="5472786" y="0"/>
+                  </a:lnTo>
+                  <a:lnTo>
+                    <a:pt x="5603090" y="6889"/>
+                  </a:lnTo>
+                  <a:lnTo>
+                    <a:pt x="5733394" y="26889"/>
+                  </a:lnTo>
+                  <a:lnTo>
+                    <a:pt x="5733394" y="1285493"/>
+                  </a:lnTo>
+                  <a:lnTo>
+                    <a:pt x="5603090" y="1124329"/>
+                  </a:lnTo>
+                  <a:lnTo>
+                    <a:pt x="5472786" y="1268133"/>
+                  </a:lnTo>
+                  <a:lnTo>
+                    <a:pt x="5342481" y="1426401"/>
+                  </a:lnTo>
+                  <a:lnTo>
+                    <a:pt x="5212177" y="1768076"/>
+                  </a:lnTo>
+                  <a:lnTo>
+                    <a:pt x="5081872" y="2296635"/>
+                  </a:lnTo>
+                  <a:lnTo>
+                    <a:pt x="4951568" y="2334676"/>
+                  </a:lnTo>
+                  <a:lnTo>
+                    <a:pt x="4821263" y="2220526"/>
+                  </a:lnTo>
+                  <a:lnTo>
+                    <a:pt x="4690959" y="2274711"/>
+                  </a:lnTo>
+                  <a:lnTo>
+                    <a:pt x="4560655" y="2305464"/>
+                  </a:lnTo>
+                  <a:lnTo>
+                    <a:pt x="4430350" y="2344145"/>
+                  </a:lnTo>
+                  <a:lnTo>
+                    <a:pt x="4300046" y="2234009"/>
+                  </a:lnTo>
+                  <a:lnTo>
+                    <a:pt x="4169741" y="2157976"/>
+                  </a:lnTo>
+                  <a:lnTo>
+                    <a:pt x="4039437" y="2106883"/>
+                  </a:lnTo>
+                  <a:lnTo>
+                    <a:pt x="3909132" y="1963737"/>
+                  </a:lnTo>
+                  <a:lnTo>
+                    <a:pt x="3778828" y="1881966"/>
+                  </a:lnTo>
+                  <a:lnTo>
+                    <a:pt x="3648524" y="1840202"/>
+                  </a:lnTo>
+                  <a:lnTo>
+                    <a:pt x="3518219" y="1600219"/>
+                  </a:lnTo>
+                  <a:lnTo>
+                    <a:pt x="3387915" y="1521352"/>
+                  </a:lnTo>
+                  <a:lnTo>
+                    <a:pt x="3257610" y="1370946"/>
+                  </a:lnTo>
+                  <a:lnTo>
+                    <a:pt x="3127306" y="1029195"/>
+                  </a:lnTo>
+                  <a:lnTo>
+                    <a:pt x="2997001" y="1263251"/>
+                  </a:lnTo>
+                  <a:lnTo>
+                    <a:pt x="2866697" y="1318915"/>
+                  </a:lnTo>
+                  <a:lnTo>
+                    <a:pt x="2736393" y="904529"/>
+                  </a:lnTo>
+                  <a:lnTo>
+                    <a:pt x="2606088" y="994427"/>
+                  </a:lnTo>
+                  <a:lnTo>
+                    <a:pt x="2475784" y="1079506"/>
+                  </a:lnTo>
+                  <a:lnTo>
+                    <a:pt x="2345479" y="782052"/>
+                  </a:lnTo>
+                  <a:lnTo>
+                    <a:pt x="2215175" y="872343"/>
+                  </a:lnTo>
+                  <a:lnTo>
+                    <a:pt x="2084870" y="1071187"/>
+                  </a:lnTo>
+                  <a:lnTo>
+                    <a:pt x="1954566" y="901893"/>
+                  </a:lnTo>
+                  <a:lnTo>
+                    <a:pt x="1824262" y="1019489"/>
+                  </a:lnTo>
+                  <a:lnTo>
+                    <a:pt x="1693957" y="1124557"/>
+                  </a:lnTo>
+                  <a:lnTo>
+                    <a:pt x="1563653" y="1063620"/>
+                  </a:lnTo>
+                  <a:lnTo>
+                    <a:pt x="1433348" y="1286620"/>
+                  </a:lnTo>
+                  <a:lnTo>
+                    <a:pt x="1303044" y="1472954"/>
+                  </a:lnTo>
+                  <a:lnTo>
+                    <a:pt x="1172739" y="1577999"/>
+                  </a:lnTo>
+                  <a:lnTo>
+                    <a:pt x="1042435" y="1716933"/>
+                  </a:lnTo>
+                  <a:lnTo>
+                    <a:pt x="912131" y="1554093"/>
+                  </a:lnTo>
+                  <a:lnTo>
+                    <a:pt x="781826" y="1647659"/>
+                  </a:lnTo>
+                  <a:lnTo>
+                    <a:pt x="651522" y="1683186"/>
+                  </a:lnTo>
+                  <a:lnTo>
+                    <a:pt x="521217" y="1805160"/>
+                  </a:lnTo>
+                  <a:lnTo>
+                    <a:pt x="390913" y="1786162"/>
+                  </a:lnTo>
+                  <a:lnTo>
+                    <a:pt x="260608" y="1934384"/>
+                  </a:lnTo>
+                  <a:lnTo>
+                    <a:pt x="130304" y="1984717"/>
+                  </a:lnTo>
+                  <a:lnTo>
+                    <a:pt x="0" y="1912765"/>
                   </a:lnTo>
                   <a:close/>
                 </a:path>
@@ -6698,138 +6926,150 @@
           </p:nvSpPr>
           <p:spPr>
             <a:xfrm>
-              <a:off x="2778664" y="1762168"/>
-              <a:ext cx="5613215" cy="1953297"/>
+              <a:off x="2746497" y="1758379"/>
+              <a:ext cx="5733394" cy="1981221"/>
             </a:xfrm>
             <a:custGeom>
               <a:avLst/>
               <a:pathLst>
-                <a:path w="5613215" h="1953297">
+                <a:path w="5733394" h="1981221">
                   <a:moveTo>
-                    <a:pt x="0" y="1953297"/>
+                    <a:pt x="0" y="1902615"/>
                   </a:moveTo>
                   <a:lnTo>
-                    <a:pt x="136907" y="1868309"/>
-                  </a:lnTo>
-                  <a:lnTo>
-                    <a:pt x="273815" y="1679774"/>
-                  </a:lnTo>
-                  <a:lnTo>
-                    <a:pt x="410723" y="1477982"/>
-                  </a:lnTo>
-                  <a:lnTo>
-                    <a:pt x="547630" y="1406330"/>
-                  </a:lnTo>
-                  <a:lnTo>
-                    <a:pt x="684538" y="1313206"/>
-                  </a:lnTo>
-                  <a:lnTo>
-                    <a:pt x="821446" y="1293895"/>
-                  </a:lnTo>
-                  <a:lnTo>
-                    <a:pt x="958353" y="1270467"/>
-                  </a:lnTo>
-                  <a:lnTo>
-                    <a:pt x="1095261" y="1362095"/>
-                  </a:lnTo>
-                  <a:lnTo>
-                    <a:pt x="1232169" y="1230210"/>
-                  </a:lnTo>
-                  <a:lnTo>
-                    <a:pt x="1369076" y="1171046"/>
-                  </a:lnTo>
-                  <a:lnTo>
-                    <a:pt x="1505984" y="1078204"/>
-                  </a:lnTo>
-                  <a:lnTo>
-                    <a:pt x="1642892" y="923011"/>
-                  </a:lnTo>
-                  <a:lnTo>
-                    <a:pt x="1779800" y="985727"/>
-                  </a:lnTo>
-                  <a:lnTo>
-                    <a:pt x="1916707" y="968409"/>
-                  </a:lnTo>
-                  <a:lnTo>
-                    <a:pt x="2053615" y="862994"/>
-                  </a:lnTo>
-                  <a:lnTo>
-                    <a:pt x="2190523" y="1083924"/>
-                  </a:lnTo>
-                  <a:lnTo>
-                    <a:pt x="2327430" y="878700"/>
-                  </a:lnTo>
-                  <a:lnTo>
-                    <a:pt x="2464338" y="820216"/>
-                  </a:lnTo>
-                  <a:lnTo>
-                    <a:pt x="2601246" y="890410"/>
-                  </a:lnTo>
-                  <a:lnTo>
-                    <a:pt x="2738153" y="869407"/>
-                  </a:lnTo>
-                  <a:lnTo>
-                    <a:pt x="2875061" y="724806"/>
-                  </a:lnTo>
-                  <a:lnTo>
-                    <a:pt x="3011969" y="1175867"/>
-                  </a:lnTo>
-                  <a:lnTo>
-                    <a:pt x="3148876" y="817323"/>
-                  </a:lnTo>
-                  <a:lnTo>
-                    <a:pt x="3285784" y="315008"/>
-                  </a:lnTo>
-                  <a:lnTo>
-                    <a:pt x="3422692" y="495538"/>
-                  </a:lnTo>
-                  <a:lnTo>
-                    <a:pt x="3559600" y="530169"/>
-                  </a:lnTo>
-                  <a:lnTo>
-                    <a:pt x="3696507" y="359116"/>
-                  </a:lnTo>
-                  <a:lnTo>
-                    <a:pt x="3833415" y="283280"/>
-                  </a:lnTo>
-                  <a:lnTo>
-                    <a:pt x="3970323" y="257820"/>
-                  </a:lnTo>
-                  <a:lnTo>
-                    <a:pt x="4107230" y="181403"/>
-                  </a:lnTo>
-                  <a:lnTo>
-                    <a:pt x="4244138" y="190548"/>
-                  </a:lnTo>
-                  <a:lnTo>
-                    <a:pt x="4381046" y="172787"/>
-                  </a:lnTo>
-                  <a:lnTo>
-                    <a:pt x="4517953" y="155523"/>
-                  </a:lnTo>
-                  <a:lnTo>
-                    <a:pt x="4654861" y="119238"/>
-                  </a:lnTo>
-                  <a:lnTo>
-                    <a:pt x="4791769" y="124123"/>
-                  </a:lnTo>
-                  <a:lnTo>
-                    <a:pt x="4928677" y="94648"/>
-                  </a:lnTo>
-                  <a:lnTo>
-                    <a:pt x="5065584" y="72566"/>
-                  </a:lnTo>
-                  <a:lnTo>
-                    <a:pt x="5202492" y="67821"/>
-                  </a:lnTo>
-                  <a:lnTo>
-                    <a:pt x="5339400" y="23623"/>
-                  </a:lnTo>
-                  <a:lnTo>
-                    <a:pt x="5476307" y="4596"/>
-                  </a:lnTo>
-                  <a:lnTo>
-                    <a:pt x="5613215" y="0"/>
+                    <a:pt x="130304" y="1981221"/>
+                  </a:lnTo>
+                  <a:lnTo>
+                    <a:pt x="260608" y="1932456"/>
+                  </a:lnTo>
+                  <a:lnTo>
+                    <a:pt x="390913" y="1786162"/>
+                  </a:lnTo>
+                  <a:lnTo>
+                    <a:pt x="521217" y="1805160"/>
+                  </a:lnTo>
+                  <a:lnTo>
+                    <a:pt x="651522" y="1683186"/>
+                  </a:lnTo>
+                  <a:lnTo>
+                    <a:pt x="781826" y="1647659"/>
+                  </a:lnTo>
+                  <a:lnTo>
+                    <a:pt x="912131" y="1554093"/>
+                  </a:lnTo>
+                  <a:lnTo>
+                    <a:pt x="1042435" y="1716933"/>
+                  </a:lnTo>
+                  <a:lnTo>
+                    <a:pt x="1172739" y="1577999"/>
+                  </a:lnTo>
+                  <a:lnTo>
+                    <a:pt x="1303044" y="1472954"/>
+                  </a:lnTo>
+                  <a:lnTo>
+                    <a:pt x="1433348" y="1286620"/>
+                  </a:lnTo>
+                  <a:lnTo>
+                    <a:pt x="1563653" y="1063620"/>
+                  </a:lnTo>
+                  <a:lnTo>
+                    <a:pt x="1693957" y="1124557"/>
+                  </a:lnTo>
+                  <a:lnTo>
+                    <a:pt x="1824262" y="1019489"/>
+                  </a:lnTo>
+                  <a:lnTo>
+                    <a:pt x="1954566" y="901893"/>
+                  </a:lnTo>
+                  <a:lnTo>
+                    <a:pt x="2084870" y="1071187"/>
+                  </a:lnTo>
+                  <a:lnTo>
+                    <a:pt x="2215175" y="869607"/>
+                  </a:lnTo>
+                  <a:lnTo>
+                    <a:pt x="2345479" y="761075"/>
+                  </a:lnTo>
+                  <a:lnTo>
+                    <a:pt x="2475784" y="1075800"/>
+                  </a:lnTo>
+                  <a:lnTo>
+                    <a:pt x="2606088" y="955854"/>
+                  </a:lnTo>
+                  <a:lnTo>
+                    <a:pt x="2736393" y="836862"/>
+                  </a:lnTo>
+                  <a:lnTo>
+                    <a:pt x="2866697" y="1209766"/>
+                  </a:lnTo>
+                  <a:lnTo>
+                    <a:pt x="2997001" y="945887"/>
+                  </a:lnTo>
+                  <a:lnTo>
+                    <a:pt x="3127306" y="423850"/>
+                  </a:lnTo>
+                  <a:lnTo>
+                    <a:pt x="3257610" y="615057"/>
+                  </a:lnTo>
+                  <a:lnTo>
+                    <a:pt x="3387915" y="620083"/>
+                  </a:lnTo>
+                  <a:lnTo>
+                    <a:pt x="3518219" y="452956"/>
+                  </a:lnTo>
+                  <a:lnTo>
+                    <a:pt x="3648524" y="413581"/>
+                  </a:lnTo>
+                  <a:lnTo>
+                    <a:pt x="3778828" y="381791"/>
+                  </a:lnTo>
+                  <a:lnTo>
+                    <a:pt x="3909132" y="292462"/>
+                  </a:lnTo>
+                  <a:lnTo>
+                    <a:pt x="4039437" y="224111"/>
+                  </a:lnTo>
+                  <a:lnTo>
+                    <a:pt x="4169741" y="203177"/>
+                  </a:lnTo>
+                  <a:lnTo>
+                    <a:pt x="4300046" y="185884"/>
+                  </a:lnTo>
+                  <a:lnTo>
+                    <a:pt x="4430350" y="153158"/>
+                  </a:lnTo>
+                  <a:lnTo>
+                    <a:pt x="4560655" y="162689"/>
+                  </a:lnTo>
+                  <a:lnTo>
+                    <a:pt x="4690959" y="133922"/>
+                  </a:lnTo>
+                  <a:lnTo>
+                    <a:pt x="4821263" y="99114"/>
+                  </a:lnTo>
+                  <a:lnTo>
+                    <a:pt x="4951568" y="95714"/>
+                  </a:lnTo>
+                  <a:lnTo>
+                    <a:pt x="5081872" y="51020"/>
+                  </a:lnTo>
+                  <a:lnTo>
+                    <a:pt x="5212177" y="46437"/>
+                  </a:lnTo>
+                  <a:lnTo>
+                    <a:pt x="5342481" y="11628"/>
+                  </a:lnTo>
+                  <a:lnTo>
+                    <a:pt x="5472786" y="0"/>
+                  </a:lnTo>
+                  <a:lnTo>
+                    <a:pt x="5603090" y="6889"/>
+                  </a:lnTo>
+                  <a:lnTo>
+                    <a:pt x="5733394" y="26889"/>
+                  </a:lnTo>
+                  <a:lnTo>
+                    <a:pt x="5733394" y="26889"/>
                   </a:lnTo>
                 </a:path>
               </a:pathLst>
@@ -6849,261 +7089,279 @@
           </p:nvSpPr>
           <p:spPr>
             <a:xfrm>
-              <a:off x="2778664" y="2547875"/>
-              <a:ext cx="5613215" cy="1532424"/>
+              <a:off x="2746497" y="2540431"/>
+              <a:ext cx="5733394" cy="2173111"/>
             </a:xfrm>
             <a:custGeom>
               <a:avLst/>
               <a:pathLst>
-                <a:path w="5613215" h="1532424">
+                <a:path w="5733394" h="2173111">
                   <a:moveTo>
-                    <a:pt x="0" y="1177708"/>
+                    <a:pt x="0" y="1130713"/>
                   </a:moveTo>
                   <a:lnTo>
-                    <a:pt x="136907" y="1086090"/>
-                  </a:lnTo>
-                  <a:lnTo>
-                    <a:pt x="273815" y="894068"/>
-                  </a:lnTo>
-                  <a:lnTo>
-                    <a:pt x="410723" y="692275"/>
-                  </a:lnTo>
-                  <a:lnTo>
-                    <a:pt x="547630" y="620624"/>
-                  </a:lnTo>
-                  <a:lnTo>
-                    <a:pt x="684538" y="527500"/>
-                  </a:lnTo>
-                  <a:lnTo>
-                    <a:pt x="821446" y="508189"/>
-                  </a:lnTo>
-                  <a:lnTo>
-                    <a:pt x="958353" y="484760"/>
-                  </a:lnTo>
-                  <a:lnTo>
-                    <a:pt x="1095261" y="576388"/>
-                  </a:lnTo>
-                  <a:lnTo>
-                    <a:pt x="1232169" y="444503"/>
-                  </a:lnTo>
-                  <a:lnTo>
-                    <a:pt x="1369076" y="385340"/>
-                  </a:lnTo>
-                  <a:lnTo>
-                    <a:pt x="1505984" y="292498"/>
-                  </a:lnTo>
-                  <a:lnTo>
-                    <a:pt x="1642892" y="137305"/>
-                  </a:lnTo>
-                  <a:lnTo>
-                    <a:pt x="1779800" y="200020"/>
-                  </a:lnTo>
-                  <a:lnTo>
-                    <a:pt x="1916707" y="182703"/>
-                  </a:lnTo>
-                  <a:lnTo>
-                    <a:pt x="2053615" y="77288"/>
-                  </a:lnTo>
-                  <a:lnTo>
-                    <a:pt x="2190523" y="298217"/>
-                  </a:lnTo>
-                  <a:lnTo>
-                    <a:pt x="2327430" y="95727"/>
-                  </a:lnTo>
-                  <a:lnTo>
-                    <a:pt x="2464338" y="34510"/>
-                  </a:lnTo>
-                  <a:lnTo>
-                    <a:pt x="2601246" y="108410"/>
-                  </a:lnTo>
-                  <a:lnTo>
-                    <a:pt x="2738153" y="122274"/>
-                  </a:lnTo>
-                  <a:lnTo>
-                    <a:pt x="2875061" y="0"/>
-                  </a:lnTo>
-                  <a:lnTo>
-                    <a:pt x="3011969" y="499310"/>
-                  </a:lnTo>
-                  <a:lnTo>
-                    <a:pt x="3148876" y="335417"/>
-                  </a:lnTo>
-                  <a:lnTo>
-                    <a:pt x="3285784" y="123547"/>
-                  </a:lnTo>
-                  <a:lnTo>
-                    <a:pt x="3422692" y="440895"/>
-                  </a:lnTo>
-                  <a:lnTo>
-                    <a:pt x="3559600" y="574991"/>
-                  </a:lnTo>
-                  <a:lnTo>
-                    <a:pt x="3696507" y="601282"/>
-                  </a:lnTo>
-                  <a:lnTo>
-                    <a:pt x="3833415" y="619997"/>
-                  </a:lnTo>
-                  <a:lnTo>
-                    <a:pt x="3970323" y="574180"/>
-                  </a:lnTo>
-                  <a:lnTo>
-                    <a:pt x="4107230" y="592780"/>
-                  </a:lnTo>
-                  <a:lnTo>
-                    <a:pt x="4244138" y="748957"/>
-                  </a:lnTo>
-                  <a:lnTo>
-                    <a:pt x="4381046" y="869918"/>
-                  </a:lnTo>
-                  <a:lnTo>
-                    <a:pt x="4517953" y="863344"/>
-                  </a:lnTo>
-                  <a:lnTo>
-                    <a:pt x="4654861" y="928331"/>
-                  </a:lnTo>
-                  <a:lnTo>
-                    <a:pt x="4791769" y="953722"/>
-                  </a:lnTo>
-                  <a:lnTo>
-                    <a:pt x="4928677" y="929450"/>
-                  </a:lnTo>
-                  <a:lnTo>
-                    <a:pt x="5065584" y="879041"/>
-                  </a:lnTo>
-                  <a:lnTo>
-                    <a:pt x="5202492" y="951617"/>
-                  </a:lnTo>
-                  <a:lnTo>
-                    <a:pt x="5339400" y="926257"/>
-                  </a:lnTo>
-                  <a:lnTo>
-                    <a:pt x="5476307" y="492700"/>
-                  </a:lnTo>
-                  <a:lnTo>
-                    <a:pt x="5613215" y="767633"/>
-                  </a:lnTo>
-                  <a:lnTo>
-                    <a:pt x="5613215" y="1444730"/>
-                  </a:lnTo>
-                  <a:lnTo>
-                    <a:pt x="5476307" y="1532424"/>
-                  </a:lnTo>
-                  <a:lnTo>
-                    <a:pt x="5339400" y="1350519"/>
-                  </a:lnTo>
-                  <a:lnTo>
-                    <a:pt x="5202492" y="1260885"/>
-                  </a:lnTo>
-                  <a:lnTo>
-                    <a:pt x="5065584" y="1184782"/>
-                  </a:lnTo>
-                  <a:lnTo>
-                    <a:pt x="4928677" y="1094414"/>
-                  </a:lnTo>
-                  <a:lnTo>
-                    <a:pt x="4791769" y="1034553"/>
-                  </a:lnTo>
-                  <a:lnTo>
-                    <a:pt x="4654861" y="948959"/>
-                  </a:lnTo>
-                  <a:lnTo>
-                    <a:pt x="4517953" y="877119"/>
-                  </a:lnTo>
-                  <a:lnTo>
-                    <a:pt x="4381046" y="871014"/>
-                  </a:lnTo>
-                  <a:lnTo>
-                    <a:pt x="4244138" y="750939"/>
-                  </a:lnTo>
-                  <a:lnTo>
-                    <a:pt x="4107230" y="595052"/>
-                  </a:lnTo>
-                  <a:lnTo>
-                    <a:pt x="3970323" y="574723"/>
-                  </a:lnTo>
-                  <a:lnTo>
-                    <a:pt x="3833415" y="620843"/>
-                  </a:lnTo>
-                  <a:lnTo>
-                    <a:pt x="3696507" y="601282"/>
-                  </a:lnTo>
-                  <a:lnTo>
-                    <a:pt x="3559600" y="574991"/>
-                  </a:lnTo>
-                  <a:lnTo>
-                    <a:pt x="3422692" y="440895"/>
-                  </a:lnTo>
-                  <a:lnTo>
-                    <a:pt x="3285784" y="123547"/>
-                  </a:lnTo>
-                  <a:lnTo>
-                    <a:pt x="3148876" y="335417"/>
-                  </a:lnTo>
-                  <a:lnTo>
-                    <a:pt x="3011969" y="499310"/>
-                  </a:lnTo>
-                  <a:lnTo>
-                    <a:pt x="2875061" y="0"/>
-                  </a:lnTo>
-                  <a:lnTo>
-                    <a:pt x="2738153" y="122274"/>
-                  </a:lnTo>
-                  <a:lnTo>
-                    <a:pt x="2601246" y="108410"/>
-                  </a:lnTo>
-                  <a:lnTo>
-                    <a:pt x="2464338" y="34510"/>
-                  </a:lnTo>
-                  <a:lnTo>
-                    <a:pt x="2327430" y="95727"/>
-                  </a:lnTo>
-                  <a:lnTo>
-                    <a:pt x="2190523" y="298217"/>
-                  </a:lnTo>
-                  <a:lnTo>
-                    <a:pt x="2053615" y="77288"/>
-                  </a:lnTo>
-                  <a:lnTo>
-                    <a:pt x="1916707" y="182703"/>
-                  </a:lnTo>
-                  <a:lnTo>
-                    <a:pt x="1779800" y="200020"/>
-                  </a:lnTo>
-                  <a:lnTo>
-                    <a:pt x="1642892" y="137305"/>
-                  </a:lnTo>
-                  <a:lnTo>
-                    <a:pt x="1505984" y="292498"/>
-                  </a:lnTo>
-                  <a:lnTo>
-                    <a:pt x="1369076" y="385340"/>
-                  </a:lnTo>
-                  <a:lnTo>
-                    <a:pt x="1232169" y="444503"/>
-                  </a:lnTo>
-                  <a:lnTo>
-                    <a:pt x="1095261" y="576388"/>
-                  </a:lnTo>
-                  <a:lnTo>
-                    <a:pt x="958353" y="484760"/>
-                  </a:lnTo>
-                  <a:lnTo>
-                    <a:pt x="821446" y="508189"/>
-                  </a:lnTo>
-                  <a:lnTo>
-                    <a:pt x="684538" y="527500"/>
-                  </a:lnTo>
-                  <a:lnTo>
-                    <a:pt x="547630" y="620624"/>
-                  </a:lnTo>
-                  <a:lnTo>
-                    <a:pt x="410723" y="692275"/>
-                  </a:lnTo>
-                  <a:lnTo>
-                    <a:pt x="273815" y="894068"/>
-                  </a:lnTo>
-                  <a:lnTo>
-                    <a:pt x="136907" y="1086090"/>
+                    <a:pt x="130304" y="1202665"/>
+                  </a:lnTo>
+                  <a:lnTo>
+                    <a:pt x="260608" y="1152331"/>
+                  </a:lnTo>
+                  <a:lnTo>
+                    <a:pt x="390913" y="1004109"/>
+                  </a:lnTo>
+                  <a:lnTo>
+                    <a:pt x="521217" y="1023108"/>
+                  </a:lnTo>
+                  <a:lnTo>
+                    <a:pt x="651522" y="901134"/>
+                  </a:lnTo>
+                  <a:lnTo>
+                    <a:pt x="781826" y="865607"/>
+                  </a:lnTo>
+                  <a:lnTo>
+                    <a:pt x="912131" y="772041"/>
+                  </a:lnTo>
+                  <a:lnTo>
+                    <a:pt x="1042435" y="934881"/>
+                  </a:lnTo>
+                  <a:lnTo>
+                    <a:pt x="1172739" y="795947"/>
+                  </a:lnTo>
+                  <a:lnTo>
+                    <a:pt x="1303044" y="690902"/>
+                  </a:lnTo>
+                  <a:lnTo>
+                    <a:pt x="1433348" y="504568"/>
+                  </a:lnTo>
+                  <a:lnTo>
+                    <a:pt x="1563653" y="281568"/>
+                  </a:lnTo>
+                  <a:lnTo>
+                    <a:pt x="1693957" y="342505"/>
+                  </a:lnTo>
+                  <a:lnTo>
+                    <a:pt x="1824262" y="237437"/>
+                  </a:lnTo>
+                  <a:lnTo>
+                    <a:pt x="1954566" y="119841"/>
+                  </a:lnTo>
+                  <a:lnTo>
+                    <a:pt x="2084870" y="289135"/>
+                  </a:lnTo>
+                  <a:lnTo>
+                    <a:pt x="2215175" y="90291"/>
+                  </a:lnTo>
+                  <a:lnTo>
+                    <a:pt x="2345479" y="0"/>
+                  </a:lnTo>
+                  <a:lnTo>
+                    <a:pt x="2475784" y="297454"/>
+                  </a:lnTo>
+                  <a:lnTo>
+                    <a:pt x="2606088" y="212375"/>
+                  </a:lnTo>
+                  <a:lnTo>
+                    <a:pt x="2736393" y="122477"/>
+                  </a:lnTo>
+                  <a:lnTo>
+                    <a:pt x="2866697" y="536863"/>
+                  </a:lnTo>
+                  <a:lnTo>
+                    <a:pt x="2997001" y="481198"/>
+                  </a:lnTo>
+                  <a:lnTo>
+                    <a:pt x="3127306" y="247143"/>
+                  </a:lnTo>
+                  <a:lnTo>
+                    <a:pt x="3257610" y="588894"/>
+                  </a:lnTo>
+                  <a:lnTo>
+                    <a:pt x="3387915" y="739299"/>
+                  </a:lnTo>
+                  <a:lnTo>
+                    <a:pt x="3518219" y="818167"/>
+                  </a:lnTo>
+                  <a:lnTo>
+                    <a:pt x="3648524" y="1058150"/>
+                  </a:lnTo>
+                  <a:lnTo>
+                    <a:pt x="3778828" y="1099914"/>
+                  </a:lnTo>
+                  <a:lnTo>
+                    <a:pt x="3909132" y="1181685"/>
+                  </a:lnTo>
+                  <a:lnTo>
+                    <a:pt x="4039437" y="1324831"/>
+                  </a:lnTo>
+                  <a:lnTo>
+                    <a:pt x="4169741" y="1375924"/>
+                  </a:lnTo>
+                  <a:lnTo>
+                    <a:pt x="4300046" y="1451957"/>
+                  </a:lnTo>
+                  <a:lnTo>
+                    <a:pt x="4430350" y="1562093"/>
+                  </a:lnTo>
+                  <a:lnTo>
+                    <a:pt x="4560655" y="1523412"/>
+                  </a:lnTo>
+                  <a:lnTo>
+                    <a:pt x="4690959" y="1492659"/>
+                  </a:lnTo>
+                  <a:lnTo>
+                    <a:pt x="4821263" y="1438474"/>
+                  </a:lnTo>
+                  <a:lnTo>
+                    <a:pt x="4951568" y="1552624"/>
+                  </a:lnTo>
+                  <a:lnTo>
+                    <a:pt x="5081872" y="1514583"/>
+                  </a:lnTo>
+                  <a:lnTo>
+                    <a:pt x="5212177" y="986024"/>
+                  </a:lnTo>
+                  <a:lnTo>
+                    <a:pt x="5342481" y="644349"/>
+                  </a:lnTo>
+                  <a:lnTo>
+                    <a:pt x="5472786" y="486081"/>
+                  </a:lnTo>
+                  <a:lnTo>
+                    <a:pt x="5603090" y="342277"/>
+                  </a:lnTo>
+                  <a:lnTo>
+                    <a:pt x="5733394" y="503441"/>
+                  </a:lnTo>
+                  <a:lnTo>
+                    <a:pt x="5733394" y="1887905"/>
+                  </a:lnTo>
+                  <a:lnTo>
+                    <a:pt x="5603090" y="2173111"/>
+                  </a:lnTo>
+                  <a:lnTo>
+                    <a:pt x="5472786" y="2106677"/>
+                  </a:lnTo>
+                  <a:lnTo>
+                    <a:pt x="5342481" y="2117463"/>
+                  </a:lnTo>
+                  <a:lnTo>
+                    <a:pt x="5212177" y="2024326"/>
+                  </a:lnTo>
+                  <a:lnTo>
+                    <a:pt x="5081872" y="1944211"/>
+                  </a:lnTo>
+                  <a:lnTo>
+                    <a:pt x="4951568" y="1861208"/>
+                  </a:lnTo>
+                  <a:lnTo>
+                    <a:pt x="4821263" y="1786238"/>
+                  </a:lnTo>
+                  <a:lnTo>
+                    <a:pt x="4690959" y="1671371"/>
+                  </a:lnTo>
+                  <a:lnTo>
+                    <a:pt x="4560655" y="1604401"/>
+                  </a:lnTo>
+                  <a:lnTo>
+                    <a:pt x="4430350" y="1583417"/>
+                  </a:lnTo>
+                  <a:lnTo>
+                    <a:pt x="4300046" y="1466114"/>
+                  </a:lnTo>
+                  <a:lnTo>
+                    <a:pt x="4169741" y="1377019"/>
+                  </a:lnTo>
+                  <a:lnTo>
+                    <a:pt x="4039437" y="1326806"/>
+                  </a:lnTo>
+                  <a:lnTo>
+                    <a:pt x="3909132" y="1183956"/>
+                  </a:lnTo>
+                  <a:lnTo>
+                    <a:pt x="3778828" y="1100457"/>
+                  </a:lnTo>
+                  <a:lnTo>
+                    <a:pt x="3648524" y="1058995"/>
+                  </a:lnTo>
+                  <a:lnTo>
+                    <a:pt x="3518219" y="818167"/>
+                  </a:lnTo>
+                  <a:lnTo>
+                    <a:pt x="3387915" y="739299"/>
+                  </a:lnTo>
+                  <a:lnTo>
+                    <a:pt x="3257610" y="588894"/>
+                  </a:lnTo>
+                  <a:lnTo>
+                    <a:pt x="3127306" y="247143"/>
+                  </a:lnTo>
+                  <a:lnTo>
+                    <a:pt x="2997001" y="481198"/>
+                  </a:lnTo>
+                  <a:lnTo>
+                    <a:pt x="2866697" y="536863"/>
+                  </a:lnTo>
+                  <a:lnTo>
+                    <a:pt x="2736393" y="122477"/>
+                  </a:lnTo>
+                  <a:lnTo>
+                    <a:pt x="2606088" y="212375"/>
+                  </a:lnTo>
+                  <a:lnTo>
+                    <a:pt x="2475784" y="297454"/>
+                  </a:lnTo>
+                  <a:lnTo>
+                    <a:pt x="2345479" y="0"/>
+                  </a:lnTo>
+                  <a:lnTo>
+                    <a:pt x="2215175" y="90291"/>
+                  </a:lnTo>
+                  <a:lnTo>
+                    <a:pt x="2084870" y="289135"/>
+                  </a:lnTo>
+                  <a:lnTo>
+                    <a:pt x="1954566" y="119841"/>
+                  </a:lnTo>
+                  <a:lnTo>
+                    <a:pt x="1824262" y="237437"/>
+                  </a:lnTo>
+                  <a:lnTo>
+                    <a:pt x="1693957" y="342505"/>
+                  </a:lnTo>
+                  <a:lnTo>
+                    <a:pt x="1563653" y="281568"/>
+                  </a:lnTo>
+                  <a:lnTo>
+                    <a:pt x="1433348" y="504568"/>
+                  </a:lnTo>
+                  <a:lnTo>
+                    <a:pt x="1303044" y="690902"/>
+                  </a:lnTo>
+                  <a:lnTo>
+                    <a:pt x="1172739" y="795947"/>
+                  </a:lnTo>
+                  <a:lnTo>
+                    <a:pt x="1042435" y="934881"/>
+                  </a:lnTo>
+                  <a:lnTo>
+                    <a:pt x="912131" y="772041"/>
+                  </a:lnTo>
+                  <a:lnTo>
+                    <a:pt x="781826" y="865607"/>
+                  </a:lnTo>
+                  <a:lnTo>
+                    <a:pt x="651522" y="901134"/>
+                  </a:lnTo>
+                  <a:lnTo>
+                    <a:pt x="521217" y="1023108"/>
+                  </a:lnTo>
+                  <a:lnTo>
+                    <a:pt x="390913" y="1004109"/>
+                  </a:lnTo>
+                  <a:lnTo>
+                    <a:pt x="260608" y="1152331"/>
+                  </a:lnTo>
+                  <a:lnTo>
+                    <a:pt x="130304" y="1202665"/>
                   </a:lnTo>
                   <a:close/>
                 </a:path>
@@ -7129,138 +7387,150 @@
           </p:nvSpPr>
           <p:spPr>
             <a:xfrm>
-              <a:off x="2778664" y="2547875"/>
-              <a:ext cx="5613215" cy="1177708"/>
+              <a:off x="2746497" y="2540431"/>
+              <a:ext cx="5733394" cy="1562093"/>
             </a:xfrm>
             <a:custGeom>
               <a:avLst/>
               <a:pathLst>
-                <a:path w="5613215" h="1177708">
+                <a:path w="5733394" h="1562093">
                   <a:moveTo>
-                    <a:pt x="0" y="1177708"/>
+                    <a:pt x="0" y="1130713"/>
                   </a:moveTo>
                   <a:lnTo>
-                    <a:pt x="136907" y="1086090"/>
-                  </a:lnTo>
-                  <a:lnTo>
-                    <a:pt x="273815" y="894068"/>
-                  </a:lnTo>
-                  <a:lnTo>
-                    <a:pt x="410723" y="692275"/>
-                  </a:lnTo>
-                  <a:lnTo>
-                    <a:pt x="547630" y="620624"/>
-                  </a:lnTo>
-                  <a:lnTo>
-                    <a:pt x="684538" y="527500"/>
-                  </a:lnTo>
-                  <a:lnTo>
-                    <a:pt x="821446" y="508189"/>
-                  </a:lnTo>
-                  <a:lnTo>
-                    <a:pt x="958353" y="484760"/>
-                  </a:lnTo>
-                  <a:lnTo>
-                    <a:pt x="1095261" y="576388"/>
-                  </a:lnTo>
-                  <a:lnTo>
-                    <a:pt x="1232169" y="444503"/>
-                  </a:lnTo>
-                  <a:lnTo>
-                    <a:pt x="1369076" y="385340"/>
-                  </a:lnTo>
-                  <a:lnTo>
-                    <a:pt x="1505984" y="292498"/>
-                  </a:lnTo>
-                  <a:lnTo>
-                    <a:pt x="1642892" y="137305"/>
-                  </a:lnTo>
-                  <a:lnTo>
-                    <a:pt x="1779800" y="200020"/>
-                  </a:lnTo>
-                  <a:lnTo>
-                    <a:pt x="1916707" y="182703"/>
-                  </a:lnTo>
-                  <a:lnTo>
-                    <a:pt x="2053615" y="77288"/>
-                  </a:lnTo>
-                  <a:lnTo>
-                    <a:pt x="2190523" y="298217"/>
-                  </a:lnTo>
-                  <a:lnTo>
-                    <a:pt x="2327430" y="95727"/>
-                  </a:lnTo>
-                  <a:lnTo>
-                    <a:pt x="2464338" y="34510"/>
-                  </a:lnTo>
-                  <a:lnTo>
-                    <a:pt x="2601246" y="108410"/>
-                  </a:lnTo>
-                  <a:lnTo>
-                    <a:pt x="2738153" y="122274"/>
-                  </a:lnTo>
-                  <a:lnTo>
-                    <a:pt x="2875061" y="0"/>
-                  </a:lnTo>
-                  <a:lnTo>
-                    <a:pt x="3011969" y="499310"/>
-                  </a:lnTo>
-                  <a:lnTo>
-                    <a:pt x="3148876" y="335417"/>
-                  </a:lnTo>
-                  <a:lnTo>
-                    <a:pt x="3285784" y="123547"/>
-                  </a:lnTo>
-                  <a:lnTo>
-                    <a:pt x="3422692" y="440895"/>
-                  </a:lnTo>
-                  <a:lnTo>
-                    <a:pt x="3559600" y="574991"/>
-                  </a:lnTo>
-                  <a:lnTo>
-                    <a:pt x="3696507" y="601282"/>
-                  </a:lnTo>
-                  <a:lnTo>
-                    <a:pt x="3833415" y="619997"/>
-                  </a:lnTo>
-                  <a:lnTo>
-                    <a:pt x="3970323" y="574180"/>
-                  </a:lnTo>
-                  <a:lnTo>
-                    <a:pt x="4107230" y="592780"/>
-                  </a:lnTo>
-                  <a:lnTo>
-                    <a:pt x="4244138" y="748957"/>
-                  </a:lnTo>
-                  <a:lnTo>
-                    <a:pt x="4381046" y="869918"/>
-                  </a:lnTo>
-                  <a:lnTo>
-                    <a:pt x="4517953" y="863344"/>
-                  </a:lnTo>
-                  <a:lnTo>
-                    <a:pt x="4654861" y="928331"/>
-                  </a:lnTo>
-                  <a:lnTo>
-                    <a:pt x="4791769" y="953722"/>
-                  </a:lnTo>
-                  <a:lnTo>
-                    <a:pt x="4928677" y="929450"/>
-                  </a:lnTo>
-                  <a:lnTo>
-                    <a:pt x="5065584" y="879041"/>
-                  </a:lnTo>
-                  <a:lnTo>
-                    <a:pt x="5202492" y="951617"/>
-                  </a:lnTo>
-                  <a:lnTo>
-                    <a:pt x="5339400" y="926257"/>
-                  </a:lnTo>
-                  <a:lnTo>
-                    <a:pt x="5476307" y="492700"/>
-                  </a:lnTo>
-                  <a:lnTo>
-                    <a:pt x="5613215" y="767633"/>
+                    <a:pt x="130304" y="1202665"/>
+                  </a:lnTo>
+                  <a:lnTo>
+                    <a:pt x="260608" y="1152331"/>
+                  </a:lnTo>
+                  <a:lnTo>
+                    <a:pt x="390913" y="1004109"/>
+                  </a:lnTo>
+                  <a:lnTo>
+                    <a:pt x="521217" y="1023108"/>
+                  </a:lnTo>
+                  <a:lnTo>
+                    <a:pt x="651522" y="901134"/>
+                  </a:lnTo>
+                  <a:lnTo>
+                    <a:pt x="781826" y="865607"/>
+                  </a:lnTo>
+                  <a:lnTo>
+                    <a:pt x="912131" y="772041"/>
+                  </a:lnTo>
+                  <a:lnTo>
+                    <a:pt x="1042435" y="934881"/>
+                  </a:lnTo>
+                  <a:lnTo>
+                    <a:pt x="1172739" y="795947"/>
+                  </a:lnTo>
+                  <a:lnTo>
+                    <a:pt x="1303044" y="690902"/>
+                  </a:lnTo>
+                  <a:lnTo>
+                    <a:pt x="1433348" y="504568"/>
+                  </a:lnTo>
+                  <a:lnTo>
+                    <a:pt x="1563653" y="281568"/>
+                  </a:lnTo>
+                  <a:lnTo>
+                    <a:pt x="1693957" y="342505"/>
+                  </a:lnTo>
+                  <a:lnTo>
+                    <a:pt x="1824262" y="237437"/>
+                  </a:lnTo>
+                  <a:lnTo>
+                    <a:pt x="1954566" y="119841"/>
+                  </a:lnTo>
+                  <a:lnTo>
+                    <a:pt x="2084870" y="289135"/>
+                  </a:lnTo>
+                  <a:lnTo>
+                    <a:pt x="2215175" y="90291"/>
+                  </a:lnTo>
+                  <a:lnTo>
+                    <a:pt x="2345479" y="0"/>
+                  </a:lnTo>
+                  <a:lnTo>
+                    <a:pt x="2475784" y="297454"/>
+                  </a:lnTo>
+                  <a:lnTo>
+                    <a:pt x="2606088" y="212375"/>
+                  </a:lnTo>
+                  <a:lnTo>
+                    <a:pt x="2736393" y="122477"/>
+                  </a:lnTo>
+                  <a:lnTo>
+                    <a:pt x="2866697" y="536863"/>
+                  </a:lnTo>
+                  <a:lnTo>
+                    <a:pt x="2997001" y="481198"/>
+                  </a:lnTo>
+                  <a:lnTo>
+                    <a:pt x="3127306" y="247143"/>
+                  </a:lnTo>
+                  <a:lnTo>
+                    <a:pt x="3257610" y="588894"/>
+                  </a:lnTo>
+                  <a:lnTo>
+                    <a:pt x="3387915" y="739299"/>
+                  </a:lnTo>
+                  <a:lnTo>
+                    <a:pt x="3518219" y="818167"/>
+                  </a:lnTo>
+                  <a:lnTo>
+                    <a:pt x="3648524" y="1058150"/>
+                  </a:lnTo>
+                  <a:lnTo>
+                    <a:pt x="3778828" y="1099914"/>
+                  </a:lnTo>
+                  <a:lnTo>
+                    <a:pt x="3909132" y="1181685"/>
+                  </a:lnTo>
+                  <a:lnTo>
+                    <a:pt x="4039437" y="1324831"/>
+                  </a:lnTo>
+                  <a:lnTo>
+                    <a:pt x="4169741" y="1375924"/>
+                  </a:lnTo>
+                  <a:lnTo>
+                    <a:pt x="4300046" y="1451957"/>
+                  </a:lnTo>
+                  <a:lnTo>
+                    <a:pt x="4430350" y="1562093"/>
+                  </a:lnTo>
+                  <a:lnTo>
+                    <a:pt x="4560655" y="1523412"/>
+                  </a:lnTo>
+                  <a:lnTo>
+                    <a:pt x="4690959" y="1492659"/>
+                  </a:lnTo>
+                  <a:lnTo>
+                    <a:pt x="4821263" y="1438474"/>
+                  </a:lnTo>
+                  <a:lnTo>
+                    <a:pt x="4951568" y="1552624"/>
+                  </a:lnTo>
+                  <a:lnTo>
+                    <a:pt x="5081872" y="1514583"/>
+                  </a:lnTo>
+                  <a:lnTo>
+                    <a:pt x="5212177" y="986024"/>
+                  </a:lnTo>
+                  <a:lnTo>
+                    <a:pt x="5342481" y="644349"/>
+                  </a:lnTo>
+                  <a:lnTo>
+                    <a:pt x="5472786" y="486081"/>
+                  </a:lnTo>
+                  <a:lnTo>
+                    <a:pt x="5603090" y="342277"/>
+                  </a:lnTo>
+                  <a:lnTo>
+                    <a:pt x="5733394" y="503441"/>
+                  </a:lnTo>
+                  <a:lnTo>
+                    <a:pt x="5733394" y="503441"/>
                   </a:lnTo>
                 </a:path>
               </a:pathLst>
@@ -7280,264 +7550,282 @@
           </p:nvSpPr>
           <p:spPr>
             <a:xfrm>
-              <a:off x="2778664" y="2547875"/>
-              <a:ext cx="5613215" cy="2320973"/>
+              <a:off x="2746497" y="2540431"/>
+              <a:ext cx="5733394" cy="2328417"/>
             </a:xfrm>
             <a:custGeom>
               <a:avLst/>
               <a:pathLst>
-                <a:path w="5613215" h="2320973">
+                <a:path w="5733394" h="2328417">
                   <a:moveTo>
-                    <a:pt x="0" y="1177708"/>
+                    <a:pt x="0" y="1130713"/>
                   </a:moveTo>
                   <a:lnTo>
-                    <a:pt x="136907" y="1086090"/>
-                  </a:lnTo>
-                  <a:lnTo>
-                    <a:pt x="273815" y="894068"/>
-                  </a:lnTo>
-                  <a:lnTo>
-                    <a:pt x="410723" y="692275"/>
-                  </a:lnTo>
-                  <a:lnTo>
-                    <a:pt x="547630" y="620624"/>
-                  </a:lnTo>
-                  <a:lnTo>
-                    <a:pt x="684538" y="527500"/>
-                  </a:lnTo>
-                  <a:lnTo>
-                    <a:pt x="821446" y="508189"/>
-                  </a:lnTo>
-                  <a:lnTo>
-                    <a:pt x="958353" y="484760"/>
-                  </a:lnTo>
-                  <a:lnTo>
-                    <a:pt x="1095261" y="576388"/>
-                  </a:lnTo>
-                  <a:lnTo>
-                    <a:pt x="1232169" y="444503"/>
-                  </a:lnTo>
-                  <a:lnTo>
-                    <a:pt x="1369076" y="385340"/>
-                  </a:lnTo>
-                  <a:lnTo>
-                    <a:pt x="1505984" y="292498"/>
-                  </a:lnTo>
-                  <a:lnTo>
-                    <a:pt x="1642892" y="137305"/>
-                  </a:lnTo>
-                  <a:lnTo>
-                    <a:pt x="1779800" y="200020"/>
-                  </a:lnTo>
-                  <a:lnTo>
-                    <a:pt x="1916707" y="182703"/>
-                  </a:lnTo>
-                  <a:lnTo>
-                    <a:pt x="2053615" y="77288"/>
-                  </a:lnTo>
-                  <a:lnTo>
-                    <a:pt x="2190523" y="298217"/>
-                  </a:lnTo>
-                  <a:lnTo>
-                    <a:pt x="2327430" y="95727"/>
-                  </a:lnTo>
-                  <a:lnTo>
-                    <a:pt x="2464338" y="34510"/>
-                  </a:lnTo>
-                  <a:lnTo>
-                    <a:pt x="2601246" y="108410"/>
-                  </a:lnTo>
-                  <a:lnTo>
-                    <a:pt x="2738153" y="122274"/>
-                  </a:lnTo>
-                  <a:lnTo>
-                    <a:pt x="2875061" y="0"/>
-                  </a:lnTo>
-                  <a:lnTo>
-                    <a:pt x="3011969" y="499310"/>
-                  </a:lnTo>
-                  <a:lnTo>
-                    <a:pt x="3148876" y="335417"/>
-                  </a:lnTo>
-                  <a:lnTo>
-                    <a:pt x="3285784" y="123547"/>
-                  </a:lnTo>
-                  <a:lnTo>
-                    <a:pt x="3422692" y="440895"/>
-                  </a:lnTo>
-                  <a:lnTo>
-                    <a:pt x="3559600" y="574991"/>
-                  </a:lnTo>
-                  <a:lnTo>
-                    <a:pt x="3696507" y="601282"/>
-                  </a:lnTo>
-                  <a:lnTo>
-                    <a:pt x="3833415" y="620843"/>
-                  </a:lnTo>
-                  <a:lnTo>
-                    <a:pt x="3970323" y="574723"/>
-                  </a:lnTo>
-                  <a:lnTo>
-                    <a:pt x="4107230" y="595052"/>
-                  </a:lnTo>
-                  <a:lnTo>
-                    <a:pt x="4244138" y="750939"/>
-                  </a:lnTo>
-                  <a:lnTo>
-                    <a:pt x="4381046" y="871014"/>
-                  </a:lnTo>
-                  <a:lnTo>
-                    <a:pt x="4517953" y="877119"/>
-                  </a:lnTo>
-                  <a:lnTo>
-                    <a:pt x="4654861" y="948959"/>
-                  </a:lnTo>
-                  <a:lnTo>
-                    <a:pt x="4791769" y="1034553"/>
-                  </a:lnTo>
-                  <a:lnTo>
-                    <a:pt x="4928677" y="1094414"/>
-                  </a:lnTo>
-                  <a:lnTo>
-                    <a:pt x="5065584" y="1184782"/>
-                  </a:lnTo>
-                  <a:lnTo>
-                    <a:pt x="5202492" y="1260885"/>
-                  </a:lnTo>
-                  <a:lnTo>
-                    <a:pt x="5339400" y="1350519"/>
-                  </a:lnTo>
-                  <a:lnTo>
-                    <a:pt x="5476307" y="1532424"/>
-                  </a:lnTo>
-                  <a:lnTo>
-                    <a:pt x="5613215" y="1444730"/>
-                  </a:lnTo>
-                  <a:lnTo>
-                    <a:pt x="5613215" y="2320973"/>
-                  </a:lnTo>
-                  <a:lnTo>
-                    <a:pt x="5476307" y="2320973"/>
-                  </a:lnTo>
-                  <a:lnTo>
-                    <a:pt x="5339400" y="2320973"/>
-                  </a:lnTo>
-                  <a:lnTo>
-                    <a:pt x="5202492" y="2320973"/>
-                  </a:lnTo>
-                  <a:lnTo>
-                    <a:pt x="5065584" y="2320973"/>
-                  </a:lnTo>
-                  <a:lnTo>
-                    <a:pt x="4928677" y="2320973"/>
-                  </a:lnTo>
-                  <a:lnTo>
-                    <a:pt x="4791769" y="2320973"/>
-                  </a:lnTo>
-                  <a:lnTo>
-                    <a:pt x="4654861" y="2320973"/>
-                  </a:lnTo>
-                  <a:lnTo>
-                    <a:pt x="4517953" y="2320973"/>
-                  </a:lnTo>
-                  <a:lnTo>
-                    <a:pt x="4381046" y="2320973"/>
-                  </a:lnTo>
-                  <a:lnTo>
-                    <a:pt x="4244138" y="2320973"/>
-                  </a:lnTo>
-                  <a:lnTo>
-                    <a:pt x="4107230" y="2320973"/>
-                  </a:lnTo>
-                  <a:lnTo>
-                    <a:pt x="3970323" y="2320973"/>
-                  </a:lnTo>
-                  <a:lnTo>
-                    <a:pt x="3833415" y="2320973"/>
-                  </a:lnTo>
-                  <a:lnTo>
-                    <a:pt x="3696507" y="2320973"/>
-                  </a:lnTo>
-                  <a:lnTo>
-                    <a:pt x="3559600" y="2320973"/>
-                  </a:lnTo>
-                  <a:lnTo>
-                    <a:pt x="3422692" y="2320973"/>
-                  </a:lnTo>
-                  <a:lnTo>
-                    <a:pt x="3285784" y="2320973"/>
-                  </a:lnTo>
-                  <a:lnTo>
-                    <a:pt x="3148876" y="2320973"/>
-                  </a:lnTo>
-                  <a:lnTo>
-                    <a:pt x="3011969" y="2320973"/>
-                  </a:lnTo>
-                  <a:lnTo>
-                    <a:pt x="2875061" y="2320973"/>
-                  </a:lnTo>
-                  <a:lnTo>
-                    <a:pt x="2738153" y="2320973"/>
-                  </a:lnTo>
-                  <a:lnTo>
-                    <a:pt x="2601246" y="2320973"/>
-                  </a:lnTo>
-                  <a:lnTo>
-                    <a:pt x="2464338" y="2320973"/>
-                  </a:lnTo>
-                  <a:lnTo>
-                    <a:pt x="2327430" y="2320973"/>
-                  </a:lnTo>
-                  <a:lnTo>
-                    <a:pt x="2190523" y="2320973"/>
-                  </a:lnTo>
-                  <a:lnTo>
-                    <a:pt x="2053615" y="2320973"/>
-                  </a:lnTo>
-                  <a:lnTo>
-                    <a:pt x="1916707" y="2320973"/>
-                  </a:lnTo>
-                  <a:lnTo>
-                    <a:pt x="1779800" y="2320973"/>
-                  </a:lnTo>
-                  <a:lnTo>
-                    <a:pt x="1642892" y="2320973"/>
-                  </a:lnTo>
-                  <a:lnTo>
-                    <a:pt x="1505984" y="2320973"/>
-                  </a:lnTo>
-                  <a:lnTo>
-                    <a:pt x="1369076" y="2320973"/>
-                  </a:lnTo>
-                  <a:lnTo>
-                    <a:pt x="1232169" y="2320973"/>
-                  </a:lnTo>
-                  <a:lnTo>
-                    <a:pt x="1095261" y="2320973"/>
-                  </a:lnTo>
-                  <a:lnTo>
-                    <a:pt x="958353" y="2320973"/>
-                  </a:lnTo>
-                  <a:lnTo>
-                    <a:pt x="821446" y="2320973"/>
-                  </a:lnTo>
-                  <a:lnTo>
-                    <a:pt x="684538" y="2320973"/>
-                  </a:lnTo>
-                  <a:lnTo>
-                    <a:pt x="547630" y="2320973"/>
-                  </a:lnTo>
-                  <a:lnTo>
-                    <a:pt x="410723" y="2320973"/>
-                  </a:lnTo>
-                  <a:lnTo>
-                    <a:pt x="273815" y="2320973"/>
-                  </a:lnTo>
-                  <a:lnTo>
-                    <a:pt x="136907" y="2320973"/>
-                  </a:lnTo>
-                  <a:lnTo>
-                    <a:pt x="0" y="2320973"/>
+                    <a:pt x="130304" y="1202665"/>
+                  </a:lnTo>
+                  <a:lnTo>
+                    <a:pt x="260608" y="1152331"/>
+                  </a:lnTo>
+                  <a:lnTo>
+                    <a:pt x="390913" y="1004109"/>
+                  </a:lnTo>
+                  <a:lnTo>
+                    <a:pt x="521217" y="1023108"/>
+                  </a:lnTo>
+                  <a:lnTo>
+                    <a:pt x="651522" y="901134"/>
+                  </a:lnTo>
+                  <a:lnTo>
+                    <a:pt x="781826" y="865607"/>
+                  </a:lnTo>
+                  <a:lnTo>
+                    <a:pt x="912131" y="772041"/>
+                  </a:lnTo>
+                  <a:lnTo>
+                    <a:pt x="1042435" y="934881"/>
+                  </a:lnTo>
+                  <a:lnTo>
+                    <a:pt x="1172739" y="795947"/>
+                  </a:lnTo>
+                  <a:lnTo>
+                    <a:pt x="1303044" y="690902"/>
+                  </a:lnTo>
+                  <a:lnTo>
+                    <a:pt x="1433348" y="504568"/>
+                  </a:lnTo>
+                  <a:lnTo>
+                    <a:pt x="1563653" y="281568"/>
+                  </a:lnTo>
+                  <a:lnTo>
+                    <a:pt x="1693957" y="342505"/>
+                  </a:lnTo>
+                  <a:lnTo>
+                    <a:pt x="1824262" y="237437"/>
+                  </a:lnTo>
+                  <a:lnTo>
+                    <a:pt x="1954566" y="119841"/>
+                  </a:lnTo>
+                  <a:lnTo>
+                    <a:pt x="2084870" y="289135"/>
+                  </a:lnTo>
+                  <a:lnTo>
+                    <a:pt x="2215175" y="90291"/>
+                  </a:lnTo>
+                  <a:lnTo>
+                    <a:pt x="2345479" y="0"/>
+                  </a:lnTo>
+                  <a:lnTo>
+                    <a:pt x="2475784" y="297454"/>
+                  </a:lnTo>
+                  <a:lnTo>
+                    <a:pt x="2606088" y="212375"/>
+                  </a:lnTo>
+                  <a:lnTo>
+                    <a:pt x="2736393" y="122477"/>
+                  </a:lnTo>
+                  <a:lnTo>
+                    <a:pt x="2866697" y="536863"/>
+                  </a:lnTo>
+                  <a:lnTo>
+                    <a:pt x="2997001" y="481198"/>
+                  </a:lnTo>
+                  <a:lnTo>
+                    <a:pt x="3127306" y="247143"/>
+                  </a:lnTo>
+                  <a:lnTo>
+                    <a:pt x="3257610" y="588894"/>
+                  </a:lnTo>
+                  <a:lnTo>
+                    <a:pt x="3387915" y="739299"/>
+                  </a:lnTo>
+                  <a:lnTo>
+                    <a:pt x="3518219" y="818167"/>
+                  </a:lnTo>
+                  <a:lnTo>
+                    <a:pt x="3648524" y="1058995"/>
+                  </a:lnTo>
+                  <a:lnTo>
+                    <a:pt x="3778828" y="1100457"/>
+                  </a:lnTo>
+                  <a:lnTo>
+                    <a:pt x="3909132" y="1183956"/>
+                  </a:lnTo>
+                  <a:lnTo>
+                    <a:pt x="4039437" y="1326806"/>
+                  </a:lnTo>
+                  <a:lnTo>
+                    <a:pt x="4169741" y="1377019"/>
+                  </a:lnTo>
+                  <a:lnTo>
+                    <a:pt x="4300046" y="1466114"/>
+                  </a:lnTo>
+                  <a:lnTo>
+                    <a:pt x="4430350" y="1583417"/>
+                  </a:lnTo>
+                  <a:lnTo>
+                    <a:pt x="4560655" y="1604401"/>
+                  </a:lnTo>
+                  <a:lnTo>
+                    <a:pt x="4690959" y="1671371"/>
+                  </a:lnTo>
+                  <a:lnTo>
+                    <a:pt x="4821263" y="1786238"/>
+                  </a:lnTo>
+                  <a:lnTo>
+                    <a:pt x="4951568" y="1861208"/>
+                  </a:lnTo>
+                  <a:lnTo>
+                    <a:pt x="5081872" y="1944211"/>
+                  </a:lnTo>
+                  <a:lnTo>
+                    <a:pt x="5212177" y="2024326"/>
+                  </a:lnTo>
+                  <a:lnTo>
+                    <a:pt x="5342481" y="2117463"/>
+                  </a:lnTo>
+                  <a:lnTo>
+                    <a:pt x="5472786" y="2106677"/>
+                  </a:lnTo>
+                  <a:lnTo>
+                    <a:pt x="5603090" y="2173111"/>
+                  </a:lnTo>
+                  <a:lnTo>
+                    <a:pt x="5733394" y="1887905"/>
+                  </a:lnTo>
+                  <a:lnTo>
+                    <a:pt x="5733394" y="2328417"/>
+                  </a:lnTo>
+                  <a:lnTo>
+                    <a:pt x="5603090" y="2328417"/>
+                  </a:lnTo>
+                  <a:lnTo>
+                    <a:pt x="5472786" y="2328417"/>
+                  </a:lnTo>
+                  <a:lnTo>
+                    <a:pt x="5342481" y="2328417"/>
+                  </a:lnTo>
+                  <a:lnTo>
+                    <a:pt x="5212177" y="2328417"/>
+                  </a:lnTo>
+                  <a:lnTo>
+                    <a:pt x="5081872" y="2328417"/>
+                  </a:lnTo>
+                  <a:lnTo>
+                    <a:pt x="4951568" y="2328417"/>
+                  </a:lnTo>
+                  <a:lnTo>
+                    <a:pt x="4821263" y="2328417"/>
+                  </a:lnTo>
+                  <a:lnTo>
+                    <a:pt x="4690959" y="2328417"/>
+                  </a:lnTo>
+                  <a:lnTo>
+                    <a:pt x="4560655" y="2328417"/>
+                  </a:lnTo>
+                  <a:lnTo>
+                    <a:pt x="4430350" y="2328417"/>
+                  </a:lnTo>
+                  <a:lnTo>
+                    <a:pt x="4300046" y="2328417"/>
+                  </a:lnTo>
+                  <a:lnTo>
+                    <a:pt x="4169741" y="2328417"/>
+                  </a:lnTo>
+                  <a:lnTo>
+                    <a:pt x="4039437" y="2328417"/>
+                  </a:lnTo>
+                  <a:lnTo>
+                    <a:pt x="3909132" y="2328417"/>
+                  </a:lnTo>
+                  <a:lnTo>
+                    <a:pt x="3778828" y="2328417"/>
+                  </a:lnTo>
+                  <a:lnTo>
+                    <a:pt x="3648524" y="2328417"/>
+                  </a:lnTo>
+                  <a:lnTo>
+                    <a:pt x="3518219" y="2328417"/>
+                  </a:lnTo>
+                  <a:lnTo>
+                    <a:pt x="3387915" y="2328417"/>
+                  </a:lnTo>
+                  <a:lnTo>
+                    <a:pt x="3257610" y="2328417"/>
+                  </a:lnTo>
+                  <a:lnTo>
+                    <a:pt x="3127306" y="2328417"/>
+                  </a:lnTo>
+                  <a:lnTo>
+                    <a:pt x="2997001" y="2328417"/>
+                  </a:lnTo>
+                  <a:lnTo>
+                    <a:pt x="2866697" y="2328417"/>
+                  </a:lnTo>
+                  <a:lnTo>
+                    <a:pt x="2736393" y="2328417"/>
+                  </a:lnTo>
+                  <a:lnTo>
+                    <a:pt x="2606088" y="2328417"/>
+                  </a:lnTo>
+                  <a:lnTo>
+                    <a:pt x="2475784" y="2328417"/>
+                  </a:lnTo>
+                  <a:lnTo>
+                    <a:pt x="2345479" y="2328417"/>
+                  </a:lnTo>
+                  <a:lnTo>
+                    <a:pt x="2215175" y="2328417"/>
+                  </a:lnTo>
+                  <a:lnTo>
+                    <a:pt x="2084870" y="2328417"/>
+                  </a:lnTo>
+                  <a:lnTo>
+                    <a:pt x="1954566" y="2328417"/>
+                  </a:lnTo>
+                  <a:lnTo>
+                    <a:pt x="1824262" y="2328417"/>
+                  </a:lnTo>
+                  <a:lnTo>
+                    <a:pt x="1693957" y="2328417"/>
+                  </a:lnTo>
+                  <a:lnTo>
+                    <a:pt x="1563653" y="2328417"/>
+                  </a:lnTo>
+                  <a:lnTo>
+                    <a:pt x="1433348" y="2328417"/>
+                  </a:lnTo>
+                  <a:lnTo>
+                    <a:pt x="1303044" y="2328417"/>
+                  </a:lnTo>
+                  <a:lnTo>
+                    <a:pt x="1172739" y="2328417"/>
+                  </a:lnTo>
+                  <a:lnTo>
+                    <a:pt x="1042435" y="2328417"/>
+                  </a:lnTo>
+                  <a:lnTo>
+                    <a:pt x="912131" y="2328417"/>
+                  </a:lnTo>
+                  <a:lnTo>
+                    <a:pt x="781826" y="2328417"/>
+                  </a:lnTo>
+                  <a:lnTo>
+                    <a:pt x="651522" y="2328417"/>
+                  </a:lnTo>
+                  <a:lnTo>
+                    <a:pt x="521217" y="2328417"/>
+                  </a:lnTo>
+                  <a:lnTo>
+                    <a:pt x="390913" y="2328417"/>
+                  </a:lnTo>
+                  <a:lnTo>
+                    <a:pt x="260608" y="2328417"/>
+                  </a:lnTo>
+                  <a:lnTo>
+                    <a:pt x="130304" y="2328417"/>
+                  </a:lnTo>
+                  <a:lnTo>
+                    <a:pt x="0" y="2328417"/>
                   </a:lnTo>
                   <a:close/>
                 </a:path>
@@ -7563,138 +7851,150 @@
           </p:nvSpPr>
           <p:spPr>
             <a:xfrm>
-              <a:off x="2778664" y="2547875"/>
-              <a:ext cx="5613215" cy="1532424"/>
+              <a:off x="2746497" y="2540431"/>
+              <a:ext cx="5733394" cy="2173111"/>
             </a:xfrm>
             <a:custGeom>
               <a:avLst/>
               <a:pathLst>
-                <a:path w="5613215" h="1532424">
+                <a:path w="5733394" h="2173111">
                   <a:moveTo>
-                    <a:pt x="0" y="1177708"/>
+                    <a:pt x="0" y="1130713"/>
                   </a:moveTo>
                   <a:lnTo>
-                    <a:pt x="136907" y="1086090"/>
-                  </a:lnTo>
-                  <a:lnTo>
-                    <a:pt x="273815" y="894068"/>
-                  </a:lnTo>
-                  <a:lnTo>
-                    <a:pt x="410723" y="692275"/>
-                  </a:lnTo>
-                  <a:lnTo>
-                    <a:pt x="547630" y="620624"/>
-                  </a:lnTo>
-                  <a:lnTo>
-                    <a:pt x="684538" y="527500"/>
-                  </a:lnTo>
-                  <a:lnTo>
-                    <a:pt x="821446" y="508189"/>
-                  </a:lnTo>
-                  <a:lnTo>
-                    <a:pt x="958353" y="484760"/>
-                  </a:lnTo>
-                  <a:lnTo>
-                    <a:pt x="1095261" y="576388"/>
-                  </a:lnTo>
-                  <a:lnTo>
-                    <a:pt x="1232169" y="444503"/>
-                  </a:lnTo>
-                  <a:lnTo>
-                    <a:pt x="1369076" y="385340"/>
-                  </a:lnTo>
-                  <a:lnTo>
-                    <a:pt x="1505984" y="292498"/>
-                  </a:lnTo>
-                  <a:lnTo>
-                    <a:pt x="1642892" y="137305"/>
-                  </a:lnTo>
-                  <a:lnTo>
-                    <a:pt x="1779800" y="200020"/>
-                  </a:lnTo>
-                  <a:lnTo>
-                    <a:pt x="1916707" y="182703"/>
-                  </a:lnTo>
-                  <a:lnTo>
-                    <a:pt x="2053615" y="77288"/>
-                  </a:lnTo>
-                  <a:lnTo>
-                    <a:pt x="2190523" y="298217"/>
-                  </a:lnTo>
-                  <a:lnTo>
-                    <a:pt x="2327430" y="95727"/>
-                  </a:lnTo>
-                  <a:lnTo>
-                    <a:pt x="2464338" y="34510"/>
-                  </a:lnTo>
-                  <a:lnTo>
-                    <a:pt x="2601246" y="108410"/>
-                  </a:lnTo>
-                  <a:lnTo>
-                    <a:pt x="2738153" y="122274"/>
-                  </a:lnTo>
-                  <a:lnTo>
-                    <a:pt x="2875061" y="0"/>
-                  </a:lnTo>
-                  <a:lnTo>
-                    <a:pt x="3011969" y="499310"/>
-                  </a:lnTo>
-                  <a:lnTo>
-                    <a:pt x="3148876" y="335417"/>
-                  </a:lnTo>
-                  <a:lnTo>
-                    <a:pt x="3285784" y="123547"/>
-                  </a:lnTo>
-                  <a:lnTo>
-                    <a:pt x="3422692" y="440895"/>
-                  </a:lnTo>
-                  <a:lnTo>
-                    <a:pt x="3559600" y="574991"/>
-                  </a:lnTo>
-                  <a:lnTo>
-                    <a:pt x="3696507" y="601282"/>
-                  </a:lnTo>
-                  <a:lnTo>
-                    <a:pt x="3833415" y="620843"/>
-                  </a:lnTo>
-                  <a:lnTo>
-                    <a:pt x="3970323" y="574723"/>
-                  </a:lnTo>
-                  <a:lnTo>
-                    <a:pt x="4107230" y="595052"/>
-                  </a:lnTo>
-                  <a:lnTo>
-                    <a:pt x="4244138" y="750939"/>
-                  </a:lnTo>
-                  <a:lnTo>
-                    <a:pt x="4381046" y="871014"/>
-                  </a:lnTo>
-                  <a:lnTo>
-                    <a:pt x="4517953" y="877119"/>
-                  </a:lnTo>
-                  <a:lnTo>
-                    <a:pt x="4654861" y="948959"/>
-                  </a:lnTo>
-                  <a:lnTo>
-                    <a:pt x="4791769" y="1034553"/>
-                  </a:lnTo>
-                  <a:lnTo>
-                    <a:pt x="4928677" y="1094414"/>
-                  </a:lnTo>
-                  <a:lnTo>
-                    <a:pt x="5065584" y="1184782"/>
-                  </a:lnTo>
-                  <a:lnTo>
-                    <a:pt x="5202492" y="1260885"/>
-                  </a:lnTo>
-                  <a:lnTo>
-                    <a:pt x="5339400" y="1350519"/>
-                  </a:lnTo>
-                  <a:lnTo>
-                    <a:pt x="5476307" y="1532424"/>
-                  </a:lnTo>
-                  <a:lnTo>
-                    <a:pt x="5613215" y="1444730"/>
+                    <a:pt x="130304" y="1202665"/>
+                  </a:lnTo>
+                  <a:lnTo>
+                    <a:pt x="260608" y="1152331"/>
+                  </a:lnTo>
+                  <a:lnTo>
+                    <a:pt x="390913" y="1004109"/>
+                  </a:lnTo>
+                  <a:lnTo>
+                    <a:pt x="521217" y="1023108"/>
+                  </a:lnTo>
+                  <a:lnTo>
+                    <a:pt x="651522" y="901134"/>
+                  </a:lnTo>
+                  <a:lnTo>
+                    <a:pt x="781826" y="865607"/>
+                  </a:lnTo>
+                  <a:lnTo>
+                    <a:pt x="912131" y="772041"/>
+                  </a:lnTo>
+                  <a:lnTo>
+                    <a:pt x="1042435" y="934881"/>
+                  </a:lnTo>
+                  <a:lnTo>
+                    <a:pt x="1172739" y="795947"/>
+                  </a:lnTo>
+                  <a:lnTo>
+                    <a:pt x="1303044" y="690902"/>
+                  </a:lnTo>
+                  <a:lnTo>
+                    <a:pt x="1433348" y="504568"/>
+                  </a:lnTo>
+                  <a:lnTo>
+                    <a:pt x="1563653" y="281568"/>
+                  </a:lnTo>
+                  <a:lnTo>
+                    <a:pt x="1693957" y="342505"/>
+                  </a:lnTo>
+                  <a:lnTo>
+                    <a:pt x="1824262" y="237437"/>
+                  </a:lnTo>
+                  <a:lnTo>
+                    <a:pt x="1954566" y="119841"/>
+                  </a:lnTo>
+                  <a:lnTo>
+                    <a:pt x="2084870" y="289135"/>
+                  </a:lnTo>
+                  <a:lnTo>
+                    <a:pt x="2215175" y="90291"/>
+                  </a:lnTo>
+                  <a:lnTo>
+                    <a:pt x="2345479" y="0"/>
+                  </a:lnTo>
+                  <a:lnTo>
+                    <a:pt x="2475784" y="297454"/>
+                  </a:lnTo>
+                  <a:lnTo>
+                    <a:pt x="2606088" y="212375"/>
+                  </a:lnTo>
+                  <a:lnTo>
+                    <a:pt x="2736393" y="122477"/>
+                  </a:lnTo>
+                  <a:lnTo>
+                    <a:pt x="2866697" y="536863"/>
+                  </a:lnTo>
+                  <a:lnTo>
+                    <a:pt x="2997001" y="481198"/>
+                  </a:lnTo>
+                  <a:lnTo>
+                    <a:pt x="3127306" y="247143"/>
+                  </a:lnTo>
+                  <a:lnTo>
+                    <a:pt x="3257610" y="588894"/>
+                  </a:lnTo>
+                  <a:lnTo>
+                    <a:pt x="3387915" y="739299"/>
+                  </a:lnTo>
+                  <a:lnTo>
+                    <a:pt x="3518219" y="818167"/>
+                  </a:lnTo>
+                  <a:lnTo>
+                    <a:pt x="3648524" y="1058995"/>
+                  </a:lnTo>
+                  <a:lnTo>
+                    <a:pt x="3778828" y="1100457"/>
+                  </a:lnTo>
+                  <a:lnTo>
+                    <a:pt x="3909132" y="1183956"/>
+                  </a:lnTo>
+                  <a:lnTo>
+                    <a:pt x="4039437" y="1326806"/>
+                  </a:lnTo>
+                  <a:lnTo>
+                    <a:pt x="4169741" y="1377019"/>
+                  </a:lnTo>
+                  <a:lnTo>
+                    <a:pt x="4300046" y="1466114"/>
+                  </a:lnTo>
+                  <a:lnTo>
+                    <a:pt x="4430350" y="1583417"/>
+                  </a:lnTo>
+                  <a:lnTo>
+                    <a:pt x="4560655" y="1604401"/>
+                  </a:lnTo>
+                  <a:lnTo>
+                    <a:pt x="4690959" y="1671371"/>
+                  </a:lnTo>
+                  <a:lnTo>
+                    <a:pt x="4821263" y="1786238"/>
+                  </a:lnTo>
+                  <a:lnTo>
+                    <a:pt x="4951568" y="1861208"/>
+                  </a:lnTo>
+                  <a:lnTo>
+                    <a:pt x="5081872" y="1944211"/>
+                  </a:lnTo>
+                  <a:lnTo>
+                    <a:pt x="5212177" y="2024326"/>
+                  </a:lnTo>
+                  <a:lnTo>
+                    <a:pt x="5342481" y="2117463"/>
+                  </a:lnTo>
+                  <a:lnTo>
+                    <a:pt x="5472786" y="2106677"/>
+                  </a:lnTo>
+                  <a:lnTo>
+                    <a:pt x="5603090" y="2173111"/>
+                  </a:lnTo>
+                  <a:lnTo>
+                    <a:pt x="5733394" y="1887905"/>
+                  </a:lnTo>
+                  <a:lnTo>
+                    <a:pt x="5733394" y="1887905"/>
                   </a:lnTo>
                 </a:path>
               </a:pathLst>
@@ -8184,7 +8484,7 @@
           </p:nvSpPr>
           <p:spPr>
             <a:xfrm>
-              <a:off x="3296958" y="5026174"/>
+              <a:off x="3267715" y="5026174"/>
               <a:ext cx="0" cy="34794"/>
             </a:xfrm>
             <a:custGeom>
@@ -8224,7 +8524,7 @@
           </p:nvSpPr>
           <p:spPr>
             <a:xfrm>
-              <a:off x="3883705" y="5026174"/>
+              <a:off x="3826162" y="5026174"/>
               <a:ext cx="0" cy="34794"/>
             </a:xfrm>
             <a:custGeom>
@@ -8264,7 +8564,7 @@
           </p:nvSpPr>
           <p:spPr>
             <a:xfrm>
-              <a:off x="4490011" y="5026174"/>
+              <a:off x="4403225" y="5026174"/>
               <a:ext cx="0" cy="34794"/>
             </a:xfrm>
             <a:custGeom>
@@ -8304,7 +8604,7 @@
           </p:nvSpPr>
           <p:spPr>
             <a:xfrm>
-              <a:off x="5076758" y="5026174"/>
+              <a:off x="4961672" y="5026174"/>
               <a:ext cx="0" cy="34794"/>
             </a:xfrm>
             <a:custGeom>
@@ -8344,7 +8644,7 @@
           </p:nvSpPr>
           <p:spPr>
             <a:xfrm>
-              <a:off x="5683063" y="5026174"/>
+              <a:off x="5538735" y="5026174"/>
               <a:ext cx="0" cy="34794"/>
             </a:xfrm>
             <a:custGeom>
@@ -8384,7 +8684,7 @@
           </p:nvSpPr>
           <p:spPr>
             <a:xfrm>
-              <a:off x="6289369" y="5026174"/>
+              <a:off x="6115797" y="5026174"/>
               <a:ext cx="0" cy="34794"/>
             </a:xfrm>
             <a:custGeom>
@@ -8424,7 +8724,7 @@
           </p:nvSpPr>
           <p:spPr>
             <a:xfrm>
-              <a:off x="6876116" y="5026174"/>
+              <a:off x="6674245" y="5026174"/>
               <a:ext cx="0" cy="34794"/>
             </a:xfrm>
             <a:custGeom>
@@ -8464,7 +8764,7 @@
           </p:nvSpPr>
           <p:spPr>
             <a:xfrm>
-              <a:off x="7482422" y="5026174"/>
+              <a:off x="7251307" y="5026174"/>
               <a:ext cx="0" cy="34794"/>
             </a:xfrm>
             <a:custGeom>
@@ -8504,7 +8804,7 @@
           </p:nvSpPr>
           <p:spPr>
             <a:xfrm>
-              <a:off x="8069169" y="5026174"/>
+              <a:off x="7809755" y="5026174"/>
               <a:ext cx="0" cy="34794"/>
             </a:xfrm>
             <a:custGeom>
@@ -8538,7 +8838,47 @@
         </p:sp>
         <p:sp>
           <p:nvSpPr>
-            <p:cNvPr id="50" name="tx50"/>
+            <p:cNvPr id="50" name="pl50"/>
+            <p:cNvSpPr/>
+            <p:nvPr/>
+          </p:nvSpPr>
+          <p:spPr>
+            <a:xfrm>
+              <a:off x="8386817" y="5026174"/>
+              <a:ext cx="0" cy="34794"/>
+            </a:xfrm>
+            <a:custGeom>
+              <a:avLst/>
+              <a:pathLst>
+                <a:path w="0" h="34794">
+                  <a:moveTo>
+                    <a:pt x="0" y="34794"/>
+                  </a:moveTo>
+                  <a:lnTo>
+                    <a:pt x="0" y="0"/>
+                  </a:lnTo>
+                </a:path>
+              </a:pathLst>
+            </a:custGeom>
+            <a:ln w="13550" cap="flat">
+              <a:solidFill>
+                <a:srgbClr val="333333">
+                  <a:alpha val="100000"/>
+                </a:srgbClr>
+              </a:solidFill>
+              <a:prstDash val="solid"/>
+              <a:round/>
+            </a:ln>
+          </p:spPr>
+          <p:txBody>
+            <a:bodyPr/>
+            <a:lstStyle/>
+            <a:p/>
+          </p:txBody>
+        </p:sp>
+        <p:sp>
+          <p:nvSpPr>
+            <p:cNvPr id="51" name="tx51"/>
             <p:cNvSpPr/>
             <p:nvPr/>
           </p:nvSpPr>
@@ -8584,13 +8924,13 @@
         </p:sp>
         <p:sp>
           <p:nvSpPr>
-            <p:cNvPr id="51" name="tx51"/>
+            <p:cNvPr id="52" name="tx52"/>
             <p:cNvSpPr/>
             <p:nvPr/>
           </p:nvSpPr>
           <p:spPr>
             <a:xfrm>
-              <a:off x="3256298" y="5088804"/>
+              <a:off x="3227055" y="5088804"/>
               <a:ext cx="81319" cy="87272"/>
             </a:xfrm>
             <a:prstGeom prst="rect">
@@ -8630,13 +8970,13 @@
         </p:sp>
         <p:sp>
           <p:nvSpPr>
-            <p:cNvPr id="52" name="tx52"/>
+            <p:cNvPr id="53" name="tx53"/>
             <p:cNvSpPr/>
             <p:nvPr/>
           </p:nvSpPr>
           <p:spPr>
             <a:xfrm>
-              <a:off x="3832925" y="5088804"/>
+              <a:off x="3775382" y="5088804"/>
               <a:ext cx="101560" cy="87272"/>
             </a:xfrm>
             <a:prstGeom prst="rect">
@@ -8676,59 +9016,13 @@
         </p:sp>
         <p:sp>
           <p:nvSpPr>
-            <p:cNvPr id="53" name="tx53"/>
-            <p:cNvSpPr/>
-            <p:nvPr/>
-          </p:nvSpPr>
-          <p:spPr>
-            <a:xfrm>
-              <a:off x="4459531" y="5087316"/>
-              <a:ext cx="60960" cy="88761"/>
-            </a:xfrm>
-            <a:prstGeom prst="rect">
-              <a:avLst/>
-            </a:prstGeom>
-            <a:noFill/>
-          </p:spPr>
-          <p:txBody>
-            <a:bodyPr lIns="0" rIns="0" tIns="0" bIns="0" anchorCtr="1" anchor="ctr" wrap="none"/>
-            <a:lstStyle/>
-            <a:p>
-              <a:pPr algn="l" marL="0" marR="0" indent="0">
-                <a:lnSpc>
-                  <a:spcPts val="960"/>
-                </a:lnSpc>
-                <a:spcBef>
-                  <a:spcPts val="0"/>
-                </a:spcBef>
-                <a:spcAft>
-                  <a:spcPts val="0"/>
-                </a:spcAft>
-              </a:pPr>
-              <a:r>
-                <a:rPr sz="960">
-                  <a:solidFill>
-                    <a:srgbClr val="4D4D4D">
-                      <a:alpha val="100000"/>
-                    </a:srgbClr>
-                  </a:solidFill>
-                  <a:latin typeface="Arial"/>
-                  <a:cs typeface="Arial"/>
-                </a:rPr>
-                <a:t>J</a:t>
-              </a:r>
-            </a:p>
-          </p:txBody>
-        </p:sp>
-        <p:sp>
-          <p:nvSpPr>
             <p:cNvPr id="54" name="tx54"/>
             <p:cNvSpPr/>
             <p:nvPr/>
           </p:nvSpPr>
           <p:spPr>
             <a:xfrm>
-              <a:off x="5046278" y="5087316"/>
+              <a:off x="4372745" y="5087316"/>
               <a:ext cx="60960" cy="88761"/>
             </a:xfrm>
             <a:prstGeom prst="rect">
@@ -8774,7 +9068,53 @@
           </p:nvSpPr>
           <p:spPr>
             <a:xfrm>
-              <a:off x="5642403" y="5088804"/>
+              <a:off x="4931192" y="5087316"/>
+              <a:ext cx="60960" cy="88761"/>
+            </a:xfrm>
+            <a:prstGeom prst="rect">
+              <a:avLst/>
+            </a:prstGeom>
+            <a:noFill/>
+          </p:spPr>
+          <p:txBody>
+            <a:bodyPr lIns="0" rIns="0" tIns="0" bIns="0" anchorCtr="1" anchor="ctr" wrap="none"/>
+            <a:lstStyle/>
+            <a:p>
+              <a:pPr algn="l" marL="0" marR="0" indent="0">
+                <a:lnSpc>
+                  <a:spcPts val="960"/>
+                </a:lnSpc>
+                <a:spcBef>
+                  <a:spcPts val="0"/>
+                </a:spcBef>
+                <a:spcAft>
+                  <a:spcPts val="0"/>
+                </a:spcAft>
+              </a:pPr>
+              <a:r>
+                <a:rPr sz="960">
+                  <a:solidFill>
+                    <a:srgbClr val="4D4D4D">
+                      <a:alpha val="100000"/>
+                    </a:srgbClr>
+                  </a:solidFill>
+                  <a:latin typeface="Arial"/>
+                  <a:cs typeface="Arial"/>
+                </a:rPr>
+                <a:t>J</a:t>
+              </a:r>
+            </a:p>
+          </p:txBody>
+        </p:sp>
+        <p:sp>
+          <p:nvSpPr>
+            <p:cNvPr id="56" name="tx56"/>
+            <p:cNvSpPr/>
+            <p:nvPr/>
+          </p:nvSpPr>
+          <p:spPr>
+            <a:xfrm>
+              <a:off x="5498075" y="5088804"/>
               <a:ext cx="81319" cy="87272"/>
             </a:xfrm>
             <a:prstGeom prst="rect">
@@ -8814,13 +9154,13 @@
         </p:sp>
         <p:sp>
           <p:nvSpPr>
-            <p:cNvPr id="56" name="tx56"/>
+            <p:cNvPr id="57" name="tx57"/>
             <p:cNvSpPr/>
             <p:nvPr/>
           </p:nvSpPr>
           <p:spPr>
             <a:xfrm>
-              <a:off x="6248709" y="5085828"/>
+              <a:off x="6075137" y="5085828"/>
               <a:ext cx="81319" cy="90249"/>
             </a:xfrm>
             <a:prstGeom prst="rect">
@@ -8860,13 +9200,13 @@
         </p:sp>
         <p:sp>
           <p:nvSpPr>
-            <p:cNvPr id="57" name="tx57"/>
+            <p:cNvPr id="58" name="tx58"/>
             <p:cNvSpPr/>
             <p:nvPr/>
           </p:nvSpPr>
           <p:spPr>
             <a:xfrm>
-              <a:off x="6828699" y="5085768"/>
+              <a:off x="6626828" y="5085768"/>
               <a:ext cx="94833" cy="90308"/>
             </a:xfrm>
             <a:prstGeom prst="rect">
@@ -8906,13 +9246,13 @@
         </p:sp>
         <p:sp>
           <p:nvSpPr>
-            <p:cNvPr id="58" name="tx58"/>
+            <p:cNvPr id="59" name="tx59"/>
             <p:cNvSpPr/>
             <p:nvPr/>
           </p:nvSpPr>
           <p:spPr>
             <a:xfrm>
-              <a:off x="7438398" y="5088804"/>
+              <a:off x="7207284" y="5088804"/>
               <a:ext cx="88046" cy="87272"/>
             </a:xfrm>
             <a:prstGeom prst="rect">
@@ -8952,13 +9292,13 @@
         </p:sp>
         <p:sp>
           <p:nvSpPr>
-            <p:cNvPr id="59" name="tx59"/>
+            <p:cNvPr id="60" name="tx60"/>
             <p:cNvSpPr/>
             <p:nvPr/>
           </p:nvSpPr>
           <p:spPr>
             <a:xfrm>
-              <a:off x="8025146" y="5088804"/>
+              <a:off x="7765732" y="5088804"/>
               <a:ext cx="88046" cy="87272"/>
             </a:xfrm>
             <a:prstGeom prst="rect">
@@ -8998,7 +9338,53 @@
         </p:sp>
         <p:sp>
           <p:nvSpPr>
-            <p:cNvPr id="60" name="tx60"/>
+            <p:cNvPr id="61" name="tx61"/>
+            <p:cNvSpPr/>
+            <p:nvPr/>
+          </p:nvSpPr>
+          <p:spPr>
+            <a:xfrm>
+              <a:off x="8356337" y="5087316"/>
+              <a:ext cx="60960" cy="88761"/>
+            </a:xfrm>
+            <a:prstGeom prst="rect">
+              <a:avLst/>
+            </a:prstGeom>
+            <a:noFill/>
+          </p:spPr>
+          <p:txBody>
+            <a:bodyPr lIns="0" rIns="0" tIns="0" bIns="0" anchorCtr="1" anchor="ctr" wrap="none"/>
+            <a:lstStyle/>
+            <a:p>
+              <a:pPr algn="l" marL="0" marR="0" indent="0">
+                <a:lnSpc>
+                  <a:spcPts val="960"/>
+                </a:lnSpc>
+                <a:spcBef>
+                  <a:spcPts val="0"/>
+                </a:spcBef>
+                <a:spcAft>
+                  <a:spcPts val="0"/>
+                </a:spcAft>
+              </a:pPr>
+              <a:r>
+                <a:rPr sz="960">
+                  <a:solidFill>
+                    <a:srgbClr val="4D4D4D">
+                      <a:alpha val="100000"/>
+                    </a:srgbClr>
+                  </a:solidFill>
+                  <a:latin typeface="Arial"/>
+                  <a:cs typeface="Arial"/>
+                </a:rPr>
+                <a:t>J</a:t>
+              </a:r>
+            </a:p>
+          </p:txBody>
+        </p:sp>
+        <p:sp>
+          <p:nvSpPr>
+            <p:cNvPr id="62" name="tx62"/>
             <p:cNvSpPr/>
             <p:nvPr/>
           </p:nvSpPr>
@@ -9044,7 +9430,7 @@
         </p:sp>
         <p:sp>
           <p:nvSpPr>
-            <p:cNvPr id="61" name="rc61"/>
+            <p:cNvPr id="63" name="rc63"/>
             <p:cNvSpPr/>
             <p:nvPr/>
           </p:nvSpPr>
@@ -9070,7 +9456,7 @@
         </p:sp>
         <p:sp>
           <p:nvSpPr>
-            <p:cNvPr id="62" name="rc62"/>
+            <p:cNvPr id="64" name="rc64"/>
             <p:cNvSpPr/>
             <p:nvPr/>
           </p:nvSpPr>
@@ -9091,7 +9477,7 @@
         </p:sp>
         <p:sp>
           <p:nvSpPr>
-            <p:cNvPr id="63" name="rc63"/>
+            <p:cNvPr id="65" name="rc65"/>
             <p:cNvSpPr/>
             <p:nvPr/>
           </p:nvSpPr>
@@ -9117,7 +9503,7 @@
         </p:sp>
         <p:sp>
           <p:nvSpPr>
-            <p:cNvPr id="64" name="rc64"/>
+            <p:cNvPr id="66" name="rc66"/>
             <p:cNvSpPr/>
             <p:nvPr/>
           </p:nvSpPr>
@@ -9138,7 +9524,7 @@
         </p:sp>
         <p:sp>
           <p:nvSpPr>
-            <p:cNvPr id="65" name="rc65"/>
+            <p:cNvPr id="67" name="rc67"/>
             <p:cNvSpPr/>
             <p:nvPr/>
           </p:nvSpPr>
@@ -9164,7 +9550,7 @@
         </p:sp>
         <p:sp>
           <p:nvSpPr>
-            <p:cNvPr id="66" name="rc66"/>
+            <p:cNvPr id="68" name="rc68"/>
             <p:cNvSpPr/>
             <p:nvPr/>
           </p:nvSpPr>
@@ -9185,7 +9571,7 @@
         </p:sp>
         <p:sp>
           <p:nvSpPr>
-            <p:cNvPr id="67" name="rc67"/>
+            <p:cNvPr id="69" name="rc69"/>
             <p:cNvSpPr/>
             <p:nvPr/>
           </p:nvSpPr>
@@ -9211,7 +9597,7 @@
         </p:sp>
         <p:sp>
           <p:nvSpPr>
-            <p:cNvPr id="68" name="rc68"/>
+            <p:cNvPr id="70" name="rc70"/>
             <p:cNvSpPr/>
             <p:nvPr/>
           </p:nvSpPr>
@@ -9232,7 +9618,7 @@
         </p:sp>
         <p:sp>
           <p:nvSpPr>
-            <p:cNvPr id="69" name="rc69"/>
+            <p:cNvPr id="71" name="rc71"/>
             <p:cNvSpPr/>
             <p:nvPr/>
           </p:nvSpPr>
@@ -9258,7 +9644,7 @@
         </p:sp>
         <p:sp>
           <p:nvSpPr>
-            <p:cNvPr id="70" name="rc70"/>
+            <p:cNvPr id="72" name="rc72"/>
             <p:cNvSpPr/>
             <p:nvPr/>
           </p:nvSpPr>
@@ -9279,7 +9665,7 @@
         </p:sp>
         <p:sp>
           <p:nvSpPr>
-            <p:cNvPr id="71" name="rc71"/>
+            <p:cNvPr id="73" name="rc73"/>
             <p:cNvSpPr/>
             <p:nvPr/>
           </p:nvSpPr>
@@ -9305,7 +9691,7 @@
         </p:sp>
         <p:sp>
           <p:nvSpPr>
-            <p:cNvPr id="72" name="rc72"/>
+            <p:cNvPr id="74" name="rc74"/>
             <p:cNvSpPr/>
             <p:nvPr/>
           </p:nvSpPr>
@@ -9326,7 +9712,7 @@
         </p:sp>
         <p:sp>
           <p:nvSpPr>
-            <p:cNvPr id="73" name="rc73"/>
+            <p:cNvPr id="75" name="rc75"/>
             <p:cNvSpPr/>
             <p:nvPr/>
           </p:nvSpPr>
@@ -9352,7 +9738,7 @@
         </p:sp>
         <p:sp>
           <p:nvSpPr>
-            <p:cNvPr id="74" name="rc74"/>
+            <p:cNvPr id="76" name="rc76"/>
             <p:cNvSpPr/>
             <p:nvPr/>
           </p:nvSpPr>
@@ -9373,7 +9759,7 @@
         </p:sp>
         <p:sp>
           <p:nvSpPr>
-            <p:cNvPr id="75" name="rc75"/>
+            <p:cNvPr id="77" name="rc77"/>
             <p:cNvSpPr/>
             <p:nvPr/>
           </p:nvSpPr>
@@ -9399,7 +9785,7 @@
         </p:sp>
         <p:sp>
           <p:nvSpPr>
-            <p:cNvPr id="76" name="rc76"/>
+            <p:cNvPr id="78" name="rc78"/>
             <p:cNvSpPr/>
             <p:nvPr/>
           </p:nvSpPr>
@@ -9420,7 +9806,7 @@
         </p:sp>
         <p:sp>
           <p:nvSpPr>
-            <p:cNvPr id="77" name="rc77"/>
+            <p:cNvPr id="79" name="rc79"/>
             <p:cNvSpPr/>
             <p:nvPr/>
           </p:nvSpPr>
@@ -9446,7 +9832,7 @@
         </p:sp>
         <p:sp>
           <p:nvSpPr>
-            <p:cNvPr id="78" name="rc78"/>
+            <p:cNvPr id="80" name="rc80"/>
             <p:cNvSpPr/>
             <p:nvPr/>
           </p:nvSpPr>
@@ -9467,7 +9853,7 @@
         </p:sp>
         <p:sp>
           <p:nvSpPr>
-            <p:cNvPr id="79" name="rc79"/>
+            <p:cNvPr id="81" name="rc81"/>
             <p:cNvSpPr/>
             <p:nvPr/>
           </p:nvSpPr>
@@ -9493,7 +9879,7 @@
         </p:sp>
         <p:sp>
           <p:nvSpPr>
-            <p:cNvPr id="80" name="rc80"/>
+            <p:cNvPr id="82" name="rc82"/>
             <p:cNvSpPr/>
             <p:nvPr/>
           </p:nvSpPr>
@@ -9514,7 +9900,7 @@
         </p:sp>
         <p:sp>
           <p:nvSpPr>
-            <p:cNvPr id="81" name="rc81"/>
+            <p:cNvPr id="83" name="rc83"/>
             <p:cNvSpPr/>
             <p:nvPr/>
           </p:nvSpPr>
@@ -9540,7 +9926,7 @@
         </p:sp>
         <p:sp>
           <p:nvSpPr>
-            <p:cNvPr id="82" name="tx82"/>
+            <p:cNvPr id="84" name="tx84"/>
             <p:cNvSpPr/>
             <p:nvPr/>
           </p:nvSpPr>
@@ -9586,7 +9972,7 @@
         </p:sp>
         <p:sp>
           <p:nvSpPr>
-            <p:cNvPr id="83" name="tx83"/>
+            <p:cNvPr id="85" name="tx85"/>
             <p:cNvSpPr/>
             <p:nvPr/>
           </p:nvSpPr>
@@ -9632,7 +10018,7 @@
         </p:sp>
         <p:sp>
           <p:nvSpPr>
-            <p:cNvPr id="84" name="tx84"/>
+            <p:cNvPr id="86" name="tx86"/>
             <p:cNvSpPr/>
             <p:nvPr/>
           </p:nvSpPr>
@@ -9678,13 +10064,59 @@
         </p:sp>
         <p:sp>
           <p:nvSpPr>
-            <p:cNvPr id="85" name="tx85"/>
+            <p:cNvPr id="87" name="tx87"/>
             <p:cNvSpPr/>
             <p:nvPr/>
           </p:nvSpPr>
           <p:spPr>
             <a:xfrm>
               <a:off x="5937415" y="5479154"/>
+              <a:ext cx="182999" cy="87630"/>
+            </a:xfrm>
+            <a:prstGeom prst="rect">
+              <a:avLst/>
+            </a:prstGeom>
+            <a:noFill/>
+          </p:spPr>
+          <p:txBody>
+            <a:bodyPr lIns="0" rIns="0" tIns="0" bIns="0" anchorCtr="1" anchor="ctr" wrap="none"/>
+            <a:lstStyle/>
+            <a:p>
+              <a:pPr algn="l" marL="0" marR="0" indent="0">
+                <a:lnSpc>
+                  <a:spcPts val="960"/>
+                </a:lnSpc>
+                <a:spcBef>
+                  <a:spcPts val="0"/>
+                </a:spcBef>
+                <a:spcAft>
+                  <a:spcPts val="0"/>
+                </a:spcAft>
+              </a:pPr>
+              <a:r>
+                <a:rPr sz="960">
+                  <a:solidFill>
+                    <a:srgbClr val="000000">
+                      <a:alpha val="100000"/>
+                    </a:srgbClr>
+                  </a:solidFill>
+                  <a:latin typeface="Arial"/>
+                  <a:cs typeface="Arial"/>
+                </a:rPr>
+                <a:t>B.1</a:t>
+              </a:r>
+            </a:p>
+          </p:txBody>
+        </p:sp>
+        <p:sp>
+          <p:nvSpPr>
+            <p:cNvPr id="88" name="tx88"/>
+            <p:cNvSpPr/>
+            <p:nvPr/>
+          </p:nvSpPr>
+          <p:spPr>
+            <a:xfrm>
+              <a:off x="7185001" y="5479154"/>
               <a:ext cx="284678" cy="87630"/>
             </a:xfrm>
             <a:prstGeom prst="rect">
@@ -9724,53 +10156,7 @@
         </p:sp>
         <p:sp>
           <p:nvSpPr>
-            <p:cNvPr id="86" name="tx86"/>
-            <p:cNvSpPr/>
-            <p:nvPr/>
-          </p:nvSpPr>
-          <p:spPr>
-            <a:xfrm>
-              <a:off x="7185001" y="5477665"/>
-              <a:ext cx="521970" cy="89118"/>
-            </a:xfrm>
-            <a:prstGeom prst="rect">
-              <a:avLst/>
-            </a:prstGeom>
-            <a:noFill/>
-          </p:spPr>
-          <p:txBody>
-            <a:bodyPr lIns="0" rIns="0" tIns="0" bIns="0" anchorCtr="1" anchor="ctr" wrap="none"/>
-            <a:lstStyle/>
-            <a:p>
-              <a:pPr algn="l" marL="0" marR="0" indent="0">
-                <a:lnSpc>
-                  <a:spcPts val="960"/>
-                </a:lnSpc>
-                <a:spcBef>
-                  <a:spcPts val="0"/>
-                </a:spcBef>
-                <a:spcAft>
-                  <a:spcPts val="0"/>
-                </a:spcAft>
-              </a:pPr>
-              <a:r>
-                <a:rPr sz="960">
-                  <a:solidFill>
-                    <a:srgbClr val="000000">
-                      <a:alpha val="100000"/>
-                    </a:srgbClr>
-                  </a:solidFill>
-                  <a:latin typeface="Arial"/>
-                  <a:cs typeface="Arial"/>
-                </a:rPr>
-                <a:t>B.1.1.257</a:t>
-              </a:r>
-            </a:p>
-          </p:txBody>
-        </p:sp>
-        <p:sp>
-          <p:nvSpPr>
-            <p:cNvPr id="87" name="tx87"/>
+            <p:cNvPr id="89" name="tx89"/>
             <p:cNvSpPr/>
             <p:nvPr/>
           </p:nvSpPr>
@@ -9816,7 +10202,7 @@
         </p:sp>
         <p:sp>
           <p:nvSpPr>
-            <p:cNvPr id="88" name="tx88"/>
+            <p:cNvPr id="90" name="tx90"/>
             <p:cNvSpPr/>
             <p:nvPr/>
           </p:nvSpPr>
@@ -9862,7 +10248,7 @@
         </p:sp>
         <p:sp>
           <p:nvSpPr>
-            <p:cNvPr id="89" name="tx89"/>
+            <p:cNvPr id="91" name="tx91"/>
             <p:cNvSpPr/>
             <p:nvPr/>
           </p:nvSpPr>
@@ -9908,7 +10294,7 @@
         </p:sp>
         <p:sp>
           <p:nvSpPr>
-            <p:cNvPr id="90" name="tx90"/>
+            <p:cNvPr id="92" name="tx92"/>
             <p:cNvSpPr/>
             <p:nvPr/>
           </p:nvSpPr>
@@ -9954,7 +10340,7 @@
         </p:sp>
         <p:sp>
           <p:nvSpPr>
-            <p:cNvPr id="91" name="tx91"/>
+            <p:cNvPr id="93" name="tx93"/>
             <p:cNvSpPr/>
             <p:nvPr/>
           </p:nvSpPr>
